--- a/APRESENTACAO-TCC-2.pptx
+++ b/APRESENTACAO-TCC-2.pptx
@@ -6,40 +6,47 @@
   </p:sldMasterIdLst>
   <p:sldIdLst>
     <p:sldId id="256" r:id="rId2"/>
-    <p:sldId id="272" r:id="rId3"/>
-    <p:sldId id="257" r:id="rId4"/>
-    <p:sldId id="258" r:id="rId5"/>
-    <p:sldId id="259" r:id="rId6"/>
-    <p:sldId id="262" r:id="rId7"/>
-    <p:sldId id="263" r:id="rId8"/>
-    <p:sldId id="276" r:id="rId9"/>
-    <p:sldId id="277" r:id="rId10"/>
-    <p:sldId id="279" r:id="rId11"/>
-    <p:sldId id="280" r:id="rId12"/>
-    <p:sldId id="281" r:id="rId13"/>
-    <p:sldId id="282" r:id="rId14"/>
-    <p:sldId id="283" r:id="rId15"/>
-    <p:sldId id="284" r:id="rId16"/>
-    <p:sldId id="285" r:id="rId17"/>
-    <p:sldId id="286" r:id="rId18"/>
-    <p:sldId id="287" r:id="rId19"/>
-    <p:sldId id="288" r:id="rId20"/>
-    <p:sldId id="289" r:id="rId21"/>
-    <p:sldId id="290" r:id="rId22"/>
-    <p:sldId id="291" r:id="rId23"/>
-    <p:sldId id="292" r:id="rId24"/>
-    <p:sldId id="293" r:id="rId25"/>
-    <p:sldId id="294" r:id="rId26"/>
-    <p:sldId id="295" r:id="rId27"/>
-    <p:sldId id="296" r:id="rId28"/>
-    <p:sldId id="297" r:id="rId29"/>
+    <p:sldId id="304" r:id="rId3"/>
+    <p:sldId id="272" r:id="rId4"/>
+    <p:sldId id="257" r:id="rId5"/>
+    <p:sldId id="258" r:id="rId6"/>
+    <p:sldId id="259" r:id="rId7"/>
+    <p:sldId id="262" r:id="rId8"/>
+    <p:sldId id="298" r:id="rId9"/>
+    <p:sldId id="299" r:id="rId10"/>
+    <p:sldId id="305" r:id="rId11"/>
+    <p:sldId id="276" r:id="rId12"/>
+    <p:sldId id="263" r:id="rId13"/>
+    <p:sldId id="277" r:id="rId14"/>
+    <p:sldId id="279" r:id="rId15"/>
+    <p:sldId id="280" r:id="rId16"/>
+    <p:sldId id="281" r:id="rId17"/>
+    <p:sldId id="282" r:id="rId18"/>
+    <p:sldId id="283" r:id="rId19"/>
+    <p:sldId id="284" r:id="rId20"/>
+    <p:sldId id="285" r:id="rId21"/>
+    <p:sldId id="286" r:id="rId22"/>
+    <p:sldId id="287" r:id="rId23"/>
+    <p:sldId id="288" r:id="rId24"/>
+    <p:sldId id="289" r:id="rId25"/>
+    <p:sldId id="290" r:id="rId26"/>
+    <p:sldId id="291" r:id="rId27"/>
+    <p:sldId id="292" r:id="rId28"/>
+    <p:sldId id="293" r:id="rId29"/>
+    <p:sldId id="294" r:id="rId30"/>
+    <p:sldId id="295" r:id="rId31"/>
+    <p:sldId id="296" r:id="rId32"/>
+    <p:sldId id="297" r:id="rId33"/>
+    <p:sldId id="301" r:id="rId34"/>
+    <p:sldId id="302" r:id="rId35"/>
+    <p:sldId id="303" r:id="rId36"/>
   </p:sldIdLst>
   <p:sldSz cx="12192000" cy="6858000"/>
   <p:notesSz cx="6858000" cy="9144000"/>
   <p:custShowLst>
     <p:custShow name="Apresentação personalizada 1" id="0">
       <p:sldLst>
-        <p:sld r:id="rId5"/>
+        <p:sld r:id="rId6"/>
       </p:sldLst>
     </p:custShow>
   </p:custShowLst>
@@ -144,13 +151,17 @@
         <p14:section name="Seção Padrão" id="{2A8BC623-0AF1-40E5-8C78-E1F76BD798FD}">
           <p14:sldIdLst>
             <p14:sldId id="256"/>
+            <p14:sldId id="304"/>
             <p14:sldId id="272"/>
             <p14:sldId id="257"/>
             <p14:sldId id="258"/>
             <p14:sldId id="259"/>
             <p14:sldId id="262"/>
+            <p14:sldId id="298"/>
+            <p14:sldId id="299"/>
+            <p14:sldId id="305"/>
+            <p14:sldId id="276"/>
             <p14:sldId id="263"/>
-            <p14:sldId id="276"/>
             <p14:sldId id="277"/>
             <p14:sldId id="279"/>
             <p14:sldId id="280"/>
@@ -175,6 +186,13 @@
             <p14:sldId id="295"/>
             <p14:sldId id="296"/>
             <p14:sldId id="297"/>
+          </p14:sldIdLst>
+        </p14:section>
+        <p14:section name="Seção sem Título" id="{10103643-79B5-42C2-9B57-FC3AA28269B2}">
+          <p14:sldIdLst>
+            <p14:sldId id="301"/>
+            <p14:sldId id="302"/>
+            <p14:sldId id="303"/>
           </p14:sldIdLst>
         </p14:section>
       </p14:sectionLst>
@@ -317,7 +335,7 @@
           <a:p>
             <a:fld id="{DAAFE68B-F46F-4145-AE94-33FC9CEF2B05}" type="datetimeFigureOut">
               <a:rPr lang="pt-BR" smtClean="0"/>
-              <a:t>01/03/2023</a:t>
+              <a:t>02/03/2023</a:t>
             </a:fld>
             <a:endParaRPr lang="pt-BR"/>
           </a:p>
@@ -487,7 +505,7 @@
           <a:p>
             <a:fld id="{DAAFE68B-F46F-4145-AE94-33FC9CEF2B05}" type="datetimeFigureOut">
               <a:rPr lang="pt-BR" smtClean="0"/>
-              <a:t>01/03/2023</a:t>
+              <a:t>02/03/2023</a:t>
             </a:fld>
             <a:endParaRPr lang="pt-BR"/>
           </a:p>
@@ -667,7 +685,7 @@
           <a:p>
             <a:fld id="{DAAFE68B-F46F-4145-AE94-33FC9CEF2B05}" type="datetimeFigureOut">
               <a:rPr lang="pt-BR" smtClean="0"/>
-              <a:t>01/03/2023</a:t>
+              <a:t>02/03/2023</a:t>
             </a:fld>
             <a:endParaRPr lang="pt-BR"/>
           </a:p>
@@ -837,7 +855,7 @@
           <a:p>
             <a:fld id="{DAAFE68B-F46F-4145-AE94-33FC9CEF2B05}" type="datetimeFigureOut">
               <a:rPr lang="pt-BR" smtClean="0"/>
-              <a:t>01/03/2023</a:t>
+              <a:t>02/03/2023</a:t>
             </a:fld>
             <a:endParaRPr lang="pt-BR"/>
           </a:p>
@@ -1083,7 +1101,7 @@
           <a:p>
             <a:fld id="{DAAFE68B-F46F-4145-AE94-33FC9CEF2B05}" type="datetimeFigureOut">
               <a:rPr lang="pt-BR" smtClean="0"/>
-              <a:t>01/03/2023</a:t>
+              <a:t>02/03/2023</a:t>
             </a:fld>
             <a:endParaRPr lang="pt-BR"/>
           </a:p>
@@ -1315,7 +1333,7 @@
           <a:p>
             <a:fld id="{DAAFE68B-F46F-4145-AE94-33FC9CEF2B05}" type="datetimeFigureOut">
               <a:rPr lang="pt-BR" smtClean="0"/>
-              <a:t>01/03/2023</a:t>
+              <a:t>02/03/2023</a:t>
             </a:fld>
             <a:endParaRPr lang="pt-BR"/>
           </a:p>
@@ -1682,7 +1700,7 @@
           <a:p>
             <a:fld id="{DAAFE68B-F46F-4145-AE94-33FC9CEF2B05}" type="datetimeFigureOut">
               <a:rPr lang="pt-BR" smtClean="0"/>
-              <a:t>01/03/2023</a:t>
+              <a:t>02/03/2023</a:t>
             </a:fld>
             <a:endParaRPr lang="pt-BR"/>
           </a:p>
@@ -1800,7 +1818,7 @@
           <a:p>
             <a:fld id="{DAAFE68B-F46F-4145-AE94-33FC9CEF2B05}" type="datetimeFigureOut">
               <a:rPr lang="pt-BR" smtClean="0"/>
-              <a:t>01/03/2023</a:t>
+              <a:t>02/03/2023</a:t>
             </a:fld>
             <a:endParaRPr lang="pt-BR"/>
           </a:p>
@@ -1895,7 +1913,7 @@
           <a:p>
             <a:fld id="{DAAFE68B-F46F-4145-AE94-33FC9CEF2B05}" type="datetimeFigureOut">
               <a:rPr lang="pt-BR" smtClean="0"/>
-              <a:t>01/03/2023</a:t>
+              <a:t>02/03/2023</a:t>
             </a:fld>
             <a:endParaRPr lang="pt-BR"/>
           </a:p>
@@ -2172,7 +2190,7 @@
           <a:p>
             <a:fld id="{DAAFE68B-F46F-4145-AE94-33FC9CEF2B05}" type="datetimeFigureOut">
               <a:rPr lang="pt-BR" smtClean="0"/>
-              <a:t>01/03/2023</a:t>
+              <a:t>02/03/2023</a:t>
             </a:fld>
             <a:endParaRPr lang="pt-BR"/>
           </a:p>
@@ -2425,7 +2443,7 @@
           <a:p>
             <a:fld id="{DAAFE68B-F46F-4145-AE94-33FC9CEF2B05}" type="datetimeFigureOut">
               <a:rPr lang="pt-BR" smtClean="0"/>
-              <a:t>01/03/2023</a:t>
+              <a:t>02/03/2023</a:t>
             </a:fld>
             <a:endParaRPr lang="pt-BR"/>
           </a:p>
@@ -2638,7 +2656,7 @@
           <a:p>
             <a:fld id="{DAAFE68B-F46F-4145-AE94-33FC9CEF2B05}" type="datetimeFigureOut">
               <a:rPr lang="pt-BR" smtClean="0"/>
-              <a:t>01/03/2023</a:t>
+              <a:t>02/03/2023</a:t>
             </a:fld>
             <a:endParaRPr lang="pt-BR"/>
           </a:p>
@@ -3029,6 +3047,40 @@
 <file path=ppt/slides/slide1.xml><?xml version="1.0" encoding="utf-8"?>
 <p:sld xmlns:a="http://schemas.openxmlformats.org/drawingml/2006/main" xmlns:r="http://schemas.openxmlformats.org/officeDocument/2006/relationships" xmlns:p="http://schemas.openxmlformats.org/presentationml/2006/main">
   <p:cSld>
+    <p:bg>
+      <p:bgPr>
+        <a:gradFill>
+          <a:gsLst>
+            <a:gs pos="0">
+              <a:schemeClr val="accent1">
+                <a:lumMod val="5000"/>
+                <a:lumOff val="95000"/>
+              </a:schemeClr>
+            </a:gs>
+            <a:gs pos="74000">
+              <a:schemeClr val="accent1">
+                <a:lumMod val="45000"/>
+                <a:lumOff val="55000"/>
+              </a:schemeClr>
+            </a:gs>
+            <a:gs pos="83000">
+              <a:schemeClr val="accent1">
+                <a:lumMod val="45000"/>
+                <a:lumOff val="55000"/>
+              </a:schemeClr>
+            </a:gs>
+            <a:gs pos="100000">
+              <a:schemeClr val="accent1">
+                <a:lumMod val="30000"/>
+                <a:lumOff val="70000"/>
+              </a:schemeClr>
+            </a:gs>
+          </a:gsLst>
+          <a:lin ang="5400000" scaled="1"/>
+        </a:gradFill>
+        <a:effectLst/>
+      </p:bgPr>
+    </p:bg>
     <p:spTree>
       <p:nvGrpSpPr>
         <p:cNvPr id="1" name=""/>
@@ -3200,6 +3252,40 @@
 <file path=ppt/slides/slide10.xml><?xml version="1.0" encoding="utf-8"?>
 <p:sld xmlns:a="http://schemas.openxmlformats.org/drawingml/2006/main" xmlns:r="http://schemas.openxmlformats.org/officeDocument/2006/relationships" xmlns:p="http://schemas.openxmlformats.org/presentationml/2006/main">
   <p:cSld>
+    <p:bg>
+      <p:bgPr>
+        <a:gradFill>
+          <a:gsLst>
+            <a:gs pos="0">
+              <a:schemeClr val="accent1">
+                <a:lumMod val="5000"/>
+                <a:lumOff val="95000"/>
+              </a:schemeClr>
+            </a:gs>
+            <a:gs pos="74000">
+              <a:schemeClr val="accent1">
+                <a:lumMod val="45000"/>
+                <a:lumOff val="55000"/>
+              </a:schemeClr>
+            </a:gs>
+            <a:gs pos="83000">
+              <a:schemeClr val="accent1">
+                <a:lumMod val="45000"/>
+                <a:lumOff val="55000"/>
+              </a:schemeClr>
+            </a:gs>
+            <a:gs pos="100000">
+              <a:schemeClr val="accent1">
+                <a:lumMod val="30000"/>
+                <a:lumOff val="70000"/>
+              </a:schemeClr>
+            </a:gs>
+          </a:gsLst>
+          <a:lin ang="5400000" scaled="1"/>
+        </a:gradFill>
+        <a:effectLst/>
+      </p:bgPr>
+    </p:bg>
     <p:spTree>
       <p:nvGrpSpPr>
         <p:cNvPr id="1" name=""/>
@@ -3231,51 +3317,42 @@
           <a:p>
             <a:r>
               <a:rPr lang="pt-BR" dirty="0" smtClean="0"/>
-              <a:t>Testes x Resultado</a:t>
+              <a:t>Uso do Padrão Proxy</a:t>
             </a:r>
             <a:endParaRPr lang="pt-BR" dirty="0"/>
           </a:p>
         </p:txBody>
       </p:sp>
-      <p:sp>
-        <p:nvSpPr>
-          <p:cNvPr id="3" name="Espaço Reservado para Conteúdo 2"/>
-          <p:cNvSpPr>
-            <a:spLocks noGrp="1"/>
-          </p:cNvSpPr>
+      <p:pic>
+        <p:nvPicPr>
+          <p:cNvPr id="8" name="Espaço Reservado para Conteúdo 7"/>
+          <p:cNvPicPr>
+            <a:picLocks noGrp="1" noChangeAspect="1"/>
+          </p:cNvPicPr>
           <p:nvPr>
             <p:ph idx="1"/>
           </p:nvPr>
-        </p:nvSpPr>
-        <p:spPr/>
-        <p:txBody>
-          <a:bodyPr/>
-          <a:lstStyle/>
-          <a:p>
-            <a:r>
-              <a:rPr lang="pt-BR" dirty="0" smtClean="0"/>
-              <a:t>LINT </a:t>
-            </a:r>
-          </a:p>
-          <a:p>
-            <a:r>
-              <a:rPr lang="pt-BR" dirty="0" smtClean="0"/>
-              <a:t>Scanner Acessibilidade</a:t>
-            </a:r>
-          </a:p>
-          <a:p>
-            <a:r>
-              <a:rPr lang="pt-BR" dirty="0" smtClean="0"/>
-              <a:t>Guia de Acessibilidade</a:t>
-            </a:r>
-            <a:endParaRPr lang="pt-BR" dirty="0"/>
-          </a:p>
-        </p:txBody>
-      </p:sp>
+        </p:nvPicPr>
+        <p:blipFill>
+          <a:blip r:embed="rId2"/>
+          <a:stretch>
+            <a:fillRect/>
+          </a:stretch>
+        </p:blipFill>
+        <p:spPr>
+          <a:xfrm>
+            <a:off x="3490220" y="1825625"/>
+            <a:ext cx="5211559" cy="4351338"/>
+          </a:xfrm>
+          <a:prstGeom prst="rect">
+            <a:avLst/>
+          </a:prstGeom>
+        </p:spPr>
+      </p:pic>
     </p:spTree>
     <p:extLst>
       <p:ext uri="{BB962C8B-B14F-4D97-AF65-F5344CB8AC3E}">
-        <p14:creationId xmlns:p14="http://schemas.microsoft.com/office/powerpoint/2010/main" val="2733041201"/>
+        <p14:creationId xmlns:p14="http://schemas.microsoft.com/office/powerpoint/2010/main" val="2149100162"/>
       </p:ext>
     </p:extLst>
   </p:cSld>
@@ -3295,2617 +3372,40 @@
 <file path=ppt/slides/slide11.xml><?xml version="1.0" encoding="utf-8"?>
 <p:sld xmlns:a="http://schemas.openxmlformats.org/drawingml/2006/main" xmlns:r="http://schemas.openxmlformats.org/officeDocument/2006/relationships" xmlns:p="http://schemas.openxmlformats.org/presentationml/2006/main">
   <p:cSld>
-    <p:spTree>
-      <p:nvGrpSpPr>
-        <p:cNvPr id="1" name=""/>
-        <p:cNvGrpSpPr/>
-        <p:nvPr/>
-      </p:nvGrpSpPr>
-      <p:grpSpPr>
-        <a:xfrm>
-          <a:off x="0" y="0"/>
-          <a:ext cx="0" cy="0"/>
-          <a:chOff x="0" y="0"/>
-          <a:chExt cx="0" cy="0"/>
-        </a:xfrm>
-      </p:grpSpPr>
-      <p:sp>
-        <p:nvSpPr>
-          <p:cNvPr id="2" name="Título 1"/>
-          <p:cNvSpPr>
-            <a:spLocks noGrp="1"/>
-          </p:cNvSpPr>
-          <p:nvPr>
-            <p:ph type="title"/>
-          </p:nvPr>
-        </p:nvSpPr>
-        <p:spPr/>
-        <p:txBody>
-          <a:bodyPr/>
-          <a:lstStyle/>
-          <a:p>
-            <a:r>
-              <a:rPr lang="pt-BR" dirty="0" smtClean="0"/>
-              <a:t>LINT</a:t>
-            </a:r>
-            <a:endParaRPr lang="pt-BR" dirty="0"/>
-          </a:p>
-        </p:txBody>
-      </p:sp>
-      <p:pic>
-        <p:nvPicPr>
-          <p:cNvPr id="4" name="Espaço Reservado para Conteúdo 3"/>
-          <p:cNvPicPr>
-            <a:picLocks noGrp="1" noChangeAspect="1"/>
-          </p:cNvPicPr>
-          <p:nvPr>
-            <p:ph idx="1"/>
-          </p:nvPr>
-        </p:nvPicPr>
-        <p:blipFill>
-          <a:blip r:embed="rId2"/>
-          <a:stretch>
-            <a:fillRect/>
-          </a:stretch>
-        </p:blipFill>
-        <p:spPr>
-          <a:xfrm>
-            <a:off x="3219450" y="2963069"/>
-            <a:ext cx="5753100" cy="2076450"/>
-          </a:xfrm>
-          <a:prstGeom prst="rect">
-            <a:avLst/>
-          </a:prstGeom>
-        </p:spPr>
-      </p:pic>
-    </p:spTree>
-    <p:extLst>
-      <p:ext uri="{BB962C8B-B14F-4D97-AF65-F5344CB8AC3E}">
-        <p14:creationId xmlns:p14="http://schemas.microsoft.com/office/powerpoint/2010/main" val="3074543854"/>
-      </p:ext>
-    </p:extLst>
-  </p:cSld>
-  <p:clrMapOvr>
-    <a:masterClrMapping/>
-  </p:clrMapOvr>
-  <p:timing>
-    <p:tnLst>
-      <p:par>
-        <p:cTn id="1" dur="indefinite" restart="never" nodeType="tmRoot"/>
-      </p:par>
-    </p:tnLst>
-  </p:timing>
-</p:sld>
-</file>
-
-<file path=ppt/slides/slide12.xml><?xml version="1.0" encoding="utf-8"?>
-<p:sld xmlns:a="http://schemas.openxmlformats.org/drawingml/2006/main" xmlns:r="http://schemas.openxmlformats.org/officeDocument/2006/relationships" xmlns:p="http://schemas.openxmlformats.org/presentationml/2006/main">
-  <p:cSld>
-    <p:spTree>
-      <p:nvGrpSpPr>
-        <p:cNvPr id="1" name=""/>
-        <p:cNvGrpSpPr/>
-        <p:nvPr/>
-      </p:nvGrpSpPr>
-      <p:grpSpPr>
-        <a:xfrm>
-          <a:off x="0" y="0"/>
-          <a:ext cx="0" cy="0"/>
-          <a:chOff x="0" y="0"/>
-          <a:chExt cx="0" cy="0"/>
-        </a:xfrm>
-      </p:grpSpPr>
-      <p:sp>
-        <p:nvSpPr>
-          <p:cNvPr id="2" name="Título 1"/>
-          <p:cNvSpPr>
-            <a:spLocks noGrp="1"/>
-          </p:cNvSpPr>
-          <p:nvPr>
-            <p:ph type="title"/>
-          </p:nvPr>
-        </p:nvSpPr>
-        <p:spPr/>
-        <p:txBody>
-          <a:bodyPr/>
-          <a:lstStyle/>
-          <a:p>
-            <a:r>
-              <a:rPr lang="pt-BR" dirty="0" smtClean="0"/>
-              <a:t>Scanner Acessibilidade</a:t>
-            </a:r>
-            <a:endParaRPr lang="pt-BR" dirty="0"/>
-          </a:p>
-        </p:txBody>
-      </p:sp>
-      <p:pic>
-        <p:nvPicPr>
-          <p:cNvPr id="4" name="Espaço Reservado para Conteúdo 3"/>
-          <p:cNvPicPr>
-            <a:picLocks noGrp="1" noChangeAspect="1"/>
-          </p:cNvPicPr>
-          <p:nvPr>
-            <p:ph idx="1"/>
-          </p:nvPr>
-        </p:nvPicPr>
-        <p:blipFill>
-          <a:blip r:embed="rId2"/>
-          <a:stretch>
-            <a:fillRect/>
-          </a:stretch>
-        </p:blipFill>
-        <p:spPr>
-          <a:xfrm>
-            <a:off x="3295453" y="1825625"/>
-            <a:ext cx="5601093" cy="4351338"/>
-          </a:xfrm>
-          <a:prstGeom prst="rect">
-            <a:avLst/>
-          </a:prstGeom>
-        </p:spPr>
-      </p:pic>
-    </p:spTree>
-    <p:extLst>
-      <p:ext uri="{BB962C8B-B14F-4D97-AF65-F5344CB8AC3E}">
-        <p14:creationId xmlns:p14="http://schemas.microsoft.com/office/powerpoint/2010/main" val="1779175315"/>
-      </p:ext>
-    </p:extLst>
-  </p:cSld>
-  <p:clrMapOvr>
-    <a:masterClrMapping/>
-  </p:clrMapOvr>
-  <p:timing>
-    <p:tnLst>
-      <p:par>
-        <p:cTn id="1" dur="indefinite" restart="never" nodeType="tmRoot"/>
-      </p:par>
-    </p:tnLst>
-  </p:timing>
-</p:sld>
-</file>
-
-<file path=ppt/slides/slide13.xml><?xml version="1.0" encoding="utf-8"?>
-<p:sld xmlns:a="http://schemas.openxmlformats.org/drawingml/2006/main" xmlns:r="http://schemas.openxmlformats.org/officeDocument/2006/relationships" xmlns:p="http://schemas.openxmlformats.org/presentationml/2006/main">
-  <p:cSld>
-    <p:spTree>
-      <p:nvGrpSpPr>
-        <p:cNvPr id="1" name=""/>
-        <p:cNvGrpSpPr/>
-        <p:nvPr/>
-      </p:nvGrpSpPr>
-      <p:grpSpPr>
-        <a:xfrm>
-          <a:off x="0" y="0"/>
-          <a:ext cx="0" cy="0"/>
-          <a:chOff x="0" y="0"/>
-          <a:chExt cx="0" cy="0"/>
-        </a:xfrm>
-      </p:grpSpPr>
-      <p:sp>
-        <p:nvSpPr>
-          <p:cNvPr id="2" name="Título 1"/>
-          <p:cNvSpPr>
-            <a:spLocks noGrp="1"/>
-          </p:cNvSpPr>
-          <p:nvPr>
-            <p:ph type="title"/>
-          </p:nvPr>
-        </p:nvSpPr>
-        <p:spPr/>
-        <p:txBody>
-          <a:bodyPr/>
-          <a:lstStyle/>
-          <a:p>
-            <a:r>
-              <a:rPr lang="pt-BR" dirty="0" smtClean="0"/>
-              <a:t>Guia de Acessibilidade</a:t>
-            </a:r>
-            <a:endParaRPr lang="pt-BR" dirty="0"/>
-          </a:p>
-        </p:txBody>
-      </p:sp>
-      <p:sp>
-        <p:nvSpPr>
-          <p:cNvPr id="3" name="Espaço Reservado para Conteúdo 2"/>
-          <p:cNvSpPr>
-            <a:spLocks noGrp="1"/>
-          </p:cNvSpPr>
-          <p:nvPr>
-            <p:ph idx="1"/>
-          </p:nvPr>
-        </p:nvSpPr>
-        <p:spPr/>
-        <p:txBody>
-          <a:bodyPr/>
-          <a:lstStyle/>
-          <a:p>
-            <a:r>
-              <a:rPr lang="pt-BR" dirty="0" smtClean="0"/>
-              <a:t>Design Minimalista</a:t>
-            </a:r>
-          </a:p>
-          <a:p>
-            <a:r>
-              <a:rPr lang="pt-BR" dirty="0" smtClean="0"/>
-              <a:t>Fluxo Natural</a:t>
-            </a:r>
-          </a:p>
-          <a:p>
-            <a:r>
-              <a:rPr lang="pt-BR" dirty="0" smtClean="0"/>
-              <a:t>Coerência Externa</a:t>
-            </a:r>
-          </a:p>
-          <a:p>
-            <a:r>
-              <a:rPr lang="pt-BR" dirty="0" smtClean="0"/>
-              <a:t>Coerência Interna</a:t>
-            </a:r>
-          </a:p>
-          <a:p>
-            <a:r>
-              <a:rPr lang="pt-BR" dirty="0" smtClean="0"/>
-              <a:t>Fixação Barra de Ferramenta</a:t>
-            </a:r>
-          </a:p>
-          <a:p>
-            <a:r>
-              <a:rPr lang="pt-BR" dirty="0" smtClean="0"/>
-              <a:t>Tamanho dos Componentes</a:t>
-            </a:r>
-          </a:p>
-          <a:p>
-            <a:r>
-              <a:rPr lang="pt-BR" dirty="0" smtClean="0"/>
-              <a:t>Cores da Interface</a:t>
-            </a:r>
-          </a:p>
-        </p:txBody>
-      </p:sp>
-    </p:spTree>
-    <p:extLst>
-      <p:ext uri="{BB962C8B-B14F-4D97-AF65-F5344CB8AC3E}">
-        <p14:creationId xmlns:p14="http://schemas.microsoft.com/office/powerpoint/2010/main" val="2306403299"/>
-      </p:ext>
-    </p:extLst>
-  </p:cSld>
-  <p:clrMapOvr>
-    <a:masterClrMapping/>
-  </p:clrMapOvr>
-  <p:timing>
-    <p:tnLst>
-      <p:par>
-        <p:cTn id="1" dur="indefinite" restart="never" nodeType="tmRoot"/>
-      </p:par>
-    </p:tnLst>
-  </p:timing>
-</p:sld>
-</file>
-
-<file path=ppt/slides/slide14.xml><?xml version="1.0" encoding="utf-8"?>
-<p:sld xmlns:a="http://schemas.openxmlformats.org/drawingml/2006/main" xmlns:r="http://schemas.openxmlformats.org/officeDocument/2006/relationships" xmlns:p="http://schemas.openxmlformats.org/presentationml/2006/main">
-  <p:cSld>
-    <p:spTree>
-      <p:nvGrpSpPr>
-        <p:cNvPr id="1" name=""/>
-        <p:cNvGrpSpPr/>
-        <p:nvPr/>
-      </p:nvGrpSpPr>
-      <p:grpSpPr>
-        <a:xfrm>
-          <a:off x="0" y="0"/>
-          <a:ext cx="0" cy="0"/>
-          <a:chOff x="0" y="0"/>
-          <a:chExt cx="0" cy="0"/>
-        </a:xfrm>
-      </p:grpSpPr>
-      <p:sp>
-        <p:nvSpPr>
-          <p:cNvPr id="2" name="Título 1"/>
-          <p:cNvSpPr>
-            <a:spLocks noGrp="1"/>
-          </p:cNvSpPr>
-          <p:nvPr>
-            <p:ph type="title"/>
-          </p:nvPr>
-        </p:nvSpPr>
-        <p:spPr/>
-        <p:txBody>
-          <a:bodyPr/>
-          <a:lstStyle/>
-          <a:p>
-            <a:r>
-              <a:rPr lang="pt-BR" dirty="0" smtClean="0"/>
-              <a:t>Conclusão</a:t>
-            </a:r>
-            <a:endParaRPr lang="pt-BR" dirty="0"/>
-          </a:p>
-        </p:txBody>
-      </p:sp>
-      <p:sp>
-        <p:nvSpPr>
-          <p:cNvPr id="3" name="Espaço Reservado para Conteúdo 2"/>
-          <p:cNvSpPr>
-            <a:spLocks noGrp="1"/>
-          </p:cNvSpPr>
-          <p:nvPr>
-            <p:ph idx="1"/>
-          </p:nvPr>
-        </p:nvSpPr>
-        <p:spPr/>
-        <p:txBody>
-          <a:bodyPr/>
-          <a:lstStyle/>
-          <a:p>
-            <a:r>
-              <a:rPr lang="pt-BR" dirty="0" smtClean="0"/>
-              <a:t>Aplicativo Play </a:t>
-            </a:r>
-            <a:r>
-              <a:rPr lang="pt-BR" dirty="0" err="1" smtClean="0"/>
-              <a:t>Store</a:t>
-            </a:r>
-            <a:endParaRPr lang="pt-BR" dirty="0" smtClean="0"/>
-          </a:p>
-          <a:p>
-            <a:r>
-              <a:rPr lang="pt-BR" dirty="0" smtClean="0"/>
-              <a:t>Case Avaliação</a:t>
-            </a:r>
-          </a:p>
-          <a:p>
-            <a:r>
-              <a:rPr lang="pt-BR" dirty="0" smtClean="0"/>
-              <a:t>Auxilia com ajuda de um cuidador/familiar</a:t>
-            </a:r>
-          </a:p>
-          <a:p>
-            <a:r>
-              <a:rPr lang="pt-BR" dirty="0" smtClean="0"/>
-              <a:t>Melhorias na Interface</a:t>
-            </a:r>
-          </a:p>
-          <a:p>
-            <a:r>
-              <a:rPr lang="pt-BR" dirty="0" smtClean="0"/>
-              <a:t>Divisão de Funcionalidade no Futuro</a:t>
-            </a:r>
-          </a:p>
-          <a:p>
-            <a:r>
-              <a:rPr lang="pt-BR" dirty="0" smtClean="0"/>
-              <a:t>Aprendizado de comandos do usuário sem (IA)</a:t>
-            </a:r>
-          </a:p>
-          <a:p>
-            <a:r>
-              <a:rPr lang="pt-BR" dirty="0" smtClean="0"/>
-              <a:t>Estratégias de perfil flexível para outros cenários</a:t>
-            </a:r>
-            <a:endParaRPr lang="pt-BR" dirty="0"/>
-          </a:p>
-        </p:txBody>
-      </p:sp>
-    </p:spTree>
-    <p:extLst>
-      <p:ext uri="{BB962C8B-B14F-4D97-AF65-F5344CB8AC3E}">
-        <p14:creationId xmlns:p14="http://schemas.microsoft.com/office/powerpoint/2010/main" val="1551106354"/>
-      </p:ext>
-    </p:extLst>
-  </p:cSld>
-  <p:clrMapOvr>
-    <a:masterClrMapping/>
-  </p:clrMapOvr>
-  <p:timing>
-    <p:tnLst>
-      <p:par>
-        <p:cTn id="1" dur="indefinite" restart="never" nodeType="tmRoot"/>
-      </p:par>
-    </p:tnLst>
-  </p:timing>
-</p:sld>
-</file>
-
-<file path=ppt/slides/slide15.xml><?xml version="1.0" encoding="utf-8"?>
-<p:sld xmlns:a="http://schemas.openxmlformats.org/drawingml/2006/main" xmlns:r="http://schemas.openxmlformats.org/officeDocument/2006/relationships" xmlns:p="http://schemas.openxmlformats.org/presentationml/2006/main">
-  <p:cSld>
-    <p:spTree>
-      <p:nvGrpSpPr>
-        <p:cNvPr id="1" name=""/>
-        <p:cNvGrpSpPr/>
-        <p:nvPr/>
-      </p:nvGrpSpPr>
-      <p:grpSpPr>
-        <a:xfrm>
-          <a:off x="0" y="0"/>
-          <a:ext cx="0" cy="0"/>
-          <a:chOff x="0" y="0"/>
-          <a:chExt cx="0" cy="0"/>
-        </a:xfrm>
-      </p:grpSpPr>
-      <p:sp>
-        <p:nvSpPr>
-          <p:cNvPr id="2" name="Título 1"/>
-          <p:cNvSpPr>
-            <a:spLocks noGrp="1"/>
-          </p:cNvSpPr>
-          <p:nvPr>
-            <p:ph type="title"/>
-          </p:nvPr>
-        </p:nvSpPr>
-        <p:spPr/>
-        <p:txBody>
-          <a:bodyPr/>
-          <a:lstStyle/>
-          <a:p>
-            <a:r>
-              <a:rPr lang="pt-BR" dirty="0" smtClean="0"/>
-              <a:t>FIM</a:t>
-            </a:r>
-            <a:endParaRPr lang="pt-BR" dirty="0"/>
-          </a:p>
-        </p:txBody>
-      </p:sp>
-      <p:sp>
-        <p:nvSpPr>
-          <p:cNvPr id="3" name="Espaço Reservado para Conteúdo 2"/>
-          <p:cNvSpPr>
-            <a:spLocks noGrp="1"/>
-          </p:cNvSpPr>
-          <p:nvPr>
-            <p:ph idx="1"/>
-          </p:nvPr>
-        </p:nvSpPr>
-        <p:spPr/>
-        <p:txBody>
-          <a:bodyPr/>
-          <a:lstStyle/>
-          <a:p>
-            <a:r>
-              <a:rPr lang="pt-BR" dirty="0" smtClean="0"/>
-              <a:t>Obrigado a Todos</a:t>
-            </a:r>
-            <a:endParaRPr lang="pt-BR" dirty="0"/>
-          </a:p>
-        </p:txBody>
-      </p:sp>
-    </p:spTree>
-    <p:extLst>
-      <p:ext uri="{BB962C8B-B14F-4D97-AF65-F5344CB8AC3E}">
-        <p14:creationId xmlns:p14="http://schemas.microsoft.com/office/powerpoint/2010/main" val="429656206"/>
-      </p:ext>
-    </p:extLst>
-  </p:cSld>
-  <p:clrMapOvr>
-    <a:masterClrMapping/>
-  </p:clrMapOvr>
-  <p:timing>
-    <p:tnLst>
-      <p:par>
-        <p:cTn id="1" dur="indefinite" restart="never" nodeType="tmRoot"/>
-      </p:par>
-    </p:tnLst>
-  </p:timing>
-</p:sld>
-</file>
-
-<file path=ppt/slides/slide16.xml><?xml version="1.0" encoding="utf-8"?>
-<p:sld xmlns:a="http://schemas.openxmlformats.org/drawingml/2006/main" xmlns:r="http://schemas.openxmlformats.org/officeDocument/2006/relationships" xmlns:p="http://schemas.openxmlformats.org/presentationml/2006/main">
-  <p:cSld>
-    <p:spTree>
-      <p:nvGrpSpPr>
-        <p:cNvPr id="1" name=""/>
-        <p:cNvGrpSpPr/>
-        <p:nvPr/>
-      </p:nvGrpSpPr>
-      <p:grpSpPr>
-        <a:xfrm>
-          <a:off x="0" y="0"/>
-          <a:ext cx="0" cy="0"/>
-          <a:chOff x="0" y="0"/>
-          <a:chExt cx="0" cy="0"/>
-        </a:xfrm>
-      </p:grpSpPr>
-      <p:sp>
-        <p:nvSpPr>
-          <p:cNvPr id="2" name="Título 1"/>
-          <p:cNvSpPr>
-            <a:spLocks noGrp="1"/>
-          </p:cNvSpPr>
-          <p:nvPr>
-            <p:ph type="title"/>
-          </p:nvPr>
-        </p:nvSpPr>
-        <p:spPr/>
-        <p:txBody>
-          <a:bodyPr/>
-          <a:lstStyle/>
-          <a:p>
-            <a:r>
-              <a:rPr lang="pt-BR" dirty="0" smtClean="0"/>
-              <a:t>Telas do APP</a:t>
-            </a:r>
-            <a:endParaRPr lang="pt-BR" dirty="0"/>
-          </a:p>
-        </p:txBody>
-      </p:sp>
-      <p:sp>
-        <p:nvSpPr>
-          <p:cNvPr id="3" name="Espaço Reservado para Conteúdo 2"/>
-          <p:cNvSpPr>
-            <a:spLocks noGrp="1"/>
-          </p:cNvSpPr>
-          <p:nvPr>
-            <p:ph idx="1"/>
-          </p:nvPr>
-        </p:nvSpPr>
-        <p:spPr/>
-        <p:txBody>
-          <a:bodyPr/>
-          <a:lstStyle/>
-          <a:p>
-            <a:endParaRPr lang="pt-BR" dirty="0"/>
-          </a:p>
-        </p:txBody>
-      </p:sp>
-    </p:spTree>
-    <p:extLst>
-      <p:ext uri="{BB962C8B-B14F-4D97-AF65-F5344CB8AC3E}">
-        <p14:creationId xmlns:p14="http://schemas.microsoft.com/office/powerpoint/2010/main" val="3372242676"/>
-      </p:ext>
-    </p:extLst>
-  </p:cSld>
-  <p:clrMapOvr>
-    <a:masterClrMapping/>
-  </p:clrMapOvr>
-</p:sld>
-</file>
-
-<file path=ppt/slides/slide17.xml><?xml version="1.0" encoding="utf-8"?>
-<p:sld xmlns:a="http://schemas.openxmlformats.org/drawingml/2006/main" xmlns:r="http://schemas.openxmlformats.org/officeDocument/2006/relationships" xmlns:p="http://schemas.openxmlformats.org/presentationml/2006/main">
-  <p:cSld>
-    <p:spTree>
-      <p:nvGrpSpPr>
-        <p:cNvPr id="1" name=""/>
-        <p:cNvGrpSpPr/>
-        <p:nvPr/>
-      </p:nvGrpSpPr>
-      <p:grpSpPr>
-        <a:xfrm>
-          <a:off x="0" y="0"/>
-          <a:ext cx="0" cy="0"/>
-          <a:chOff x="0" y="0"/>
-          <a:chExt cx="0" cy="0"/>
-        </a:xfrm>
-      </p:grpSpPr>
-      <p:sp>
-        <p:nvSpPr>
-          <p:cNvPr id="2" name="Título 1"/>
-          <p:cNvSpPr>
-            <a:spLocks noGrp="1"/>
-          </p:cNvSpPr>
-          <p:nvPr>
-            <p:ph type="title"/>
-          </p:nvPr>
-        </p:nvSpPr>
-        <p:spPr/>
-        <p:txBody>
-          <a:bodyPr/>
-          <a:lstStyle/>
-          <a:p>
-            <a:r>
-              <a:rPr lang="pt-BR" dirty="0" smtClean="0"/>
-              <a:t>Primeiro Acesso</a:t>
-            </a:r>
-            <a:endParaRPr lang="pt-BR" dirty="0"/>
-          </a:p>
-        </p:txBody>
-      </p:sp>
-      <p:pic>
-        <p:nvPicPr>
-          <p:cNvPr id="4" name="Espaço Reservado para Conteúdo 3"/>
-          <p:cNvPicPr>
-            <a:picLocks noGrp="1" noChangeAspect="1"/>
-          </p:cNvPicPr>
-          <p:nvPr>
-            <p:ph idx="1"/>
-          </p:nvPr>
-        </p:nvPicPr>
-        <p:blipFill>
-          <a:blip r:embed="rId2"/>
-          <a:stretch>
-            <a:fillRect/>
-          </a:stretch>
-        </p:blipFill>
-        <p:spPr>
-          <a:xfrm>
-            <a:off x="4752975" y="2086769"/>
-            <a:ext cx="2686050" cy="3829050"/>
-          </a:xfrm>
-          <a:prstGeom prst="rect">
-            <a:avLst/>
-          </a:prstGeom>
-        </p:spPr>
-      </p:pic>
-    </p:spTree>
-    <p:extLst>
-      <p:ext uri="{BB962C8B-B14F-4D97-AF65-F5344CB8AC3E}">
-        <p14:creationId xmlns:p14="http://schemas.microsoft.com/office/powerpoint/2010/main" val="3941652278"/>
-      </p:ext>
-    </p:extLst>
-  </p:cSld>
-  <p:clrMapOvr>
-    <a:masterClrMapping/>
-  </p:clrMapOvr>
-  <p:timing>
-    <p:tnLst>
-      <p:par>
-        <p:cTn id="1" dur="indefinite" restart="never" nodeType="tmRoot"/>
-      </p:par>
-    </p:tnLst>
-  </p:timing>
-</p:sld>
-</file>
-
-<file path=ppt/slides/slide18.xml><?xml version="1.0" encoding="utf-8"?>
-<p:sld xmlns:a="http://schemas.openxmlformats.org/drawingml/2006/main" xmlns:r="http://schemas.openxmlformats.org/officeDocument/2006/relationships" xmlns:p="http://schemas.openxmlformats.org/presentationml/2006/main">
-  <p:cSld>
-    <p:spTree>
-      <p:nvGrpSpPr>
-        <p:cNvPr id="1" name=""/>
-        <p:cNvGrpSpPr/>
-        <p:nvPr/>
-      </p:nvGrpSpPr>
-      <p:grpSpPr>
-        <a:xfrm>
-          <a:off x="0" y="0"/>
-          <a:ext cx="0" cy="0"/>
-          <a:chOff x="0" y="0"/>
-          <a:chExt cx="0" cy="0"/>
-        </a:xfrm>
-      </p:grpSpPr>
-      <p:sp>
-        <p:nvSpPr>
-          <p:cNvPr id="2" name="Título 1"/>
-          <p:cNvSpPr>
-            <a:spLocks noGrp="1"/>
-          </p:cNvSpPr>
-          <p:nvPr>
-            <p:ph type="title"/>
-          </p:nvPr>
-        </p:nvSpPr>
-        <p:spPr/>
-        <p:txBody>
-          <a:bodyPr/>
-          <a:lstStyle/>
-          <a:p>
-            <a:r>
-              <a:rPr lang="pt-BR" dirty="0" smtClean="0"/>
-              <a:t>Acesso</a:t>
-            </a:r>
-            <a:endParaRPr lang="pt-BR" dirty="0"/>
-          </a:p>
-        </p:txBody>
-      </p:sp>
-      <p:pic>
-        <p:nvPicPr>
-          <p:cNvPr id="4" name="Espaço Reservado para Conteúdo 3"/>
-          <p:cNvPicPr>
-            <a:picLocks noGrp="1" noChangeAspect="1"/>
-          </p:cNvPicPr>
-          <p:nvPr>
-            <p:ph idx="1"/>
-          </p:nvPr>
-        </p:nvPicPr>
-        <p:blipFill>
-          <a:blip r:embed="rId2"/>
-          <a:stretch>
-            <a:fillRect/>
-          </a:stretch>
-        </p:blipFill>
-        <p:spPr>
-          <a:xfrm>
-            <a:off x="4319418" y="1825625"/>
-            <a:ext cx="3553163" cy="4351338"/>
-          </a:xfrm>
-          <a:prstGeom prst="rect">
-            <a:avLst/>
-          </a:prstGeom>
-        </p:spPr>
-      </p:pic>
-      <p:pic>
-        <p:nvPicPr>
-          <p:cNvPr id="5" name="Imagem 4"/>
-          <p:cNvPicPr>
-            <a:picLocks noChangeAspect="1"/>
-          </p:cNvPicPr>
-          <p:nvPr/>
-        </p:nvPicPr>
-        <p:blipFill>
-          <a:blip r:embed="rId3"/>
-          <a:stretch>
-            <a:fillRect/>
-          </a:stretch>
-        </p:blipFill>
-        <p:spPr>
-          <a:xfrm>
-            <a:off x="8867645" y="2249444"/>
-            <a:ext cx="981075" cy="266700"/>
-          </a:xfrm>
-          <a:prstGeom prst="rect">
-            <a:avLst/>
-          </a:prstGeom>
-        </p:spPr>
-      </p:pic>
-    </p:spTree>
-    <p:extLst>
-      <p:ext uri="{BB962C8B-B14F-4D97-AF65-F5344CB8AC3E}">
-        <p14:creationId xmlns:p14="http://schemas.microsoft.com/office/powerpoint/2010/main" val="350563509"/>
-      </p:ext>
-    </p:extLst>
-  </p:cSld>
-  <p:clrMapOvr>
-    <a:masterClrMapping/>
-  </p:clrMapOvr>
-  <p:timing>
-    <p:tnLst>
-      <p:par>
-        <p:cTn id="1" dur="indefinite" restart="never" nodeType="tmRoot"/>
-      </p:par>
-    </p:tnLst>
-  </p:timing>
-</p:sld>
-</file>
-
-<file path=ppt/slides/slide19.xml><?xml version="1.0" encoding="utf-8"?>
-<p:sld xmlns:a="http://schemas.openxmlformats.org/drawingml/2006/main" xmlns:r="http://schemas.openxmlformats.org/officeDocument/2006/relationships" xmlns:p="http://schemas.openxmlformats.org/presentationml/2006/main">
-  <p:cSld>
-    <p:spTree>
-      <p:nvGrpSpPr>
-        <p:cNvPr id="1" name=""/>
-        <p:cNvGrpSpPr/>
-        <p:nvPr/>
-      </p:nvGrpSpPr>
-      <p:grpSpPr>
-        <a:xfrm>
-          <a:off x="0" y="0"/>
-          <a:ext cx="0" cy="0"/>
-          <a:chOff x="0" y="0"/>
-          <a:chExt cx="0" cy="0"/>
-        </a:xfrm>
-      </p:grpSpPr>
-      <p:sp>
-        <p:nvSpPr>
-          <p:cNvPr id="2" name="Título 1"/>
-          <p:cNvSpPr>
-            <a:spLocks noGrp="1"/>
-          </p:cNvSpPr>
-          <p:nvPr>
-            <p:ph type="title"/>
-          </p:nvPr>
-        </p:nvSpPr>
-        <p:spPr/>
-        <p:txBody>
-          <a:bodyPr/>
-          <a:lstStyle/>
-          <a:p>
-            <a:r>
-              <a:rPr lang="pt-BR" dirty="0" smtClean="0"/>
-              <a:t>Cadastro de Usuário</a:t>
-            </a:r>
-            <a:endParaRPr lang="pt-BR" dirty="0"/>
-          </a:p>
-        </p:txBody>
-      </p:sp>
-      <p:pic>
-        <p:nvPicPr>
-          <p:cNvPr id="4" name="Espaço Reservado para Conteúdo 3"/>
-          <p:cNvPicPr>
-            <a:picLocks noGrp="1" noChangeAspect="1"/>
-          </p:cNvPicPr>
-          <p:nvPr>
-            <p:ph idx="1"/>
-          </p:nvPr>
-        </p:nvPicPr>
-        <p:blipFill>
-          <a:blip r:embed="rId2"/>
-          <a:stretch>
-            <a:fillRect/>
-          </a:stretch>
-        </p:blipFill>
-        <p:spPr>
-          <a:xfrm>
-            <a:off x="838200" y="1899766"/>
-            <a:ext cx="3417806" cy="4351338"/>
-          </a:xfrm>
-          <a:prstGeom prst="rect">
-            <a:avLst/>
-          </a:prstGeom>
-        </p:spPr>
-      </p:pic>
-      <p:pic>
-        <p:nvPicPr>
-          <p:cNvPr id="6" name="Imagem 5"/>
-          <p:cNvPicPr>
-            <a:picLocks noChangeAspect="1"/>
-          </p:cNvPicPr>
-          <p:nvPr/>
-        </p:nvPicPr>
-        <p:blipFill>
-          <a:blip r:embed="rId3"/>
-          <a:stretch>
-            <a:fillRect/>
-          </a:stretch>
-        </p:blipFill>
-        <p:spPr>
-          <a:xfrm>
-            <a:off x="5450360" y="3901559"/>
-            <a:ext cx="3452195" cy="1378894"/>
-          </a:xfrm>
-          <a:prstGeom prst="rect">
-            <a:avLst/>
-          </a:prstGeom>
-        </p:spPr>
-      </p:pic>
-      <p:cxnSp>
-        <p:nvCxnSpPr>
-          <p:cNvPr id="8" name="Conector de seta reta 7"/>
-          <p:cNvCxnSpPr/>
-          <p:nvPr/>
-        </p:nvCxnSpPr>
-        <p:spPr>
-          <a:xfrm flipV="1">
-            <a:off x="3270423" y="4744995"/>
-            <a:ext cx="2718485" cy="32950"/>
-          </a:xfrm>
-          <a:prstGeom prst="straightConnector1">
-            <a:avLst/>
-          </a:prstGeom>
-          <a:ln>
-            <a:tailEnd type="triangle"/>
-          </a:ln>
-        </p:spPr>
-        <p:style>
-          <a:lnRef idx="1">
-            <a:schemeClr val="accent1"/>
-          </a:lnRef>
-          <a:fillRef idx="0">
-            <a:schemeClr val="accent1"/>
-          </a:fillRef>
-          <a:effectRef idx="0">
-            <a:schemeClr val="accent1"/>
-          </a:effectRef>
-          <a:fontRef idx="minor">
-            <a:schemeClr val="tx1"/>
-          </a:fontRef>
-        </p:style>
-      </p:cxnSp>
-    </p:spTree>
-    <p:extLst>
-      <p:ext uri="{BB962C8B-B14F-4D97-AF65-F5344CB8AC3E}">
-        <p14:creationId xmlns:p14="http://schemas.microsoft.com/office/powerpoint/2010/main" val="1889345386"/>
-      </p:ext>
-    </p:extLst>
-  </p:cSld>
-  <p:clrMapOvr>
-    <a:masterClrMapping/>
-  </p:clrMapOvr>
-  <p:timing>
-    <p:tnLst>
-      <p:par>
-        <p:cTn id="1" dur="indefinite" restart="never" nodeType="tmRoot"/>
-      </p:par>
-    </p:tnLst>
-  </p:timing>
-</p:sld>
-</file>
-
-<file path=ppt/slides/slide2.xml><?xml version="1.0" encoding="utf-8"?>
-<p:sld xmlns:a="http://schemas.openxmlformats.org/drawingml/2006/main" xmlns:r="http://schemas.openxmlformats.org/officeDocument/2006/relationships" xmlns:p="http://schemas.openxmlformats.org/presentationml/2006/main">
-  <p:cSld>
-    <p:spTree>
-      <p:nvGrpSpPr>
-        <p:cNvPr id="1" name=""/>
-        <p:cNvGrpSpPr/>
-        <p:nvPr/>
-      </p:nvGrpSpPr>
-      <p:grpSpPr>
-        <a:xfrm>
-          <a:off x="0" y="0"/>
-          <a:ext cx="0" cy="0"/>
-          <a:chOff x="0" y="0"/>
-          <a:chExt cx="0" cy="0"/>
-        </a:xfrm>
-      </p:grpSpPr>
-      <p:sp>
-        <p:nvSpPr>
-          <p:cNvPr id="2" name="Título 1"/>
-          <p:cNvSpPr>
-            <a:spLocks noGrp="1"/>
-          </p:cNvSpPr>
-          <p:nvPr>
-            <p:ph type="title"/>
-          </p:nvPr>
-        </p:nvSpPr>
-        <p:spPr/>
-        <p:txBody>
-          <a:bodyPr/>
-          <a:lstStyle/>
-          <a:p>
-            <a:r>
-              <a:rPr lang="pt-BR" dirty="0" smtClean="0"/>
-              <a:t>Nuvem de Palavras</a:t>
-            </a:r>
-            <a:endParaRPr lang="pt-BR" dirty="0"/>
-          </a:p>
-        </p:txBody>
-      </p:sp>
-      <p:pic>
-        <p:nvPicPr>
-          <p:cNvPr id="4" name="Espaço Reservado para Conteúdo 3"/>
-          <p:cNvPicPr>
-            <a:picLocks noGrp="1" noChangeAspect="1"/>
-          </p:cNvPicPr>
-          <p:nvPr>
-            <p:ph idx="1"/>
-          </p:nvPr>
-        </p:nvPicPr>
-        <p:blipFill>
-          <a:blip r:embed="rId2">
-            <a:extLst>
-              <a:ext uri="{28A0092B-C50C-407E-A947-70E740481C1C}">
-                <a14:useLocalDpi xmlns:a14="http://schemas.microsoft.com/office/drawing/2010/main" val="0"/>
-              </a:ext>
-            </a:extLst>
-          </a:blip>
-          <a:stretch>
-            <a:fillRect/>
-          </a:stretch>
-        </p:blipFill>
-        <p:spPr>
-          <a:xfrm>
-            <a:off x="3838341" y="1825625"/>
-            <a:ext cx="4515318" cy="4351338"/>
-          </a:xfrm>
-        </p:spPr>
-      </p:pic>
-    </p:spTree>
-    <p:extLst>
-      <p:ext uri="{BB962C8B-B14F-4D97-AF65-F5344CB8AC3E}">
-        <p14:creationId xmlns:p14="http://schemas.microsoft.com/office/powerpoint/2010/main" val="995594649"/>
-      </p:ext>
-    </p:extLst>
-  </p:cSld>
-  <p:clrMapOvr>
-    <a:masterClrMapping/>
-  </p:clrMapOvr>
-  <p:timing>
-    <p:tnLst>
-      <p:par>
-        <p:cTn id="1" dur="indefinite" restart="never" nodeType="tmRoot"/>
-      </p:par>
-    </p:tnLst>
-  </p:timing>
-</p:sld>
-</file>
-
-<file path=ppt/slides/slide20.xml><?xml version="1.0" encoding="utf-8"?>
-<p:sld xmlns:a="http://schemas.openxmlformats.org/drawingml/2006/main" xmlns:r="http://schemas.openxmlformats.org/officeDocument/2006/relationships" xmlns:p="http://schemas.openxmlformats.org/presentationml/2006/main">
-  <p:cSld>
-    <p:spTree>
-      <p:nvGrpSpPr>
-        <p:cNvPr id="1" name=""/>
-        <p:cNvGrpSpPr/>
-        <p:nvPr/>
-      </p:nvGrpSpPr>
-      <p:grpSpPr>
-        <a:xfrm>
-          <a:off x="0" y="0"/>
-          <a:ext cx="0" cy="0"/>
-          <a:chOff x="0" y="0"/>
-          <a:chExt cx="0" cy="0"/>
-        </a:xfrm>
-      </p:grpSpPr>
-      <p:sp>
-        <p:nvSpPr>
-          <p:cNvPr id="2" name="Título 1"/>
-          <p:cNvSpPr>
-            <a:spLocks noGrp="1"/>
-          </p:cNvSpPr>
-          <p:nvPr>
-            <p:ph type="title"/>
-          </p:nvPr>
-        </p:nvSpPr>
-        <p:spPr/>
-        <p:txBody>
-          <a:bodyPr/>
-          <a:lstStyle/>
-          <a:p>
-            <a:r>
-              <a:rPr lang="pt-BR" dirty="0" smtClean="0"/>
-              <a:t>Principal inicialmente</a:t>
-            </a:r>
-            <a:endParaRPr lang="pt-BR" dirty="0"/>
-          </a:p>
-        </p:txBody>
-      </p:sp>
-      <p:pic>
-        <p:nvPicPr>
-          <p:cNvPr id="4" name="Espaço Reservado para Conteúdo 3"/>
-          <p:cNvPicPr>
-            <a:picLocks noGrp="1" noChangeAspect="1"/>
-          </p:cNvPicPr>
-          <p:nvPr>
-            <p:ph idx="1"/>
-          </p:nvPr>
-        </p:nvPicPr>
-        <p:blipFill>
-          <a:blip r:embed="rId2"/>
-          <a:stretch>
-            <a:fillRect/>
-          </a:stretch>
-        </p:blipFill>
-        <p:spPr>
-          <a:xfrm>
-            <a:off x="4376737" y="1886744"/>
-            <a:ext cx="3438525" cy="4229100"/>
-          </a:xfrm>
-          <a:prstGeom prst="rect">
-            <a:avLst/>
-          </a:prstGeom>
-        </p:spPr>
-      </p:pic>
-    </p:spTree>
-    <p:extLst>
-      <p:ext uri="{BB962C8B-B14F-4D97-AF65-F5344CB8AC3E}">
-        <p14:creationId xmlns:p14="http://schemas.microsoft.com/office/powerpoint/2010/main" val="3056619583"/>
-      </p:ext>
-    </p:extLst>
-  </p:cSld>
-  <p:clrMapOvr>
-    <a:masterClrMapping/>
-  </p:clrMapOvr>
-  <p:timing>
-    <p:tnLst>
-      <p:par>
-        <p:cTn id="1" dur="indefinite" restart="never" nodeType="tmRoot"/>
-      </p:par>
-    </p:tnLst>
-  </p:timing>
-</p:sld>
-</file>
-
-<file path=ppt/slides/slide21.xml><?xml version="1.0" encoding="utf-8"?>
-<p:sld xmlns:a="http://schemas.openxmlformats.org/drawingml/2006/main" xmlns:r="http://schemas.openxmlformats.org/officeDocument/2006/relationships" xmlns:p="http://schemas.openxmlformats.org/presentationml/2006/main">
-  <p:cSld>
-    <p:spTree>
-      <p:nvGrpSpPr>
-        <p:cNvPr id="1" name=""/>
-        <p:cNvGrpSpPr/>
-        <p:nvPr/>
-      </p:nvGrpSpPr>
-      <p:grpSpPr>
-        <a:xfrm>
-          <a:off x="0" y="0"/>
-          <a:ext cx="0" cy="0"/>
-          <a:chOff x="0" y="0"/>
-          <a:chExt cx="0" cy="0"/>
-        </a:xfrm>
-      </p:grpSpPr>
-      <p:sp>
-        <p:nvSpPr>
-          <p:cNvPr id="2" name="Título 1"/>
-          <p:cNvSpPr>
-            <a:spLocks noGrp="1"/>
-          </p:cNvSpPr>
-          <p:nvPr>
-            <p:ph type="title"/>
-          </p:nvPr>
-        </p:nvSpPr>
-        <p:spPr/>
-        <p:txBody>
-          <a:bodyPr/>
-          <a:lstStyle/>
-          <a:p>
-            <a:r>
-              <a:rPr lang="pt-BR" dirty="0" smtClean="0"/>
-              <a:t>Principal Preenchida</a:t>
-            </a:r>
-            <a:endParaRPr lang="pt-BR" dirty="0"/>
-          </a:p>
-        </p:txBody>
-      </p:sp>
-      <p:pic>
-        <p:nvPicPr>
-          <p:cNvPr id="4" name="Espaço Reservado para Conteúdo 3"/>
-          <p:cNvPicPr>
-            <a:picLocks noGrp="1" noChangeAspect="1"/>
-          </p:cNvPicPr>
-          <p:nvPr>
-            <p:ph idx="1"/>
-          </p:nvPr>
-        </p:nvPicPr>
-        <p:blipFill>
-          <a:blip r:embed="rId2"/>
-          <a:stretch>
-            <a:fillRect/>
-          </a:stretch>
-        </p:blipFill>
-        <p:spPr>
-          <a:xfrm>
-            <a:off x="4446981" y="1825625"/>
-            <a:ext cx="3298037" cy="4351338"/>
-          </a:xfrm>
-          <a:prstGeom prst="rect">
-            <a:avLst/>
-          </a:prstGeom>
-        </p:spPr>
-      </p:pic>
-    </p:spTree>
-    <p:extLst>
-      <p:ext uri="{BB962C8B-B14F-4D97-AF65-F5344CB8AC3E}">
-        <p14:creationId xmlns:p14="http://schemas.microsoft.com/office/powerpoint/2010/main" val="690395462"/>
-      </p:ext>
-    </p:extLst>
-  </p:cSld>
-  <p:clrMapOvr>
-    <a:masterClrMapping/>
-  </p:clrMapOvr>
-  <p:timing>
-    <p:tnLst>
-      <p:par>
-        <p:cTn id="1" dur="indefinite" restart="never" nodeType="tmRoot"/>
-      </p:par>
-    </p:tnLst>
-  </p:timing>
-</p:sld>
-</file>
-
-<file path=ppt/slides/slide22.xml><?xml version="1.0" encoding="utf-8"?>
-<p:sld xmlns:a="http://schemas.openxmlformats.org/drawingml/2006/main" xmlns:r="http://schemas.openxmlformats.org/officeDocument/2006/relationships" xmlns:p="http://schemas.openxmlformats.org/presentationml/2006/main">
-  <p:cSld>
-    <p:spTree>
-      <p:nvGrpSpPr>
-        <p:cNvPr id="1" name=""/>
-        <p:cNvGrpSpPr/>
-        <p:nvPr/>
-      </p:nvGrpSpPr>
-      <p:grpSpPr>
-        <a:xfrm>
-          <a:off x="0" y="0"/>
-          <a:ext cx="0" cy="0"/>
-          <a:chOff x="0" y="0"/>
-          <a:chExt cx="0" cy="0"/>
-        </a:xfrm>
-      </p:grpSpPr>
-      <p:sp>
-        <p:nvSpPr>
-          <p:cNvPr id="2" name="Título 1"/>
-          <p:cNvSpPr>
-            <a:spLocks noGrp="1"/>
-          </p:cNvSpPr>
-          <p:nvPr>
-            <p:ph type="title"/>
-          </p:nvPr>
-        </p:nvSpPr>
-        <p:spPr/>
-        <p:txBody>
-          <a:bodyPr/>
-          <a:lstStyle/>
-          <a:p>
-            <a:r>
-              <a:rPr lang="pt-BR" dirty="0" smtClean="0"/>
-              <a:t>Pesquisa ANVISA	</a:t>
-            </a:r>
-            <a:endParaRPr lang="pt-BR" dirty="0"/>
-          </a:p>
-        </p:txBody>
-      </p:sp>
-      <p:pic>
-        <p:nvPicPr>
-          <p:cNvPr id="4" name="Espaço Reservado para Conteúdo 3"/>
-          <p:cNvPicPr>
-            <a:picLocks noGrp="1" noChangeAspect="1"/>
-          </p:cNvPicPr>
-          <p:nvPr>
-            <p:ph idx="1"/>
-          </p:nvPr>
-        </p:nvPicPr>
-        <p:blipFill>
-          <a:blip r:embed="rId2"/>
-          <a:stretch>
-            <a:fillRect/>
-          </a:stretch>
-        </p:blipFill>
-        <p:spPr>
-          <a:xfrm>
-            <a:off x="5833804" y="2227969"/>
-            <a:ext cx="4429125" cy="2409825"/>
-          </a:xfrm>
-          <a:prstGeom prst="rect">
-            <a:avLst/>
-          </a:prstGeom>
-        </p:spPr>
-      </p:pic>
-      <p:pic>
-        <p:nvPicPr>
-          <p:cNvPr id="5" name="Imagem 4"/>
-          <p:cNvPicPr>
-            <a:picLocks noChangeAspect="1"/>
-          </p:cNvPicPr>
-          <p:nvPr/>
-        </p:nvPicPr>
-        <p:blipFill>
-          <a:blip r:embed="rId3"/>
-          <a:stretch>
-            <a:fillRect/>
-          </a:stretch>
-        </p:blipFill>
-        <p:spPr>
-          <a:xfrm>
-            <a:off x="1429008" y="1653252"/>
-            <a:ext cx="2990850" cy="4591050"/>
-          </a:xfrm>
-          <a:prstGeom prst="rect">
-            <a:avLst/>
-          </a:prstGeom>
-        </p:spPr>
-      </p:pic>
-      <p:cxnSp>
-        <p:nvCxnSpPr>
-          <p:cNvPr id="7" name="Conector de seta reta 6"/>
-          <p:cNvCxnSpPr/>
-          <p:nvPr/>
-        </p:nvCxnSpPr>
-        <p:spPr>
-          <a:xfrm>
-            <a:off x="4419858" y="3023286"/>
-            <a:ext cx="1413946" cy="123568"/>
-          </a:xfrm>
-          <a:prstGeom prst="straightConnector1">
-            <a:avLst/>
-          </a:prstGeom>
-          <a:ln>
-            <a:tailEnd type="triangle"/>
-          </a:ln>
-        </p:spPr>
-        <p:style>
-          <a:lnRef idx="1">
-            <a:schemeClr val="accent1"/>
-          </a:lnRef>
-          <a:fillRef idx="0">
-            <a:schemeClr val="accent1"/>
-          </a:fillRef>
-          <a:effectRef idx="0">
-            <a:schemeClr val="accent1"/>
-          </a:effectRef>
-          <a:fontRef idx="minor">
-            <a:schemeClr val="tx1"/>
-          </a:fontRef>
-        </p:style>
-      </p:cxnSp>
-    </p:spTree>
-    <p:extLst>
-      <p:ext uri="{BB962C8B-B14F-4D97-AF65-F5344CB8AC3E}">
-        <p14:creationId xmlns:p14="http://schemas.microsoft.com/office/powerpoint/2010/main" val="1618389082"/>
-      </p:ext>
-    </p:extLst>
-  </p:cSld>
-  <p:clrMapOvr>
-    <a:masterClrMapping/>
-  </p:clrMapOvr>
-  <p:timing>
-    <p:tnLst>
-      <p:par>
-        <p:cTn id="1" dur="indefinite" restart="never" nodeType="tmRoot"/>
-      </p:par>
-    </p:tnLst>
-  </p:timing>
-</p:sld>
-</file>
-
-<file path=ppt/slides/slide23.xml><?xml version="1.0" encoding="utf-8"?>
-<p:sld xmlns:a="http://schemas.openxmlformats.org/drawingml/2006/main" xmlns:r="http://schemas.openxmlformats.org/officeDocument/2006/relationships" xmlns:p="http://schemas.openxmlformats.org/presentationml/2006/main">
-  <p:cSld>
-    <p:spTree>
-      <p:nvGrpSpPr>
-        <p:cNvPr id="1" name=""/>
-        <p:cNvGrpSpPr/>
-        <p:nvPr/>
-      </p:nvGrpSpPr>
-      <p:grpSpPr>
-        <a:xfrm>
-          <a:off x="0" y="0"/>
-          <a:ext cx="0" cy="0"/>
-          <a:chOff x="0" y="0"/>
-          <a:chExt cx="0" cy="0"/>
-        </a:xfrm>
-      </p:grpSpPr>
-      <p:sp>
-        <p:nvSpPr>
-          <p:cNvPr id="2" name="Título 1"/>
-          <p:cNvSpPr>
-            <a:spLocks noGrp="1"/>
-          </p:cNvSpPr>
-          <p:nvPr>
-            <p:ph type="title"/>
-          </p:nvPr>
-        </p:nvSpPr>
-        <p:spPr/>
-        <p:txBody>
-          <a:bodyPr/>
-          <a:lstStyle/>
-          <a:p>
-            <a:r>
-              <a:rPr lang="pt-BR" dirty="0" smtClean="0"/>
-              <a:t>Detalhe da Bula</a:t>
-            </a:r>
-            <a:endParaRPr lang="pt-BR" dirty="0"/>
-          </a:p>
-        </p:txBody>
-      </p:sp>
-      <p:pic>
-        <p:nvPicPr>
-          <p:cNvPr id="5" name="Imagem 4"/>
-          <p:cNvPicPr>
-            <a:picLocks noChangeAspect="1"/>
-          </p:cNvPicPr>
-          <p:nvPr/>
-        </p:nvPicPr>
-        <p:blipFill>
-          <a:blip r:embed="rId2"/>
-          <a:stretch>
-            <a:fillRect/>
-          </a:stretch>
-        </p:blipFill>
-        <p:spPr>
-          <a:xfrm>
-            <a:off x="4222145" y="2254593"/>
-            <a:ext cx="3158439" cy="3791980"/>
-          </a:xfrm>
-          <a:prstGeom prst="rect">
-            <a:avLst/>
-          </a:prstGeom>
-        </p:spPr>
-      </p:pic>
-      <p:pic>
-        <p:nvPicPr>
-          <p:cNvPr id="6" name="Imagem 5"/>
-          <p:cNvPicPr>
-            <a:picLocks noChangeAspect="1"/>
-          </p:cNvPicPr>
-          <p:nvPr/>
-        </p:nvPicPr>
-        <p:blipFill>
-          <a:blip r:embed="rId3"/>
-          <a:stretch>
-            <a:fillRect/>
-          </a:stretch>
-        </p:blipFill>
-        <p:spPr>
-          <a:xfrm>
-            <a:off x="7545860" y="2254593"/>
-            <a:ext cx="3212756" cy="3853889"/>
-          </a:xfrm>
-          <a:prstGeom prst="rect">
-            <a:avLst/>
-          </a:prstGeom>
-        </p:spPr>
-      </p:pic>
-      <p:pic>
-        <p:nvPicPr>
-          <p:cNvPr id="8" name="Imagem 7"/>
-          <p:cNvPicPr>
-            <a:picLocks noChangeAspect="1"/>
-          </p:cNvPicPr>
-          <p:nvPr/>
-        </p:nvPicPr>
-        <p:blipFill>
-          <a:blip r:embed="rId4"/>
-          <a:stretch>
-            <a:fillRect/>
-          </a:stretch>
-        </p:blipFill>
-        <p:spPr>
-          <a:xfrm>
-            <a:off x="921479" y="2254593"/>
-            <a:ext cx="3135390" cy="3853889"/>
-          </a:xfrm>
-          <a:prstGeom prst="rect">
-            <a:avLst/>
-          </a:prstGeom>
-        </p:spPr>
-      </p:pic>
-    </p:spTree>
-    <p:extLst>
-      <p:ext uri="{BB962C8B-B14F-4D97-AF65-F5344CB8AC3E}">
-        <p14:creationId xmlns:p14="http://schemas.microsoft.com/office/powerpoint/2010/main" val="3989679965"/>
-      </p:ext>
-    </p:extLst>
-  </p:cSld>
-  <p:clrMapOvr>
-    <a:masterClrMapping/>
-  </p:clrMapOvr>
-  <p:timing>
-    <p:tnLst>
-      <p:par>
-        <p:cTn id="1" dur="indefinite" restart="never" nodeType="tmRoot"/>
-      </p:par>
-    </p:tnLst>
-  </p:timing>
-</p:sld>
-</file>
-
-<file path=ppt/slides/slide24.xml><?xml version="1.0" encoding="utf-8"?>
-<p:sld xmlns:a="http://schemas.openxmlformats.org/drawingml/2006/main" xmlns:r="http://schemas.openxmlformats.org/officeDocument/2006/relationships" xmlns:p="http://schemas.openxmlformats.org/presentationml/2006/main">
-  <p:cSld>
-    <p:spTree>
-      <p:nvGrpSpPr>
-        <p:cNvPr id="1" name=""/>
-        <p:cNvGrpSpPr/>
-        <p:nvPr/>
-      </p:nvGrpSpPr>
-      <p:grpSpPr>
-        <a:xfrm>
-          <a:off x="0" y="0"/>
-          <a:ext cx="0" cy="0"/>
-          <a:chOff x="0" y="0"/>
-          <a:chExt cx="0" cy="0"/>
-        </a:xfrm>
-      </p:grpSpPr>
-      <p:sp>
-        <p:nvSpPr>
-          <p:cNvPr id="2" name="Título 1"/>
-          <p:cNvSpPr>
-            <a:spLocks noGrp="1"/>
-          </p:cNvSpPr>
-          <p:nvPr>
-            <p:ph type="title"/>
-          </p:nvPr>
-        </p:nvSpPr>
-        <p:spPr/>
-        <p:txBody>
-          <a:bodyPr/>
-          <a:lstStyle/>
-          <a:p>
-            <a:r>
-              <a:rPr lang="pt-BR" dirty="0" smtClean="0"/>
-              <a:t>Cadastro do Medicamento</a:t>
-            </a:r>
-            <a:endParaRPr lang="pt-BR" dirty="0"/>
-          </a:p>
-        </p:txBody>
-      </p:sp>
-      <p:pic>
-        <p:nvPicPr>
-          <p:cNvPr id="4" name="Espaço Reservado para Conteúdo 3"/>
-          <p:cNvPicPr>
-            <a:picLocks noGrp="1" noChangeAspect="1"/>
-          </p:cNvPicPr>
-          <p:nvPr>
-            <p:ph idx="1"/>
-          </p:nvPr>
-        </p:nvPicPr>
-        <p:blipFill>
-          <a:blip r:embed="rId2"/>
-          <a:stretch>
-            <a:fillRect/>
-          </a:stretch>
-        </p:blipFill>
-        <p:spPr>
-          <a:xfrm>
-            <a:off x="4338637" y="1901031"/>
-            <a:ext cx="3514725" cy="4200525"/>
-          </a:xfrm>
-          <a:prstGeom prst="rect">
-            <a:avLst/>
-          </a:prstGeom>
-        </p:spPr>
-      </p:pic>
-    </p:spTree>
-    <p:extLst>
-      <p:ext uri="{BB962C8B-B14F-4D97-AF65-F5344CB8AC3E}">
-        <p14:creationId xmlns:p14="http://schemas.microsoft.com/office/powerpoint/2010/main" val="4234868115"/>
-      </p:ext>
-    </p:extLst>
-  </p:cSld>
-  <p:clrMapOvr>
-    <a:masterClrMapping/>
-  </p:clrMapOvr>
-  <p:timing>
-    <p:tnLst>
-      <p:par>
-        <p:cTn id="1" dur="indefinite" restart="never" nodeType="tmRoot"/>
-      </p:par>
-    </p:tnLst>
-  </p:timing>
-</p:sld>
-</file>
-
-<file path=ppt/slides/slide25.xml><?xml version="1.0" encoding="utf-8"?>
-<p:sld xmlns:a="http://schemas.openxmlformats.org/drawingml/2006/main" xmlns:r="http://schemas.openxmlformats.org/officeDocument/2006/relationships" xmlns:p="http://schemas.openxmlformats.org/presentationml/2006/main">
-  <p:cSld>
-    <p:spTree>
-      <p:nvGrpSpPr>
-        <p:cNvPr id="1" name=""/>
-        <p:cNvGrpSpPr/>
-        <p:nvPr/>
-      </p:nvGrpSpPr>
-      <p:grpSpPr>
-        <a:xfrm>
-          <a:off x="0" y="0"/>
-          <a:ext cx="0" cy="0"/>
-          <a:chOff x="0" y="0"/>
-          <a:chExt cx="0" cy="0"/>
-        </a:xfrm>
-      </p:grpSpPr>
-      <p:sp>
-        <p:nvSpPr>
-          <p:cNvPr id="2" name="Título 1"/>
-          <p:cNvSpPr>
-            <a:spLocks noGrp="1"/>
-          </p:cNvSpPr>
-          <p:nvPr>
-            <p:ph type="title"/>
-          </p:nvPr>
-        </p:nvSpPr>
-        <p:spPr/>
-        <p:txBody>
-          <a:bodyPr/>
-          <a:lstStyle/>
-          <a:p>
-            <a:r>
-              <a:rPr lang="pt-BR" dirty="0" smtClean="0"/>
-              <a:t>Paleta de Cores</a:t>
-            </a:r>
-            <a:endParaRPr lang="pt-BR" dirty="0"/>
-          </a:p>
-        </p:txBody>
-      </p:sp>
-      <p:pic>
-        <p:nvPicPr>
-          <p:cNvPr id="4" name="Espaço Reservado para Conteúdo 3"/>
-          <p:cNvPicPr>
-            <a:picLocks noGrp="1" noChangeAspect="1"/>
-          </p:cNvPicPr>
-          <p:nvPr>
-            <p:ph idx="1"/>
-          </p:nvPr>
-        </p:nvPicPr>
-        <p:blipFill>
-          <a:blip r:embed="rId2"/>
-          <a:stretch>
-            <a:fillRect/>
-          </a:stretch>
-        </p:blipFill>
-        <p:spPr>
-          <a:xfrm>
-            <a:off x="5367337" y="3120231"/>
-            <a:ext cx="1457325" cy="1762125"/>
-          </a:xfrm>
-          <a:prstGeom prst="rect">
-            <a:avLst/>
-          </a:prstGeom>
-        </p:spPr>
-      </p:pic>
-    </p:spTree>
-    <p:extLst>
-      <p:ext uri="{BB962C8B-B14F-4D97-AF65-F5344CB8AC3E}">
-        <p14:creationId xmlns:p14="http://schemas.microsoft.com/office/powerpoint/2010/main" val="2633218889"/>
-      </p:ext>
-    </p:extLst>
-  </p:cSld>
-  <p:clrMapOvr>
-    <a:masterClrMapping/>
-  </p:clrMapOvr>
-  <p:timing>
-    <p:tnLst>
-      <p:par>
-        <p:cTn id="1" dur="indefinite" restart="never" nodeType="tmRoot"/>
-      </p:par>
-    </p:tnLst>
-  </p:timing>
-</p:sld>
-</file>
-
-<file path=ppt/slides/slide26.xml><?xml version="1.0" encoding="utf-8"?>
-<p:sld xmlns:a="http://schemas.openxmlformats.org/drawingml/2006/main" xmlns:r="http://schemas.openxmlformats.org/officeDocument/2006/relationships" xmlns:p="http://schemas.openxmlformats.org/presentationml/2006/main">
-  <p:cSld>
-    <p:spTree>
-      <p:nvGrpSpPr>
-        <p:cNvPr id="1" name=""/>
-        <p:cNvGrpSpPr/>
-        <p:nvPr/>
-      </p:nvGrpSpPr>
-      <p:grpSpPr>
-        <a:xfrm>
-          <a:off x="0" y="0"/>
-          <a:ext cx="0" cy="0"/>
-          <a:chOff x="0" y="0"/>
-          <a:chExt cx="0" cy="0"/>
-        </a:xfrm>
-      </p:grpSpPr>
-      <p:sp>
-        <p:nvSpPr>
-          <p:cNvPr id="2" name="Título 1"/>
-          <p:cNvSpPr>
-            <a:spLocks noGrp="1"/>
-          </p:cNvSpPr>
-          <p:nvPr>
-            <p:ph type="title"/>
-          </p:nvPr>
-        </p:nvSpPr>
-        <p:spPr/>
-        <p:txBody>
-          <a:bodyPr/>
-          <a:lstStyle/>
-          <a:p>
-            <a:r>
-              <a:rPr lang="pt-BR" dirty="0" smtClean="0"/>
-              <a:t>Cadastro de Horários</a:t>
-            </a:r>
-            <a:endParaRPr lang="pt-BR" dirty="0"/>
-          </a:p>
-        </p:txBody>
-      </p:sp>
-      <p:pic>
-        <p:nvPicPr>
-          <p:cNvPr id="4" name="Espaço Reservado para Conteúdo 3"/>
-          <p:cNvPicPr>
-            <a:picLocks noGrp="1" noChangeAspect="1"/>
-          </p:cNvPicPr>
-          <p:nvPr>
-            <p:ph idx="1"/>
-          </p:nvPr>
-        </p:nvPicPr>
-        <p:blipFill>
-          <a:blip r:embed="rId2"/>
-          <a:stretch>
-            <a:fillRect/>
-          </a:stretch>
-        </p:blipFill>
-        <p:spPr>
-          <a:xfrm>
-            <a:off x="4548187" y="2829719"/>
-            <a:ext cx="3095625" cy="2343150"/>
-          </a:xfrm>
-          <a:prstGeom prst="rect">
-            <a:avLst/>
-          </a:prstGeom>
-        </p:spPr>
-      </p:pic>
-    </p:spTree>
-    <p:extLst>
-      <p:ext uri="{BB962C8B-B14F-4D97-AF65-F5344CB8AC3E}">
-        <p14:creationId xmlns:p14="http://schemas.microsoft.com/office/powerpoint/2010/main" val="3438804639"/>
-      </p:ext>
-    </p:extLst>
-  </p:cSld>
-  <p:clrMapOvr>
-    <a:masterClrMapping/>
-  </p:clrMapOvr>
-  <p:timing>
-    <p:tnLst>
-      <p:par>
-        <p:cTn id="1" dur="indefinite" restart="never" nodeType="tmRoot"/>
-      </p:par>
-    </p:tnLst>
-  </p:timing>
-</p:sld>
-</file>
-
-<file path=ppt/slides/slide27.xml><?xml version="1.0" encoding="utf-8"?>
-<p:sld xmlns:a="http://schemas.openxmlformats.org/drawingml/2006/main" xmlns:r="http://schemas.openxmlformats.org/officeDocument/2006/relationships" xmlns:p="http://schemas.openxmlformats.org/presentationml/2006/main">
-  <p:cSld>
-    <p:spTree>
-      <p:nvGrpSpPr>
-        <p:cNvPr id="1" name=""/>
-        <p:cNvGrpSpPr/>
-        <p:nvPr/>
-      </p:nvGrpSpPr>
-      <p:grpSpPr>
-        <a:xfrm>
-          <a:off x="0" y="0"/>
-          <a:ext cx="0" cy="0"/>
-          <a:chOff x="0" y="0"/>
-          <a:chExt cx="0" cy="0"/>
-        </a:xfrm>
-      </p:grpSpPr>
-      <p:sp>
-        <p:nvSpPr>
-          <p:cNvPr id="2" name="Título 1"/>
-          <p:cNvSpPr>
-            <a:spLocks noGrp="1"/>
-          </p:cNvSpPr>
-          <p:nvPr>
-            <p:ph type="title"/>
-          </p:nvPr>
-        </p:nvSpPr>
-        <p:spPr/>
-        <p:txBody>
-          <a:bodyPr/>
-          <a:lstStyle/>
-          <a:p>
-            <a:r>
-              <a:rPr lang="pt-BR" dirty="0" smtClean="0"/>
-              <a:t>Cadastro de Estoque</a:t>
-            </a:r>
-            <a:endParaRPr lang="pt-BR" dirty="0"/>
-          </a:p>
-        </p:txBody>
-      </p:sp>
-      <p:pic>
-        <p:nvPicPr>
-          <p:cNvPr id="5" name="Espaço Reservado para Conteúdo 4"/>
-          <p:cNvPicPr>
-            <a:picLocks noGrp="1" noChangeAspect="1"/>
-          </p:cNvPicPr>
-          <p:nvPr>
-            <p:ph idx="1"/>
-          </p:nvPr>
-        </p:nvPicPr>
-        <p:blipFill>
-          <a:blip r:embed="rId2"/>
-          <a:stretch>
-            <a:fillRect/>
-          </a:stretch>
-        </p:blipFill>
-        <p:spPr>
-          <a:xfrm>
-            <a:off x="927658" y="2162197"/>
-            <a:ext cx="2181225" cy="3200400"/>
-          </a:xfrm>
-          <a:prstGeom prst="rect">
-            <a:avLst/>
-          </a:prstGeom>
-        </p:spPr>
-      </p:pic>
-      <p:pic>
-        <p:nvPicPr>
-          <p:cNvPr id="6" name="Imagem 5"/>
-          <p:cNvPicPr>
-            <a:picLocks noChangeAspect="1"/>
-          </p:cNvPicPr>
-          <p:nvPr/>
-        </p:nvPicPr>
-        <p:blipFill>
-          <a:blip r:embed="rId3"/>
-          <a:stretch>
-            <a:fillRect/>
-          </a:stretch>
-        </p:blipFill>
-        <p:spPr>
-          <a:xfrm>
-            <a:off x="3316503" y="2162197"/>
-            <a:ext cx="4438650" cy="1514475"/>
-          </a:xfrm>
-          <a:prstGeom prst="rect">
-            <a:avLst/>
-          </a:prstGeom>
-        </p:spPr>
-      </p:pic>
-    </p:spTree>
-    <p:extLst>
-      <p:ext uri="{BB962C8B-B14F-4D97-AF65-F5344CB8AC3E}">
-        <p14:creationId xmlns:p14="http://schemas.microsoft.com/office/powerpoint/2010/main" val="589542939"/>
-      </p:ext>
-    </p:extLst>
-  </p:cSld>
-  <p:clrMapOvr>
-    <a:masterClrMapping/>
-  </p:clrMapOvr>
-  <p:timing>
-    <p:tnLst>
-      <p:par>
-        <p:cTn id="1" dur="indefinite" restart="never" nodeType="tmRoot"/>
-      </p:par>
-    </p:tnLst>
-  </p:timing>
-</p:sld>
-</file>
-
-<file path=ppt/slides/slide28.xml><?xml version="1.0" encoding="utf-8"?>
-<p:sld xmlns:a="http://schemas.openxmlformats.org/drawingml/2006/main" xmlns:r="http://schemas.openxmlformats.org/officeDocument/2006/relationships" xmlns:p="http://schemas.openxmlformats.org/presentationml/2006/main">
-  <p:cSld>
-    <p:spTree>
-      <p:nvGrpSpPr>
-        <p:cNvPr id="1" name=""/>
-        <p:cNvGrpSpPr/>
-        <p:nvPr/>
-      </p:nvGrpSpPr>
-      <p:grpSpPr>
-        <a:xfrm>
-          <a:off x="0" y="0"/>
-          <a:ext cx="0" cy="0"/>
-          <a:chOff x="0" y="0"/>
-          <a:chExt cx="0" cy="0"/>
-        </a:xfrm>
-      </p:grpSpPr>
-      <p:sp>
-        <p:nvSpPr>
-          <p:cNvPr id="2" name="Título 1"/>
-          <p:cNvSpPr>
-            <a:spLocks noGrp="1"/>
-          </p:cNvSpPr>
-          <p:nvPr>
-            <p:ph type="title"/>
-          </p:nvPr>
-        </p:nvSpPr>
-        <p:spPr/>
-        <p:txBody>
-          <a:bodyPr/>
-          <a:lstStyle/>
-          <a:p>
-            <a:r>
-              <a:rPr lang="pt-BR" dirty="0" smtClean="0"/>
-              <a:t>Cadastro de Utilizações</a:t>
-            </a:r>
-            <a:endParaRPr lang="pt-BR" dirty="0"/>
-          </a:p>
-        </p:txBody>
-      </p:sp>
-      <p:pic>
-        <p:nvPicPr>
-          <p:cNvPr id="4" name="Espaço Reservado para Conteúdo 3"/>
-          <p:cNvPicPr>
-            <a:picLocks noGrp="1" noChangeAspect="1"/>
-          </p:cNvPicPr>
-          <p:nvPr>
-            <p:ph idx="1"/>
-          </p:nvPr>
-        </p:nvPicPr>
-        <p:blipFill>
-          <a:blip r:embed="rId2"/>
-          <a:stretch>
-            <a:fillRect/>
-          </a:stretch>
-        </p:blipFill>
-        <p:spPr>
-          <a:xfrm>
-            <a:off x="4452937" y="3053556"/>
-            <a:ext cx="3286125" cy="1895475"/>
-          </a:xfrm>
-          <a:prstGeom prst="rect">
-            <a:avLst/>
-          </a:prstGeom>
-        </p:spPr>
-      </p:pic>
-    </p:spTree>
-    <p:extLst>
-      <p:ext uri="{BB962C8B-B14F-4D97-AF65-F5344CB8AC3E}">
-        <p14:creationId xmlns:p14="http://schemas.microsoft.com/office/powerpoint/2010/main" val="2817500946"/>
-      </p:ext>
-    </p:extLst>
-  </p:cSld>
-  <p:clrMapOvr>
-    <a:masterClrMapping/>
-  </p:clrMapOvr>
-  <p:timing>
-    <p:tnLst>
-      <p:par>
-        <p:cTn id="1" dur="indefinite" restart="never" nodeType="tmRoot"/>
-      </p:par>
-    </p:tnLst>
-  </p:timing>
-</p:sld>
-</file>
-
-<file path=ppt/slides/slide3.xml><?xml version="1.0" encoding="utf-8"?>
-<p:sld xmlns:a="http://schemas.openxmlformats.org/drawingml/2006/main" xmlns:r="http://schemas.openxmlformats.org/officeDocument/2006/relationships" xmlns:p="http://schemas.openxmlformats.org/presentationml/2006/main">
-  <p:cSld>
-    <p:spTree>
-      <p:nvGrpSpPr>
-        <p:cNvPr id="1" name=""/>
-        <p:cNvGrpSpPr/>
-        <p:nvPr/>
-      </p:nvGrpSpPr>
-      <p:grpSpPr>
-        <a:xfrm>
-          <a:off x="0" y="0"/>
-          <a:ext cx="0" cy="0"/>
-          <a:chOff x="0" y="0"/>
-          <a:chExt cx="0" cy="0"/>
-        </a:xfrm>
-      </p:grpSpPr>
-      <p:sp>
-        <p:nvSpPr>
-          <p:cNvPr id="2" name="Título 1"/>
-          <p:cNvSpPr>
-            <a:spLocks noGrp="1"/>
-          </p:cNvSpPr>
-          <p:nvPr>
-            <p:ph type="title"/>
-          </p:nvPr>
-        </p:nvSpPr>
-        <p:spPr/>
-        <p:txBody>
-          <a:bodyPr/>
-          <a:lstStyle/>
-          <a:p>
-            <a:r>
-              <a:rPr lang="pt-BR" dirty="0" smtClean="0"/>
-              <a:t>Introdução</a:t>
-            </a:r>
-            <a:endParaRPr lang="pt-BR" dirty="0"/>
-          </a:p>
-        </p:txBody>
-      </p:sp>
-      <p:sp>
-        <p:nvSpPr>
-          <p:cNvPr id="3" name="Espaço Reservado para Conteúdo 2"/>
-          <p:cNvSpPr>
-            <a:spLocks noGrp="1"/>
-          </p:cNvSpPr>
-          <p:nvPr>
-            <p:ph idx="1"/>
-          </p:nvPr>
-        </p:nvSpPr>
-        <p:spPr/>
-        <p:txBody>
-          <a:bodyPr/>
-          <a:lstStyle/>
-          <a:p>
-            <a:r>
-              <a:rPr lang="pt-BR" dirty="0" smtClean="0"/>
-              <a:t>Motivação</a:t>
-            </a:r>
-          </a:p>
-          <a:p>
-            <a:endParaRPr lang="pt-BR" dirty="0"/>
-          </a:p>
-        </p:txBody>
-      </p:sp>
-      <p:pic>
-        <p:nvPicPr>
-          <p:cNvPr id="4" name="Imagem 3"/>
-          <p:cNvPicPr>
-            <a:picLocks noChangeAspect="1"/>
-          </p:cNvPicPr>
-          <p:nvPr/>
-        </p:nvPicPr>
-        <p:blipFill>
-          <a:blip r:embed="rId2"/>
-          <a:stretch>
-            <a:fillRect/>
-          </a:stretch>
-        </p:blipFill>
-        <p:spPr>
-          <a:xfrm>
-            <a:off x="3250857" y="2467769"/>
-            <a:ext cx="4800600" cy="3067050"/>
-          </a:xfrm>
-          <a:prstGeom prst="rect">
-            <a:avLst/>
-          </a:prstGeom>
-        </p:spPr>
-      </p:pic>
-    </p:spTree>
-    <p:extLst>
-      <p:ext uri="{BB962C8B-B14F-4D97-AF65-F5344CB8AC3E}">
-        <p14:creationId xmlns:p14="http://schemas.microsoft.com/office/powerpoint/2010/main" val="2581717893"/>
-      </p:ext>
-    </p:extLst>
-  </p:cSld>
-  <p:clrMapOvr>
-    <a:masterClrMapping/>
-  </p:clrMapOvr>
-  <p:timing>
-    <p:tnLst>
-      <p:par>
-        <p:cTn id="1" dur="indefinite" restart="never" nodeType="tmRoot"/>
-      </p:par>
-    </p:tnLst>
-  </p:timing>
-</p:sld>
-</file>
-
-<file path=ppt/slides/slide4.xml><?xml version="1.0" encoding="utf-8"?>
-<p:sld xmlns:a="http://schemas.openxmlformats.org/drawingml/2006/main" xmlns:r="http://schemas.openxmlformats.org/officeDocument/2006/relationships" xmlns:p="http://schemas.openxmlformats.org/presentationml/2006/main">
-  <p:cSld>
-    <p:spTree>
-      <p:nvGrpSpPr>
-        <p:cNvPr id="1" name=""/>
-        <p:cNvGrpSpPr/>
-        <p:nvPr/>
-      </p:nvGrpSpPr>
-      <p:grpSpPr>
-        <a:xfrm>
-          <a:off x="0" y="0"/>
-          <a:ext cx="0" cy="0"/>
-          <a:chOff x="0" y="0"/>
-          <a:chExt cx="0" cy="0"/>
-        </a:xfrm>
-      </p:grpSpPr>
-      <p:sp>
-        <p:nvSpPr>
-          <p:cNvPr id="2" name="Título 1"/>
-          <p:cNvSpPr>
-            <a:spLocks noGrp="1"/>
-          </p:cNvSpPr>
-          <p:nvPr>
-            <p:ph type="title"/>
-          </p:nvPr>
-        </p:nvSpPr>
-        <p:spPr/>
-        <p:txBody>
-          <a:bodyPr/>
-          <a:lstStyle/>
-          <a:p>
-            <a:r>
-              <a:rPr lang="pt-BR" dirty="0" smtClean="0"/>
-              <a:t>Introdução</a:t>
-            </a:r>
-            <a:endParaRPr lang="pt-BR" dirty="0"/>
-          </a:p>
-        </p:txBody>
-      </p:sp>
-      <p:sp>
-        <p:nvSpPr>
-          <p:cNvPr id="3" name="Espaço Reservado para Conteúdo 2"/>
-          <p:cNvSpPr>
-            <a:spLocks noGrp="1"/>
-          </p:cNvSpPr>
-          <p:nvPr>
-            <p:ph idx="1"/>
-          </p:nvPr>
-        </p:nvSpPr>
-        <p:spPr/>
-        <p:txBody>
-          <a:bodyPr>
-            <a:normAutofit lnSpcReduction="10000"/>
-          </a:bodyPr>
-          <a:lstStyle/>
-          <a:p>
-            <a:r>
-              <a:rPr lang="pt-BR" dirty="0" smtClean="0"/>
-              <a:t>Comorbidades</a:t>
-            </a:r>
-          </a:p>
-          <a:p>
-            <a:r>
-              <a:rPr lang="pt-BR" dirty="0" smtClean="0"/>
-              <a:t>Doenças Crônicas</a:t>
-            </a:r>
-          </a:p>
-          <a:p>
-            <a:r>
-              <a:rPr lang="pt-BR" dirty="0" smtClean="0"/>
-              <a:t>Medicamento tem papel importante</a:t>
-            </a:r>
-          </a:p>
-          <a:p>
-            <a:r>
-              <a:rPr lang="pt-BR" dirty="0" smtClean="0"/>
-              <a:t>Tecnologias facilitadoras</a:t>
-            </a:r>
-          </a:p>
-          <a:p>
-            <a:r>
-              <a:rPr lang="pt-BR" dirty="0" smtClean="0"/>
-              <a:t>Estudos apontam </a:t>
-            </a:r>
-            <a:r>
-              <a:rPr lang="pt-BR" dirty="0" smtClean="0"/>
-              <a:t>problemas</a:t>
-            </a:r>
-          </a:p>
-          <a:p>
-            <a:r>
-              <a:rPr lang="pt-BR" dirty="0"/>
-              <a:t>Baixa Adesão a Rotina </a:t>
-            </a:r>
-            <a:r>
-              <a:rPr lang="pt-BR" dirty="0" smtClean="0"/>
-              <a:t>Medicamento</a:t>
-            </a:r>
-          </a:p>
-          <a:p>
-            <a:r>
-              <a:rPr lang="pt-BR" dirty="0"/>
-              <a:t>Importância do tratamento para </a:t>
-            </a:r>
-            <a:r>
-              <a:rPr lang="pt-BR" dirty="0" err="1"/>
-              <a:t>PCDs</a:t>
-            </a:r>
-            <a:r>
-              <a:rPr lang="pt-BR" dirty="0"/>
-              <a:t> e </a:t>
-            </a:r>
-            <a:r>
-              <a:rPr lang="pt-BR" dirty="0" smtClean="0"/>
-              <a:t>idosos</a:t>
-            </a:r>
-          </a:p>
-          <a:p>
-            <a:r>
-              <a:rPr lang="pt-BR" dirty="0"/>
-              <a:t>Barreiras no uso da </a:t>
-            </a:r>
-            <a:r>
-              <a:rPr lang="pt-BR" dirty="0" smtClean="0"/>
-              <a:t>Tecnologia</a:t>
-            </a:r>
-          </a:p>
-          <a:p>
-            <a:r>
-              <a:rPr lang="pt-BR" dirty="0"/>
-              <a:t>Alternativas tecnológicas voltadas para inclusão</a:t>
-            </a:r>
-          </a:p>
-          <a:p>
-            <a:endParaRPr lang="pt-BR" dirty="0"/>
-          </a:p>
-          <a:p>
-            <a:endParaRPr lang="pt-BR" dirty="0"/>
-          </a:p>
-          <a:p>
-            <a:endParaRPr lang="pt-BR" dirty="0"/>
-          </a:p>
-          <a:p>
-            <a:endParaRPr lang="pt-BR" dirty="0" smtClean="0"/>
-          </a:p>
-          <a:p>
-            <a:endParaRPr lang="pt-BR" dirty="0" smtClean="0"/>
-          </a:p>
-          <a:p>
-            <a:endParaRPr lang="pt-BR" dirty="0" smtClean="0"/>
-          </a:p>
-          <a:p>
-            <a:endParaRPr lang="pt-BR" dirty="0"/>
-          </a:p>
-        </p:txBody>
-      </p:sp>
-    </p:spTree>
-    <p:extLst>
-      <p:ext uri="{BB962C8B-B14F-4D97-AF65-F5344CB8AC3E}">
-        <p14:creationId xmlns:p14="http://schemas.microsoft.com/office/powerpoint/2010/main" val="575832953"/>
-      </p:ext>
-    </p:extLst>
-  </p:cSld>
-  <p:clrMapOvr>
-    <a:masterClrMapping/>
-  </p:clrMapOvr>
-  <p:timing>
-    <p:tnLst>
-      <p:par>
-        <p:cTn id="1" dur="indefinite" restart="never" nodeType="tmRoot"/>
-      </p:par>
-    </p:tnLst>
-  </p:timing>
-</p:sld>
-</file>
-
-<file path=ppt/slides/slide5.xml><?xml version="1.0" encoding="utf-8"?>
-<p:sld xmlns:a="http://schemas.openxmlformats.org/drawingml/2006/main" xmlns:r="http://schemas.openxmlformats.org/officeDocument/2006/relationships" xmlns:p="http://schemas.openxmlformats.org/presentationml/2006/main">
-  <p:cSld>
-    <p:spTree>
-      <p:nvGrpSpPr>
-        <p:cNvPr id="1" name=""/>
-        <p:cNvGrpSpPr/>
-        <p:nvPr/>
-      </p:nvGrpSpPr>
-      <p:grpSpPr>
-        <a:xfrm>
-          <a:off x="0" y="0"/>
-          <a:ext cx="0" cy="0"/>
-          <a:chOff x="0" y="0"/>
-          <a:chExt cx="0" cy="0"/>
-        </a:xfrm>
-      </p:grpSpPr>
-      <p:sp>
-        <p:nvSpPr>
-          <p:cNvPr id="2" name="Título 1"/>
-          <p:cNvSpPr>
-            <a:spLocks noGrp="1"/>
-          </p:cNvSpPr>
-          <p:nvPr>
-            <p:ph type="title"/>
-          </p:nvPr>
-        </p:nvSpPr>
-        <p:spPr/>
-        <p:txBody>
-          <a:bodyPr/>
-          <a:lstStyle/>
-          <a:p>
-            <a:r>
-              <a:rPr lang="pt-BR" dirty="0" smtClean="0"/>
-              <a:t>Objetivos</a:t>
-            </a:r>
-            <a:endParaRPr lang="pt-BR" dirty="0"/>
-          </a:p>
-        </p:txBody>
-      </p:sp>
-      <p:sp>
-        <p:nvSpPr>
-          <p:cNvPr id="3" name="Espaço Reservado para Conteúdo 2"/>
-          <p:cNvSpPr>
-            <a:spLocks noGrp="1"/>
-          </p:cNvSpPr>
-          <p:nvPr>
-            <p:ph idx="1"/>
-          </p:nvPr>
-        </p:nvSpPr>
-        <p:spPr/>
-        <p:txBody>
-          <a:bodyPr/>
-          <a:lstStyle/>
-          <a:p>
-            <a:r>
-              <a:rPr lang="pt-BR" dirty="0" smtClean="0"/>
-              <a:t>Desenvolvimento de Aplicativo Mobile</a:t>
-            </a:r>
-          </a:p>
-          <a:p>
-            <a:r>
-              <a:rPr lang="pt-BR" dirty="0" smtClean="0"/>
-              <a:t>Auxiliar </a:t>
-            </a:r>
-            <a:r>
-              <a:rPr lang="pt-BR" dirty="0" smtClean="0"/>
-              <a:t>Adesão </a:t>
-            </a:r>
-            <a:r>
-              <a:rPr lang="pt-BR" dirty="0" smtClean="0"/>
-              <a:t>Medicamentos</a:t>
-            </a:r>
-          </a:p>
-          <a:p>
-            <a:r>
-              <a:rPr lang="pt-BR" dirty="0" smtClean="0"/>
-              <a:t>Auxiliar Cuidadores de </a:t>
-            </a:r>
-            <a:r>
-              <a:rPr lang="pt-BR" dirty="0" err="1" smtClean="0"/>
-              <a:t>PCDs</a:t>
-            </a:r>
-            <a:r>
-              <a:rPr lang="pt-BR" dirty="0" smtClean="0"/>
-              <a:t> e Idosos</a:t>
-            </a:r>
-          </a:p>
-          <a:p>
-            <a:r>
-              <a:rPr lang="pt-BR" dirty="0" smtClean="0"/>
-              <a:t>Promover Autonomia de </a:t>
-            </a:r>
-            <a:r>
-              <a:rPr lang="pt-BR" dirty="0" err="1" smtClean="0"/>
-              <a:t>PCDs</a:t>
-            </a:r>
-            <a:r>
-              <a:rPr lang="pt-BR" dirty="0" smtClean="0"/>
-              <a:t> e Idosos</a:t>
-            </a:r>
-          </a:p>
-          <a:p>
-            <a:endParaRPr lang="pt-BR" dirty="0"/>
-          </a:p>
-        </p:txBody>
-      </p:sp>
-    </p:spTree>
-    <p:extLst>
-      <p:ext uri="{BB962C8B-B14F-4D97-AF65-F5344CB8AC3E}">
-        <p14:creationId xmlns:p14="http://schemas.microsoft.com/office/powerpoint/2010/main" val="3366930557"/>
-      </p:ext>
-    </p:extLst>
-  </p:cSld>
-  <p:clrMapOvr>
-    <a:masterClrMapping/>
-  </p:clrMapOvr>
-  <p:timing>
-    <p:tnLst>
-      <p:par>
-        <p:cTn id="1" dur="indefinite" restart="never" nodeType="tmRoot"/>
-      </p:par>
-    </p:tnLst>
-  </p:timing>
-</p:sld>
-</file>
-
-<file path=ppt/slides/slide6.xml><?xml version="1.0" encoding="utf-8"?>
-<p:sld xmlns:a="http://schemas.openxmlformats.org/drawingml/2006/main" xmlns:r="http://schemas.openxmlformats.org/officeDocument/2006/relationships" xmlns:p="http://schemas.openxmlformats.org/presentationml/2006/main">
-  <p:cSld>
-    <p:spTree>
-      <p:nvGrpSpPr>
-        <p:cNvPr id="1" name=""/>
-        <p:cNvGrpSpPr/>
-        <p:nvPr/>
-      </p:nvGrpSpPr>
-      <p:grpSpPr>
-        <a:xfrm>
-          <a:off x="0" y="0"/>
-          <a:ext cx="0" cy="0"/>
-          <a:chOff x="0" y="0"/>
-          <a:chExt cx="0" cy="0"/>
-        </a:xfrm>
-      </p:grpSpPr>
-      <p:sp>
-        <p:nvSpPr>
-          <p:cNvPr id="2" name="Título 1"/>
-          <p:cNvSpPr>
-            <a:spLocks noGrp="1"/>
-          </p:cNvSpPr>
-          <p:nvPr>
-            <p:ph type="title"/>
-          </p:nvPr>
-        </p:nvSpPr>
-        <p:spPr/>
-        <p:txBody>
-          <a:bodyPr/>
-          <a:lstStyle/>
-          <a:p>
-            <a:r>
-              <a:rPr lang="pt-BR" dirty="0" smtClean="0"/>
-              <a:t>Arquitetura Utilizada</a:t>
-            </a:r>
-            <a:endParaRPr lang="pt-BR" dirty="0"/>
-          </a:p>
-        </p:txBody>
-      </p:sp>
-      <p:sp>
-        <p:nvSpPr>
-          <p:cNvPr id="3" name="Espaço Reservado para Conteúdo 2"/>
-          <p:cNvSpPr>
-            <a:spLocks noGrp="1"/>
-          </p:cNvSpPr>
-          <p:nvPr>
-            <p:ph idx="1"/>
-          </p:nvPr>
-        </p:nvSpPr>
-        <p:spPr/>
-        <p:txBody>
-          <a:bodyPr/>
-          <a:lstStyle/>
-          <a:p>
-            <a:r>
-              <a:rPr lang="pt-BR" dirty="0" err="1" smtClean="0"/>
-              <a:t>Api</a:t>
-            </a:r>
-            <a:r>
-              <a:rPr lang="pt-BR" dirty="0" smtClean="0"/>
-              <a:t> de Integração</a:t>
-            </a:r>
-          </a:p>
-          <a:p>
-            <a:r>
-              <a:rPr lang="pt-BR" dirty="0" smtClean="0"/>
-              <a:t>Camadas</a:t>
-            </a:r>
-          </a:p>
-          <a:p>
-            <a:r>
-              <a:rPr lang="pt-BR" dirty="0" smtClean="0"/>
-              <a:t>Cliente</a:t>
-            </a:r>
-          </a:p>
-          <a:p>
-            <a:r>
-              <a:rPr lang="pt-BR" dirty="0" smtClean="0"/>
-              <a:t>Barramento</a:t>
-            </a:r>
-          </a:p>
-          <a:p>
-            <a:r>
-              <a:rPr lang="pt-BR" dirty="0" smtClean="0"/>
-              <a:t>Integração Bulário</a:t>
-            </a:r>
-          </a:p>
-          <a:p>
-            <a:r>
-              <a:rPr lang="pt-BR" dirty="0" smtClean="0"/>
-              <a:t>Integração Usuário</a:t>
-            </a:r>
-          </a:p>
-          <a:p>
-            <a:r>
-              <a:rPr lang="pt-BR" dirty="0" smtClean="0"/>
-              <a:t>Data </a:t>
-            </a:r>
-            <a:r>
-              <a:rPr lang="pt-BR" dirty="0" err="1" smtClean="0"/>
-              <a:t>Acess</a:t>
-            </a:r>
-            <a:r>
-              <a:rPr lang="pt-BR" dirty="0" smtClean="0"/>
-              <a:t> </a:t>
-            </a:r>
-            <a:r>
-              <a:rPr lang="pt-BR" dirty="0" err="1" smtClean="0"/>
-              <a:t>Object</a:t>
-            </a:r>
-            <a:endParaRPr lang="pt-BR" dirty="0" smtClean="0"/>
-          </a:p>
-          <a:p>
-            <a:endParaRPr lang="pt-BR" dirty="0"/>
-          </a:p>
-        </p:txBody>
-      </p:sp>
-      <p:pic>
-        <p:nvPicPr>
-          <p:cNvPr id="4" name="Imagem 3"/>
-          <p:cNvPicPr>
-            <a:picLocks noChangeAspect="1"/>
-          </p:cNvPicPr>
-          <p:nvPr/>
-        </p:nvPicPr>
-        <p:blipFill>
-          <a:blip r:embed="rId2"/>
-          <a:stretch>
-            <a:fillRect/>
-          </a:stretch>
-        </p:blipFill>
-        <p:spPr>
-          <a:xfrm>
-            <a:off x="5031516" y="2606160"/>
-            <a:ext cx="4171950" cy="3343275"/>
-          </a:xfrm>
-          <a:prstGeom prst="rect">
-            <a:avLst/>
-          </a:prstGeom>
-        </p:spPr>
-      </p:pic>
-    </p:spTree>
-    <p:extLst>
-      <p:ext uri="{BB962C8B-B14F-4D97-AF65-F5344CB8AC3E}">
-        <p14:creationId xmlns:p14="http://schemas.microsoft.com/office/powerpoint/2010/main" val="1734729313"/>
-      </p:ext>
-    </p:extLst>
-  </p:cSld>
-  <p:clrMapOvr>
-    <a:masterClrMapping/>
-  </p:clrMapOvr>
-  <p:timing>
-    <p:tnLst>
-      <p:par>
-        <p:cTn id="1" dur="indefinite" restart="never" nodeType="tmRoot"/>
-      </p:par>
-    </p:tnLst>
-  </p:timing>
-</p:sld>
-</file>
-
-<file path=ppt/slides/slide7.xml><?xml version="1.0" encoding="utf-8"?>
-<p:sld xmlns:a="http://schemas.openxmlformats.org/drawingml/2006/main" xmlns:r="http://schemas.openxmlformats.org/officeDocument/2006/relationships" xmlns:p="http://schemas.openxmlformats.org/presentationml/2006/main">
-  <p:cSld>
-    <p:spTree>
-      <p:nvGrpSpPr>
-        <p:cNvPr id="1" name=""/>
-        <p:cNvGrpSpPr/>
-        <p:nvPr/>
-      </p:nvGrpSpPr>
-      <p:grpSpPr>
-        <a:xfrm>
-          <a:off x="0" y="0"/>
-          <a:ext cx="0" cy="0"/>
-          <a:chOff x="0" y="0"/>
-          <a:chExt cx="0" cy="0"/>
-        </a:xfrm>
-      </p:grpSpPr>
-      <p:sp>
-        <p:nvSpPr>
-          <p:cNvPr id="2" name="Título 1"/>
-          <p:cNvSpPr>
-            <a:spLocks noGrp="1"/>
-          </p:cNvSpPr>
-          <p:nvPr>
-            <p:ph type="title"/>
-          </p:nvPr>
-        </p:nvSpPr>
-        <p:spPr/>
-        <p:txBody>
-          <a:bodyPr/>
-          <a:lstStyle/>
-          <a:p>
-            <a:r>
-              <a:rPr lang="pt-BR" dirty="0" smtClean="0"/>
-              <a:t>Aplicativo</a:t>
-            </a:r>
-            <a:endParaRPr lang="pt-BR" dirty="0"/>
-          </a:p>
-        </p:txBody>
-      </p:sp>
-      <p:sp>
-        <p:nvSpPr>
-          <p:cNvPr id="3" name="Espaço Reservado para Conteúdo 2"/>
-          <p:cNvSpPr>
-            <a:spLocks noGrp="1"/>
-          </p:cNvSpPr>
-          <p:nvPr>
-            <p:ph idx="1"/>
-          </p:nvPr>
-        </p:nvSpPr>
-        <p:spPr/>
-        <p:txBody>
-          <a:bodyPr>
-            <a:normAutofit fontScale="92500" lnSpcReduction="20000"/>
-          </a:bodyPr>
-          <a:lstStyle/>
-          <a:p>
-            <a:r>
-              <a:rPr lang="pt-BR" dirty="0" smtClean="0"/>
-              <a:t>Primeiro Acesso</a:t>
-            </a:r>
-          </a:p>
-          <a:p>
-            <a:r>
-              <a:rPr lang="pt-BR" dirty="0" smtClean="0"/>
-              <a:t>Acesso</a:t>
-            </a:r>
-          </a:p>
-          <a:p>
-            <a:r>
-              <a:rPr lang="pt-BR" dirty="0" smtClean="0"/>
-              <a:t>Cadastro de Usuário</a:t>
-            </a:r>
-          </a:p>
-          <a:p>
-            <a:r>
-              <a:rPr lang="pt-BR" dirty="0" smtClean="0"/>
-              <a:t>Pesquisa Anvisa</a:t>
-            </a:r>
-          </a:p>
-          <a:p>
-            <a:r>
-              <a:rPr lang="pt-BR" dirty="0" smtClean="0"/>
-              <a:t>Cadastro de Medicamento</a:t>
-            </a:r>
-          </a:p>
-          <a:p>
-            <a:r>
-              <a:rPr lang="pt-BR" dirty="0" smtClean="0"/>
-              <a:t>Detalhe de Medicamento</a:t>
-            </a:r>
-          </a:p>
-          <a:p>
-            <a:r>
-              <a:rPr lang="pt-BR" dirty="0" smtClean="0"/>
-              <a:t>Cadastro de Horário</a:t>
-            </a:r>
-          </a:p>
-          <a:p>
-            <a:r>
-              <a:rPr lang="pt-BR" dirty="0" smtClean="0"/>
-              <a:t>Controle de Estoque</a:t>
-            </a:r>
-          </a:p>
-          <a:p>
-            <a:r>
-              <a:rPr lang="pt-BR" dirty="0" smtClean="0"/>
-              <a:t>Utilizações</a:t>
-            </a:r>
-          </a:p>
-          <a:p>
-            <a:r>
-              <a:rPr lang="pt-BR" dirty="0" smtClean="0"/>
-              <a:t>Alarmes</a:t>
-            </a:r>
-          </a:p>
-        </p:txBody>
-      </p:sp>
-    </p:spTree>
-    <p:extLst>
-      <p:ext uri="{BB962C8B-B14F-4D97-AF65-F5344CB8AC3E}">
-        <p14:creationId xmlns:p14="http://schemas.microsoft.com/office/powerpoint/2010/main" val="621469221"/>
-      </p:ext>
-    </p:extLst>
-  </p:cSld>
-  <p:clrMapOvr>
-    <a:masterClrMapping/>
-  </p:clrMapOvr>
-  <p:timing>
-    <p:tnLst>
-      <p:par>
-        <p:cTn id="1" dur="indefinite" restart="never" nodeType="tmRoot"/>
-      </p:par>
-    </p:tnLst>
-  </p:timing>
-</p:sld>
-</file>
-
-<file path=ppt/slides/slide8.xml><?xml version="1.0" encoding="utf-8"?>
-<p:sld xmlns:a="http://schemas.openxmlformats.org/drawingml/2006/main" xmlns:r="http://schemas.openxmlformats.org/officeDocument/2006/relationships" xmlns:p="http://schemas.openxmlformats.org/presentationml/2006/main">
-  <p:cSld>
+    <p:bg>
+      <p:bgPr>
+        <a:gradFill>
+          <a:gsLst>
+            <a:gs pos="0">
+              <a:schemeClr val="accent1">
+                <a:lumMod val="5000"/>
+                <a:lumOff val="95000"/>
+              </a:schemeClr>
+            </a:gs>
+            <a:gs pos="74000">
+              <a:schemeClr val="accent1">
+                <a:lumMod val="45000"/>
+                <a:lumOff val="55000"/>
+              </a:schemeClr>
+            </a:gs>
+            <a:gs pos="83000">
+              <a:schemeClr val="accent1">
+                <a:lumMod val="45000"/>
+                <a:lumOff val="55000"/>
+              </a:schemeClr>
+            </a:gs>
+            <a:gs pos="100000">
+              <a:schemeClr val="accent1">
+                <a:lumMod val="30000"/>
+                <a:lumOff val="70000"/>
+              </a:schemeClr>
+            </a:gs>
+          </a:gsLst>
+          <a:lin ang="5400000" scaled="1"/>
+        </a:gradFill>
+        <a:effectLst/>
+      </p:bgPr>
+    </p:bg>
     <p:spTree>
       <p:nvGrpSpPr>
         <p:cNvPr id="1" name=""/>
@@ -5979,7 +3479,15 @@
           <p:nvPr/>
         </p:nvPicPr>
         <p:blipFill>
-          <a:blip r:embed="rId11"/>
+          <a:blip r:embed="rId11">
+            <a:duotone>
+              <a:prstClr val="black"/>
+              <a:schemeClr val="accent5">
+                <a:tint val="45000"/>
+                <a:satMod val="400000"/>
+              </a:schemeClr>
+            </a:duotone>
+          </a:blip>
           <a:stretch>
             <a:fillRect/>
           </a:stretch>
@@ -6663,9 +4171,215 @@
 </p:sld>
 </file>
 
-<file path=ppt/slides/slide9.xml><?xml version="1.0" encoding="utf-8"?>
+<file path=ppt/slides/slide12.xml><?xml version="1.0" encoding="utf-8"?>
 <p:sld xmlns:a="http://schemas.openxmlformats.org/drawingml/2006/main" xmlns:r="http://schemas.openxmlformats.org/officeDocument/2006/relationships" xmlns:p="http://schemas.openxmlformats.org/presentationml/2006/main">
   <p:cSld>
+    <p:bg>
+      <p:bgPr>
+        <a:gradFill>
+          <a:gsLst>
+            <a:gs pos="0">
+              <a:schemeClr val="accent1">
+                <a:lumMod val="5000"/>
+                <a:lumOff val="95000"/>
+              </a:schemeClr>
+            </a:gs>
+            <a:gs pos="74000">
+              <a:schemeClr val="accent1">
+                <a:lumMod val="45000"/>
+                <a:lumOff val="55000"/>
+              </a:schemeClr>
+            </a:gs>
+            <a:gs pos="83000">
+              <a:schemeClr val="accent1">
+                <a:lumMod val="45000"/>
+                <a:lumOff val="55000"/>
+              </a:schemeClr>
+            </a:gs>
+            <a:gs pos="100000">
+              <a:schemeClr val="accent1">
+                <a:lumMod val="30000"/>
+                <a:lumOff val="70000"/>
+              </a:schemeClr>
+            </a:gs>
+          </a:gsLst>
+          <a:lin ang="5400000" scaled="1"/>
+        </a:gradFill>
+        <a:effectLst/>
+      </p:bgPr>
+    </p:bg>
+    <p:spTree>
+      <p:nvGrpSpPr>
+        <p:cNvPr id="1" name=""/>
+        <p:cNvGrpSpPr/>
+        <p:nvPr/>
+      </p:nvGrpSpPr>
+      <p:grpSpPr>
+        <a:xfrm>
+          <a:off x="0" y="0"/>
+          <a:ext cx="0" cy="0"/>
+          <a:chOff x="0" y="0"/>
+          <a:chExt cx="0" cy="0"/>
+        </a:xfrm>
+      </p:grpSpPr>
+      <p:sp>
+        <p:nvSpPr>
+          <p:cNvPr id="2" name="Título 1"/>
+          <p:cNvSpPr>
+            <a:spLocks noGrp="1"/>
+          </p:cNvSpPr>
+          <p:nvPr>
+            <p:ph type="title"/>
+          </p:nvPr>
+        </p:nvSpPr>
+        <p:spPr/>
+        <p:txBody>
+          <a:bodyPr/>
+          <a:lstStyle/>
+          <a:p>
+            <a:r>
+              <a:rPr lang="pt-BR" dirty="0" smtClean="0"/>
+              <a:t>Aplicativo</a:t>
+            </a:r>
+            <a:endParaRPr lang="pt-BR" dirty="0"/>
+          </a:p>
+        </p:txBody>
+      </p:sp>
+      <p:sp>
+        <p:nvSpPr>
+          <p:cNvPr id="3" name="Espaço Reservado para Conteúdo 2"/>
+          <p:cNvSpPr>
+            <a:spLocks noGrp="1"/>
+          </p:cNvSpPr>
+          <p:nvPr>
+            <p:ph idx="1"/>
+          </p:nvPr>
+        </p:nvSpPr>
+        <p:spPr/>
+        <p:txBody>
+          <a:bodyPr>
+            <a:normAutofit fontScale="92500" lnSpcReduction="20000"/>
+          </a:bodyPr>
+          <a:lstStyle/>
+          <a:p>
+            <a:r>
+              <a:rPr lang="pt-BR" dirty="0" smtClean="0"/>
+              <a:t>Primeiro Acesso</a:t>
+            </a:r>
+          </a:p>
+          <a:p>
+            <a:r>
+              <a:rPr lang="pt-BR" dirty="0" smtClean="0"/>
+              <a:t>Acesso</a:t>
+            </a:r>
+          </a:p>
+          <a:p>
+            <a:r>
+              <a:rPr lang="pt-BR" dirty="0" smtClean="0"/>
+              <a:t>Cadastro de Usuário</a:t>
+            </a:r>
+          </a:p>
+          <a:p>
+            <a:r>
+              <a:rPr lang="pt-BR" dirty="0" smtClean="0"/>
+              <a:t>Pesquisa Anvisa</a:t>
+            </a:r>
+          </a:p>
+          <a:p>
+            <a:r>
+              <a:rPr lang="pt-BR" dirty="0" smtClean="0"/>
+              <a:t>Cadastro de Medicamento</a:t>
+            </a:r>
+          </a:p>
+          <a:p>
+            <a:r>
+              <a:rPr lang="pt-BR" dirty="0" smtClean="0"/>
+              <a:t>Detalhe de Medicamento</a:t>
+            </a:r>
+          </a:p>
+          <a:p>
+            <a:r>
+              <a:rPr lang="pt-BR" dirty="0" smtClean="0"/>
+              <a:t>Cadastro de Horário</a:t>
+            </a:r>
+          </a:p>
+          <a:p>
+            <a:r>
+              <a:rPr lang="pt-BR" dirty="0" smtClean="0"/>
+              <a:t>Controle de Estoque</a:t>
+            </a:r>
+          </a:p>
+          <a:p>
+            <a:r>
+              <a:rPr lang="pt-BR" dirty="0" smtClean="0"/>
+              <a:t>Utilizações</a:t>
+            </a:r>
+          </a:p>
+          <a:p>
+            <a:r>
+              <a:rPr lang="pt-BR" dirty="0" smtClean="0"/>
+              <a:t>Alarmes</a:t>
+            </a:r>
+          </a:p>
+        </p:txBody>
+      </p:sp>
+    </p:spTree>
+    <p:extLst>
+      <p:ext uri="{BB962C8B-B14F-4D97-AF65-F5344CB8AC3E}">
+        <p14:creationId xmlns:p14="http://schemas.microsoft.com/office/powerpoint/2010/main" val="621469221"/>
+      </p:ext>
+    </p:extLst>
+  </p:cSld>
+  <p:clrMapOvr>
+    <a:masterClrMapping/>
+  </p:clrMapOvr>
+  <p:timing>
+    <p:tnLst>
+      <p:par>
+        <p:cTn id="1" dur="indefinite" restart="never" nodeType="tmRoot"/>
+      </p:par>
+    </p:tnLst>
+  </p:timing>
+</p:sld>
+</file>
+
+<file path=ppt/slides/slide13.xml><?xml version="1.0" encoding="utf-8"?>
+<p:sld xmlns:a="http://schemas.openxmlformats.org/drawingml/2006/main" xmlns:r="http://schemas.openxmlformats.org/officeDocument/2006/relationships" xmlns:p="http://schemas.openxmlformats.org/presentationml/2006/main">
+  <p:cSld>
+    <p:bg>
+      <p:bgPr>
+        <a:gradFill>
+          <a:gsLst>
+            <a:gs pos="0">
+              <a:schemeClr val="accent1">
+                <a:lumMod val="5000"/>
+                <a:lumOff val="95000"/>
+              </a:schemeClr>
+            </a:gs>
+            <a:gs pos="74000">
+              <a:schemeClr val="accent1">
+                <a:lumMod val="45000"/>
+                <a:lumOff val="55000"/>
+              </a:schemeClr>
+            </a:gs>
+            <a:gs pos="83000">
+              <a:schemeClr val="accent1">
+                <a:lumMod val="45000"/>
+                <a:lumOff val="55000"/>
+              </a:schemeClr>
+            </a:gs>
+            <a:gs pos="100000">
+              <a:schemeClr val="accent1">
+                <a:lumMod val="30000"/>
+                <a:lumOff val="70000"/>
+              </a:schemeClr>
+            </a:gs>
+          </a:gsLst>
+          <a:lin ang="5400000" scaled="1"/>
+        </a:gradFill>
+        <a:effectLst/>
+      </p:bgPr>
+    </p:bg>
     <p:spTree>
       <p:nvGrpSpPr>
         <p:cNvPr id="1" name=""/>
@@ -6733,6 +4447,4302 @@
     <p:extLst>
       <p:ext uri="{BB962C8B-B14F-4D97-AF65-F5344CB8AC3E}">
         <p14:creationId xmlns:p14="http://schemas.microsoft.com/office/powerpoint/2010/main" val="2611499418"/>
+      </p:ext>
+    </p:extLst>
+  </p:cSld>
+  <p:clrMapOvr>
+    <a:masterClrMapping/>
+  </p:clrMapOvr>
+  <p:timing>
+    <p:tnLst>
+      <p:par>
+        <p:cTn id="1" dur="indefinite" restart="never" nodeType="tmRoot"/>
+      </p:par>
+    </p:tnLst>
+  </p:timing>
+</p:sld>
+</file>
+
+<file path=ppt/slides/slide14.xml><?xml version="1.0" encoding="utf-8"?>
+<p:sld xmlns:a="http://schemas.openxmlformats.org/drawingml/2006/main" xmlns:r="http://schemas.openxmlformats.org/officeDocument/2006/relationships" xmlns:p="http://schemas.openxmlformats.org/presentationml/2006/main">
+  <p:cSld>
+    <p:bg>
+      <p:bgPr>
+        <a:gradFill>
+          <a:gsLst>
+            <a:gs pos="0">
+              <a:schemeClr val="accent1">
+                <a:lumMod val="5000"/>
+                <a:lumOff val="95000"/>
+              </a:schemeClr>
+            </a:gs>
+            <a:gs pos="74000">
+              <a:schemeClr val="accent1">
+                <a:lumMod val="45000"/>
+                <a:lumOff val="55000"/>
+              </a:schemeClr>
+            </a:gs>
+            <a:gs pos="83000">
+              <a:schemeClr val="accent1">
+                <a:lumMod val="45000"/>
+                <a:lumOff val="55000"/>
+              </a:schemeClr>
+            </a:gs>
+            <a:gs pos="100000">
+              <a:schemeClr val="accent1">
+                <a:lumMod val="30000"/>
+                <a:lumOff val="70000"/>
+              </a:schemeClr>
+            </a:gs>
+          </a:gsLst>
+          <a:lin ang="5400000" scaled="1"/>
+        </a:gradFill>
+        <a:effectLst/>
+      </p:bgPr>
+    </p:bg>
+    <p:spTree>
+      <p:nvGrpSpPr>
+        <p:cNvPr id="1" name=""/>
+        <p:cNvGrpSpPr/>
+        <p:nvPr/>
+      </p:nvGrpSpPr>
+      <p:grpSpPr>
+        <a:xfrm>
+          <a:off x="0" y="0"/>
+          <a:ext cx="0" cy="0"/>
+          <a:chOff x="0" y="0"/>
+          <a:chExt cx="0" cy="0"/>
+        </a:xfrm>
+      </p:grpSpPr>
+      <p:sp>
+        <p:nvSpPr>
+          <p:cNvPr id="2" name="Título 1"/>
+          <p:cNvSpPr>
+            <a:spLocks noGrp="1"/>
+          </p:cNvSpPr>
+          <p:nvPr>
+            <p:ph type="title"/>
+          </p:nvPr>
+        </p:nvSpPr>
+        <p:spPr/>
+        <p:txBody>
+          <a:bodyPr/>
+          <a:lstStyle/>
+          <a:p>
+            <a:r>
+              <a:rPr lang="pt-BR" dirty="0" smtClean="0"/>
+              <a:t>Testes x Resultado</a:t>
+            </a:r>
+            <a:endParaRPr lang="pt-BR" dirty="0"/>
+          </a:p>
+        </p:txBody>
+      </p:sp>
+      <p:sp>
+        <p:nvSpPr>
+          <p:cNvPr id="3" name="Espaço Reservado para Conteúdo 2"/>
+          <p:cNvSpPr>
+            <a:spLocks noGrp="1"/>
+          </p:cNvSpPr>
+          <p:nvPr>
+            <p:ph idx="1"/>
+          </p:nvPr>
+        </p:nvSpPr>
+        <p:spPr/>
+        <p:txBody>
+          <a:bodyPr/>
+          <a:lstStyle/>
+          <a:p>
+            <a:r>
+              <a:rPr lang="pt-BR" dirty="0" smtClean="0"/>
+              <a:t>LINT </a:t>
+            </a:r>
+          </a:p>
+          <a:p>
+            <a:r>
+              <a:rPr lang="pt-BR" dirty="0" smtClean="0"/>
+              <a:t>Scanner Acessibilidade</a:t>
+            </a:r>
+          </a:p>
+          <a:p>
+            <a:r>
+              <a:rPr lang="pt-BR" dirty="0" smtClean="0"/>
+              <a:t>Guia de Acessibilidade</a:t>
+            </a:r>
+            <a:endParaRPr lang="pt-BR" dirty="0"/>
+          </a:p>
+        </p:txBody>
+      </p:sp>
+    </p:spTree>
+    <p:extLst>
+      <p:ext uri="{BB962C8B-B14F-4D97-AF65-F5344CB8AC3E}">
+        <p14:creationId xmlns:p14="http://schemas.microsoft.com/office/powerpoint/2010/main" val="2733041201"/>
+      </p:ext>
+    </p:extLst>
+  </p:cSld>
+  <p:clrMapOvr>
+    <a:masterClrMapping/>
+  </p:clrMapOvr>
+  <p:timing>
+    <p:tnLst>
+      <p:par>
+        <p:cTn id="1" dur="indefinite" restart="never" nodeType="tmRoot"/>
+      </p:par>
+    </p:tnLst>
+  </p:timing>
+</p:sld>
+</file>
+
+<file path=ppt/slides/slide15.xml><?xml version="1.0" encoding="utf-8"?>
+<p:sld xmlns:a="http://schemas.openxmlformats.org/drawingml/2006/main" xmlns:r="http://schemas.openxmlformats.org/officeDocument/2006/relationships" xmlns:p="http://schemas.openxmlformats.org/presentationml/2006/main">
+  <p:cSld>
+    <p:bg>
+      <p:bgPr>
+        <a:gradFill>
+          <a:gsLst>
+            <a:gs pos="0">
+              <a:schemeClr val="accent1">
+                <a:lumMod val="5000"/>
+                <a:lumOff val="95000"/>
+              </a:schemeClr>
+            </a:gs>
+            <a:gs pos="74000">
+              <a:schemeClr val="accent1">
+                <a:lumMod val="45000"/>
+                <a:lumOff val="55000"/>
+              </a:schemeClr>
+            </a:gs>
+            <a:gs pos="83000">
+              <a:schemeClr val="accent1">
+                <a:lumMod val="45000"/>
+                <a:lumOff val="55000"/>
+              </a:schemeClr>
+            </a:gs>
+            <a:gs pos="100000">
+              <a:schemeClr val="accent1">
+                <a:lumMod val="30000"/>
+                <a:lumOff val="70000"/>
+              </a:schemeClr>
+            </a:gs>
+          </a:gsLst>
+          <a:lin ang="5400000" scaled="1"/>
+        </a:gradFill>
+        <a:effectLst/>
+      </p:bgPr>
+    </p:bg>
+    <p:spTree>
+      <p:nvGrpSpPr>
+        <p:cNvPr id="1" name=""/>
+        <p:cNvGrpSpPr/>
+        <p:nvPr/>
+      </p:nvGrpSpPr>
+      <p:grpSpPr>
+        <a:xfrm>
+          <a:off x="0" y="0"/>
+          <a:ext cx="0" cy="0"/>
+          <a:chOff x="0" y="0"/>
+          <a:chExt cx="0" cy="0"/>
+        </a:xfrm>
+      </p:grpSpPr>
+      <p:sp>
+        <p:nvSpPr>
+          <p:cNvPr id="2" name="Título 1"/>
+          <p:cNvSpPr>
+            <a:spLocks noGrp="1"/>
+          </p:cNvSpPr>
+          <p:nvPr>
+            <p:ph type="title"/>
+          </p:nvPr>
+        </p:nvSpPr>
+        <p:spPr/>
+        <p:txBody>
+          <a:bodyPr/>
+          <a:lstStyle/>
+          <a:p>
+            <a:r>
+              <a:rPr lang="pt-BR" dirty="0" smtClean="0"/>
+              <a:t>LINT</a:t>
+            </a:r>
+            <a:endParaRPr lang="pt-BR" dirty="0"/>
+          </a:p>
+        </p:txBody>
+      </p:sp>
+      <p:pic>
+        <p:nvPicPr>
+          <p:cNvPr id="4" name="Espaço Reservado para Conteúdo 3"/>
+          <p:cNvPicPr>
+            <a:picLocks noGrp="1" noChangeAspect="1"/>
+          </p:cNvPicPr>
+          <p:nvPr>
+            <p:ph idx="1"/>
+          </p:nvPr>
+        </p:nvPicPr>
+        <p:blipFill>
+          <a:blip r:embed="rId2"/>
+          <a:stretch>
+            <a:fillRect/>
+          </a:stretch>
+        </p:blipFill>
+        <p:spPr>
+          <a:xfrm>
+            <a:off x="3219450" y="2963069"/>
+            <a:ext cx="5753100" cy="2076450"/>
+          </a:xfrm>
+          <a:prstGeom prst="rect">
+            <a:avLst/>
+          </a:prstGeom>
+        </p:spPr>
+      </p:pic>
+    </p:spTree>
+    <p:extLst>
+      <p:ext uri="{BB962C8B-B14F-4D97-AF65-F5344CB8AC3E}">
+        <p14:creationId xmlns:p14="http://schemas.microsoft.com/office/powerpoint/2010/main" val="3074543854"/>
+      </p:ext>
+    </p:extLst>
+  </p:cSld>
+  <p:clrMapOvr>
+    <a:masterClrMapping/>
+  </p:clrMapOvr>
+  <p:timing>
+    <p:tnLst>
+      <p:par>
+        <p:cTn id="1" dur="indefinite" restart="never" nodeType="tmRoot"/>
+      </p:par>
+    </p:tnLst>
+  </p:timing>
+</p:sld>
+</file>
+
+<file path=ppt/slides/slide16.xml><?xml version="1.0" encoding="utf-8"?>
+<p:sld xmlns:a="http://schemas.openxmlformats.org/drawingml/2006/main" xmlns:r="http://schemas.openxmlformats.org/officeDocument/2006/relationships" xmlns:p="http://schemas.openxmlformats.org/presentationml/2006/main">
+  <p:cSld>
+    <p:bg>
+      <p:bgPr>
+        <a:gradFill>
+          <a:gsLst>
+            <a:gs pos="0">
+              <a:schemeClr val="accent1">
+                <a:lumMod val="5000"/>
+                <a:lumOff val="95000"/>
+              </a:schemeClr>
+            </a:gs>
+            <a:gs pos="74000">
+              <a:schemeClr val="accent1">
+                <a:lumMod val="45000"/>
+                <a:lumOff val="55000"/>
+              </a:schemeClr>
+            </a:gs>
+            <a:gs pos="83000">
+              <a:schemeClr val="accent1">
+                <a:lumMod val="45000"/>
+                <a:lumOff val="55000"/>
+              </a:schemeClr>
+            </a:gs>
+            <a:gs pos="100000">
+              <a:schemeClr val="accent1">
+                <a:lumMod val="30000"/>
+                <a:lumOff val="70000"/>
+              </a:schemeClr>
+            </a:gs>
+          </a:gsLst>
+          <a:lin ang="5400000" scaled="1"/>
+        </a:gradFill>
+        <a:effectLst/>
+      </p:bgPr>
+    </p:bg>
+    <p:spTree>
+      <p:nvGrpSpPr>
+        <p:cNvPr id="1" name=""/>
+        <p:cNvGrpSpPr/>
+        <p:nvPr/>
+      </p:nvGrpSpPr>
+      <p:grpSpPr>
+        <a:xfrm>
+          <a:off x="0" y="0"/>
+          <a:ext cx="0" cy="0"/>
+          <a:chOff x="0" y="0"/>
+          <a:chExt cx="0" cy="0"/>
+        </a:xfrm>
+      </p:grpSpPr>
+      <p:sp>
+        <p:nvSpPr>
+          <p:cNvPr id="2" name="Título 1"/>
+          <p:cNvSpPr>
+            <a:spLocks noGrp="1"/>
+          </p:cNvSpPr>
+          <p:nvPr>
+            <p:ph type="title"/>
+          </p:nvPr>
+        </p:nvSpPr>
+        <p:spPr/>
+        <p:txBody>
+          <a:bodyPr/>
+          <a:lstStyle/>
+          <a:p>
+            <a:r>
+              <a:rPr lang="pt-BR" dirty="0" smtClean="0"/>
+              <a:t>Scanner Acessibilidade</a:t>
+            </a:r>
+            <a:endParaRPr lang="pt-BR" dirty="0"/>
+          </a:p>
+        </p:txBody>
+      </p:sp>
+      <p:pic>
+        <p:nvPicPr>
+          <p:cNvPr id="4" name="Espaço Reservado para Conteúdo 3"/>
+          <p:cNvPicPr>
+            <a:picLocks noGrp="1" noChangeAspect="1"/>
+          </p:cNvPicPr>
+          <p:nvPr>
+            <p:ph idx="1"/>
+          </p:nvPr>
+        </p:nvPicPr>
+        <p:blipFill>
+          <a:blip r:embed="rId2"/>
+          <a:stretch>
+            <a:fillRect/>
+          </a:stretch>
+        </p:blipFill>
+        <p:spPr>
+          <a:xfrm>
+            <a:off x="3295453" y="1825625"/>
+            <a:ext cx="5601093" cy="4351338"/>
+          </a:xfrm>
+          <a:prstGeom prst="rect">
+            <a:avLst/>
+          </a:prstGeom>
+        </p:spPr>
+      </p:pic>
+    </p:spTree>
+    <p:extLst>
+      <p:ext uri="{BB962C8B-B14F-4D97-AF65-F5344CB8AC3E}">
+        <p14:creationId xmlns:p14="http://schemas.microsoft.com/office/powerpoint/2010/main" val="1779175315"/>
+      </p:ext>
+    </p:extLst>
+  </p:cSld>
+  <p:clrMapOvr>
+    <a:masterClrMapping/>
+  </p:clrMapOvr>
+  <p:timing>
+    <p:tnLst>
+      <p:par>
+        <p:cTn id="1" dur="indefinite" restart="never" nodeType="tmRoot"/>
+      </p:par>
+    </p:tnLst>
+  </p:timing>
+</p:sld>
+</file>
+
+<file path=ppt/slides/slide17.xml><?xml version="1.0" encoding="utf-8"?>
+<p:sld xmlns:a="http://schemas.openxmlformats.org/drawingml/2006/main" xmlns:r="http://schemas.openxmlformats.org/officeDocument/2006/relationships" xmlns:p="http://schemas.openxmlformats.org/presentationml/2006/main">
+  <p:cSld>
+    <p:bg>
+      <p:bgPr>
+        <a:gradFill>
+          <a:gsLst>
+            <a:gs pos="0">
+              <a:schemeClr val="accent1">
+                <a:lumMod val="5000"/>
+                <a:lumOff val="95000"/>
+              </a:schemeClr>
+            </a:gs>
+            <a:gs pos="74000">
+              <a:schemeClr val="accent1">
+                <a:lumMod val="45000"/>
+                <a:lumOff val="55000"/>
+              </a:schemeClr>
+            </a:gs>
+            <a:gs pos="83000">
+              <a:schemeClr val="accent1">
+                <a:lumMod val="45000"/>
+                <a:lumOff val="55000"/>
+              </a:schemeClr>
+            </a:gs>
+            <a:gs pos="100000">
+              <a:schemeClr val="accent1">
+                <a:lumMod val="30000"/>
+                <a:lumOff val="70000"/>
+              </a:schemeClr>
+            </a:gs>
+          </a:gsLst>
+          <a:lin ang="5400000" scaled="1"/>
+        </a:gradFill>
+        <a:effectLst/>
+      </p:bgPr>
+    </p:bg>
+    <p:spTree>
+      <p:nvGrpSpPr>
+        <p:cNvPr id="1" name=""/>
+        <p:cNvGrpSpPr/>
+        <p:nvPr/>
+      </p:nvGrpSpPr>
+      <p:grpSpPr>
+        <a:xfrm>
+          <a:off x="0" y="0"/>
+          <a:ext cx="0" cy="0"/>
+          <a:chOff x="0" y="0"/>
+          <a:chExt cx="0" cy="0"/>
+        </a:xfrm>
+      </p:grpSpPr>
+      <p:sp>
+        <p:nvSpPr>
+          <p:cNvPr id="2" name="Título 1"/>
+          <p:cNvSpPr>
+            <a:spLocks noGrp="1"/>
+          </p:cNvSpPr>
+          <p:nvPr>
+            <p:ph type="title"/>
+          </p:nvPr>
+        </p:nvSpPr>
+        <p:spPr/>
+        <p:txBody>
+          <a:bodyPr/>
+          <a:lstStyle/>
+          <a:p>
+            <a:r>
+              <a:rPr lang="pt-BR" dirty="0" smtClean="0"/>
+              <a:t>Guia de Acessibilidade</a:t>
+            </a:r>
+            <a:endParaRPr lang="pt-BR" dirty="0"/>
+          </a:p>
+        </p:txBody>
+      </p:sp>
+      <p:sp>
+        <p:nvSpPr>
+          <p:cNvPr id="3" name="Espaço Reservado para Conteúdo 2"/>
+          <p:cNvSpPr>
+            <a:spLocks noGrp="1"/>
+          </p:cNvSpPr>
+          <p:nvPr>
+            <p:ph idx="1"/>
+          </p:nvPr>
+        </p:nvSpPr>
+        <p:spPr/>
+        <p:txBody>
+          <a:bodyPr/>
+          <a:lstStyle/>
+          <a:p>
+            <a:r>
+              <a:rPr lang="pt-BR" dirty="0" smtClean="0"/>
+              <a:t>Design Minimalista</a:t>
+            </a:r>
+          </a:p>
+          <a:p>
+            <a:r>
+              <a:rPr lang="pt-BR" dirty="0" smtClean="0"/>
+              <a:t>Fluxo Natural</a:t>
+            </a:r>
+          </a:p>
+          <a:p>
+            <a:r>
+              <a:rPr lang="pt-BR" dirty="0" smtClean="0"/>
+              <a:t>Coerência Externa</a:t>
+            </a:r>
+          </a:p>
+          <a:p>
+            <a:r>
+              <a:rPr lang="pt-BR" dirty="0" smtClean="0"/>
+              <a:t>Coerência Interna</a:t>
+            </a:r>
+          </a:p>
+          <a:p>
+            <a:r>
+              <a:rPr lang="pt-BR" dirty="0" smtClean="0"/>
+              <a:t>Fixação Barra de Ferramenta</a:t>
+            </a:r>
+          </a:p>
+          <a:p>
+            <a:r>
+              <a:rPr lang="pt-BR" dirty="0" smtClean="0"/>
+              <a:t>Tamanho dos Componentes</a:t>
+            </a:r>
+          </a:p>
+          <a:p>
+            <a:r>
+              <a:rPr lang="pt-BR" dirty="0" smtClean="0"/>
+              <a:t>Cores da Interface</a:t>
+            </a:r>
+          </a:p>
+        </p:txBody>
+      </p:sp>
+    </p:spTree>
+    <p:extLst>
+      <p:ext uri="{BB962C8B-B14F-4D97-AF65-F5344CB8AC3E}">
+        <p14:creationId xmlns:p14="http://schemas.microsoft.com/office/powerpoint/2010/main" val="2306403299"/>
+      </p:ext>
+    </p:extLst>
+  </p:cSld>
+  <p:clrMapOvr>
+    <a:masterClrMapping/>
+  </p:clrMapOvr>
+  <p:timing>
+    <p:tnLst>
+      <p:par>
+        <p:cTn id="1" dur="indefinite" restart="never" nodeType="tmRoot"/>
+      </p:par>
+    </p:tnLst>
+  </p:timing>
+</p:sld>
+</file>
+
+<file path=ppt/slides/slide18.xml><?xml version="1.0" encoding="utf-8"?>
+<p:sld xmlns:a="http://schemas.openxmlformats.org/drawingml/2006/main" xmlns:r="http://schemas.openxmlformats.org/officeDocument/2006/relationships" xmlns:p="http://schemas.openxmlformats.org/presentationml/2006/main">
+  <p:cSld>
+    <p:bg>
+      <p:bgPr>
+        <a:gradFill>
+          <a:gsLst>
+            <a:gs pos="0">
+              <a:schemeClr val="accent1">
+                <a:lumMod val="5000"/>
+                <a:lumOff val="95000"/>
+              </a:schemeClr>
+            </a:gs>
+            <a:gs pos="74000">
+              <a:schemeClr val="accent1">
+                <a:lumMod val="45000"/>
+                <a:lumOff val="55000"/>
+              </a:schemeClr>
+            </a:gs>
+            <a:gs pos="83000">
+              <a:schemeClr val="accent1">
+                <a:lumMod val="45000"/>
+                <a:lumOff val="55000"/>
+              </a:schemeClr>
+            </a:gs>
+            <a:gs pos="100000">
+              <a:schemeClr val="accent1">
+                <a:lumMod val="30000"/>
+                <a:lumOff val="70000"/>
+              </a:schemeClr>
+            </a:gs>
+          </a:gsLst>
+          <a:lin ang="5400000" scaled="1"/>
+        </a:gradFill>
+        <a:effectLst/>
+      </p:bgPr>
+    </p:bg>
+    <p:spTree>
+      <p:nvGrpSpPr>
+        <p:cNvPr id="1" name=""/>
+        <p:cNvGrpSpPr/>
+        <p:nvPr/>
+      </p:nvGrpSpPr>
+      <p:grpSpPr>
+        <a:xfrm>
+          <a:off x="0" y="0"/>
+          <a:ext cx="0" cy="0"/>
+          <a:chOff x="0" y="0"/>
+          <a:chExt cx="0" cy="0"/>
+        </a:xfrm>
+      </p:grpSpPr>
+      <p:sp>
+        <p:nvSpPr>
+          <p:cNvPr id="2" name="Título 1"/>
+          <p:cNvSpPr>
+            <a:spLocks noGrp="1"/>
+          </p:cNvSpPr>
+          <p:nvPr>
+            <p:ph type="title"/>
+          </p:nvPr>
+        </p:nvSpPr>
+        <p:spPr/>
+        <p:txBody>
+          <a:bodyPr/>
+          <a:lstStyle/>
+          <a:p>
+            <a:r>
+              <a:rPr lang="pt-BR" dirty="0" smtClean="0"/>
+              <a:t>Conclusão</a:t>
+            </a:r>
+            <a:endParaRPr lang="pt-BR" dirty="0"/>
+          </a:p>
+        </p:txBody>
+      </p:sp>
+      <p:sp>
+        <p:nvSpPr>
+          <p:cNvPr id="3" name="Espaço Reservado para Conteúdo 2"/>
+          <p:cNvSpPr>
+            <a:spLocks noGrp="1"/>
+          </p:cNvSpPr>
+          <p:nvPr>
+            <p:ph idx="1"/>
+          </p:nvPr>
+        </p:nvSpPr>
+        <p:spPr/>
+        <p:txBody>
+          <a:bodyPr/>
+          <a:lstStyle/>
+          <a:p>
+            <a:r>
+              <a:rPr lang="pt-BR" dirty="0" smtClean="0"/>
+              <a:t>Aplicativo Play </a:t>
+            </a:r>
+            <a:r>
+              <a:rPr lang="pt-BR" dirty="0" err="1" smtClean="0"/>
+              <a:t>Store</a:t>
+            </a:r>
+            <a:endParaRPr lang="pt-BR" dirty="0" smtClean="0"/>
+          </a:p>
+          <a:p>
+            <a:r>
+              <a:rPr lang="pt-BR" dirty="0" smtClean="0"/>
+              <a:t>Case Avaliação</a:t>
+            </a:r>
+          </a:p>
+          <a:p>
+            <a:r>
+              <a:rPr lang="pt-BR" dirty="0" smtClean="0"/>
+              <a:t>Auxilia com ajuda de um cuidador/familiar</a:t>
+            </a:r>
+          </a:p>
+          <a:p>
+            <a:r>
+              <a:rPr lang="pt-BR" dirty="0" smtClean="0"/>
+              <a:t>Melhorias na Interface</a:t>
+            </a:r>
+          </a:p>
+          <a:p>
+            <a:r>
+              <a:rPr lang="pt-BR" dirty="0" smtClean="0"/>
+              <a:t>Divisão de Funcionalidade no Futuro</a:t>
+            </a:r>
+          </a:p>
+          <a:p>
+            <a:r>
+              <a:rPr lang="pt-BR" dirty="0" smtClean="0"/>
+              <a:t>Aprendizado de comandos do usuário sem (IA)</a:t>
+            </a:r>
+          </a:p>
+          <a:p>
+            <a:r>
+              <a:rPr lang="pt-BR" dirty="0" smtClean="0"/>
+              <a:t>Estratégias de perfil flexível para outros cenários</a:t>
+            </a:r>
+            <a:endParaRPr lang="pt-BR" dirty="0"/>
+          </a:p>
+        </p:txBody>
+      </p:sp>
+    </p:spTree>
+    <p:extLst>
+      <p:ext uri="{BB962C8B-B14F-4D97-AF65-F5344CB8AC3E}">
+        <p14:creationId xmlns:p14="http://schemas.microsoft.com/office/powerpoint/2010/main" val="1551106354"/>
+      </p:ext>
+    </p:extLst>
+  </p:cSld>
+  <p:clrMapOvr>
+    <a:masterClrMapping/>
+  </p:clrMapOvr>
+  <p:timing>
+    <p:tnLst>
+      <p:par>
+        <p:cTn id="1" dur="indefinite" restart="never" nodeType="tmRoot"/>
+      </p:par>
+    </p:tnLst>
+  </p:timing>
+</p:sld>
+</file>
+
+<file path=ppt/slides/slide19.xml><?xml version="1.0" encoding="utf-8"?>
+<p:sld xmlns:a="http://schemas.openxmlformats.org/drawingml/2006/main" xmlns:r="http://schemas.openxmlformats.org/officeDocument/2006/relationships" xmlns:p="http://schemas.openxmlformats.org/presentationml/2006/main">
+  <p:cSld>
+    <p:bg>
+      <p:bgPr>
+        <a:gradFill>
+          <a:gsLst>
+            <a:gs pos="0">
+              <a:schemeClr val="accent1">
+                <a:lumMod val="5000"/>
+                <a:lumOff val="95000"/>
+              </a:schemeClr>
+            </a:gs>
+            <a:gs pos="74000">
+              <a:schemeClr val="accent1">
+                <a:lumMod val="45000"/>
+                <a:lumOff val="55000"/>
+              </a:schemeClr>
+            </a:gs>
+            <a:gs pos="83000">
+              <a:schemeClr val="accent1">
+                <a:lumMod val="45000"/>
+                <a:lumOff val="55000"/>
+              </a:schemeClr>
+            </a:gs>
+            <a:gs pos="100000">
+              <a:schemeClr val="accent1">
+                <a:lumMod val="30000"/>
+                <a:lumOff val="70000"/>
+              </a:schemeClr>
+            </a:gs>
+          </a:gsLst>
+          <a:lin ang="5400000" scaled="1"/>
+        </a:gradFill>
+        <a:effectLst/>
+      </p:bgPr>
+    </p:bg>
+    <p:spTree>
+      <p:nvGrpSpPr>
+        <p:cNvPr id="1" name=""/>
+        <p:cNvGrpSpPr/>
+        <p:nvPr/>
+      </p:nvGrpSpPr>
+      <p:grpSpPr>
+        <a:xfrm>
+          <a:off x="0" y="0"/>
+          <a:ext cx="0" cy="0"/>
+          <a:chOff x="0" y="0"/>
+          <a:chExt cx="0" cy="0"/>
+        </a:xfrm>
+      </p:grpSpPr>
+      <p:sp>
+        <p:nvSpPr>
+          <p:cNvPr id="2" name="Título 1"/>
+          <p:cNvSpPr>
+            <a:spLocks noGrp="1"/>
+          </p:cNvSpPr>
+          <p:nvPr>
+            <p:ph type="title"/>
+          </p:nvPr>
+        </p:nvSpPr>
+        <p:spPr/>
+        <p:txBody>
+          <a:bodyPr/>
+          <a:lstStyle/>
+          <a:p>
+            <a:r>
+              <a:rPr lang="pt-BR" dirty="0" smtClean="0"/>
+              <a:t>FIM</a:t>
+            </a:r>
+            <a:endParaRPr lang="pt-BR" dirty="0"/>
+          </a:p>
+        </p:txBody>
+      </p:sp>
+      <p:sp>
+        <p:nvSpPr>
+          <p:cNvPr id="3" name="Espaço Reservado para Conteúdo 2"/>
+          <p:cNvSpPr>
+            <a:spLocks noGrp="1"/>
+          </p:cNvSpPr>
+          <p:nvPr>
+            <p:ph idx="1"/>
+          </p:nvPr>
+        </p:nvSpPr>
+        <p:spPr/>
+        <p:txBody>
+          <a:bodyPr/>
+          <a:lstStyle/>
+          <a:p>
+            <a:r>
+              <a:rPr lang="pt-BR" dirty="0" smtClean="0"/>
+              <a:t>Obrigado a Todos</a:t>
+            </a:r>
+            <a:endParaRPr lang="pt-BR" dirty="0"/>
+          </a:p>
+        </p:txBody>
+      </p:sp>
+    </p:spTree>
+    <p:extLst>
+      <p:ext uri="{BB962C8B-B14F-4D97-AF65-F5344CB8AC3E}">
+        <p14:creationId xmlns:p14="http://schemas.microsoft.com/office/powerpoint/2010/main" val="429656206"/>
+      </p:ext>
+    </p:extLst>
+  </p:cSld>
+  <p:clrMapOvr>
+    <a:masterClrMapping/>
+  </p:clrMapOvr>
+  <p:timing>
+    <p:tnLst>
+      <p:par>
+        <p:cTn id="1" dur="indefinite" restart="never" nodeType="tmRoot"/>
+      </p:par>
+    </p:tnLst>
+  </p:timing>
+</p:sld>
+</file>
+
+<file path=ppt/slides/slide2.xml><?xml version="1.0" encoding="utf-8"?>
+<p:sld xmlns:a="http://schemas.openxmlformats.org/drawingml/2006/main" xmlns:r="http://schemas.openxmlformats.org/officeDocument/2006/relationships" xmlns:p="http://schemas.openxmlformats.org/presentationml/2006/main">
+  <p:cSld>
+    <p:bg>
+      <p:bgPr>
+        <a:gradFill>
+          <a:gsLst>
+            <a:gs pos="0">
+              <a:schemeClr val="accent1">
+                <a:lumMod val="5000"/>
+                <a:lumOff val="95000"/>
+              </a:schemeClr>
+            </a:gs>
+            <a:gs pos="74000">
+              <a:schemeClr val="accent1">
+                <a:lumMod val="45000"/>
+                <a:lumOff val="55000"/>
+              </a:schemeClr>
+            </a:gs>
+            <a:gs pos="83000">
+              <a:schemeClr val="accent1">
+                <a:lumMod val="45000"/>
+                <a:lumOff val="55000"/>
+              </a:schemeClr>
+            </a:gs>
+            <a:gs pos="100000">
+              <a:schemeClr val="accent1">
+                <a:lumMod val="30000"/>
+                <a:lumOff val="70000"/>
+              </a:schemeClr>
+            </a:gs>
+          </a:gsLst>
+          <a:lin ang="5400000" scaled="1"/>
+        </a:gradFill>
+        <a:effectLst/>
+      </p:bgPr>
+    </p:bg>
+    <p:spTree>
+      <p:nvGrpSpPr>
+        <p:cNvPr id="1" name=""/>
+        <p:cNvGrpSpPr/>
+        <p:nvPr/>
+      </p:nvGrpSpPr>
+      <p:grpSpPr>
+        <a:xfrm>
+          <a:off x="0" y="0"/>
+          <a:ext cx="0" cy="0"/>
+          <a:chOff x="0" y="0"/>
+          <a:chExt cx="0" cy="0"/>
+        </a:xfrm>
+      </p:grpSpPr>
+      <p:sp>
+        <p:nvSpPr>
+          <p:cNvPr id="2" name="Título 1"/>
+          <p:cNvSpPr>
+            <a:spLocks noGrp="1"/>
+          </p:cNvSpPr>
+          <p:nvPr>
+            <p:ph type="title"/>
+          </p:nvPr>
+        </p:nvSpPr>
+        <p:spPr/>
+        <p:txBody>
+          <a:bodyPr/>
+          <a:lstStyle/>
+          <a:p>
+            <a:r>
+              <a:rPr lang="pt-BR" dirty="0" smtClean="0"/>
+              <a:t>Agenda</a:t>
+            </a:r>
+            <a:endParaRPr lang="pt-BR" dirty="0"/>
+          </a:p>
+        </p:txBody>
+      </p:sp>
+      <p:sp>
+        <p:nvSpPr>
+          <p:cNvPr id="3" name="Espaço Reservado para Conteúdo 2"/>
+          <p:cNvSpPr>
+            <a:spLocks noGrp="1"/>
+          </p:cNvSpPr>
+          <p:nvPr>
+            <p:ph idx="1"/>
+          </p:nvPr>
+        </p:nvSpPr>
+        <p:spPr/>
+        <p:txBody>
+          <a:bodyPr/>
+          <a:lstStyle/>
+          <a:p>
+            <a:r>
+              <a:rPr lang="pt-BR" dirty="0" smtClean="0"/>
+              <a:t>Introdução</a:t>
+            </a:r>
+          </a:p>
+          <a:p>
+            <a:r>
+              <a:rPr lang="pt-BR" dirty="0" smtClean="0"/>
+              <a:t>Objetivos</a:t>
+            </a:r>
+          </a:p>
+          <a:p>
+            <a:r>
+              <a:rPr lang="pt-BR" dirty="0" smtClean="0"/>
+              <a:t>Arquitetura Utilizada</a:t>
+            </a:r>
+          </a:p>
+          <a:p>
+            <a:r>
+              <a:rPr lang="pt-BR" dirty="0" smtClean="0"/>
+              <a:t>Padrões de Projeto</a:t>
+            </a:r>
+          </a:p>
+          <a:p>
+            <a:r>
+              <a:rPr lang="pt-BR" dirty="0" smtClean="0"/>
+              <a:t>Reconhecimento de Voz</a:t>
+            </a:r>
+          </a:p>
+          <a:p>
+            <a:r>
+              <a:rPr lang="pt-BR" dirty="0" smtClean="0"/>
+              <a:t>Aplicativo AUM</a:t>
+            </a:r>
+          </a:p>
+          <a:p>
+            <a:r>
+              <a:rPr lang="pt-BR" dirty="0" smtClean="0"/>
+              <a:t>Testes</a:t>
+            </a:r>
+          </a:p>
+          <a:p>
+            <a:r>
+              <a:rPr lang="pt-BR" dirty="0" smtClean="0"/>
+              <a:t>Conclusão</a:t>
+            </a:r>
+          </a:p>
+          <a:p>
+            <a:endParaRPr lang="pt-BR" dirty="0" smtClean="0"/>
+          </a:p>
+          <a:p>
+            <a:endParaRPr lang="pt-BR" dirty="0" smtClean="0"/>
+          </a:p>
+          <a:p>
+            <a:endParaRPr lang="pt-BR" dirty="0" smtClean="0"/>
+          </a:p>
+          <a:p>
+            <a:endParaRPr lang="pt-BR" dirty="0" smtClean="0"/>
+          </a:p>
+          <a:p>
+            <a:endParaRPr lang="pt-BR" dirty="0" smtClean="0"/>
+          </a:p>
+          <a:p>
+            <a:endParaRPr lang="pt-BR" dirty="0"/>
+          </a:p>
+        </p:txBody>
+      </p:sp>
+    </p:spTree>
+    <p:extLst>
+      <p:ext uri="{BB962C8B-B14F-4D97-AF65-F5344CB8AC3E}">
+        <p14:creationId xmlns:p14="http://schemas.microsoft.com/office/powerpoint/2010/main" val="188838048"/>
+      </p:ext>
+    </p:extLst>
+  </p:cSld>
+  <p:clrMapOvr>
+    <a:masterClrMapping/>
+  </p:clrMapOvr>
+  <p:timing>
+    <p:tnLst>
+      <p:par>
+        <p:cTn id="1" dur="indefinite" restart="never" nodeType="tmRoot"/>
+      </p:par>
+    </p:tnLst>
+  </p:timing>
+</p:sld>
+</file>
+
+<file path=ppt/slides/slide20.xml><?xml version="1.0" encoding="utf-8"?>
+<p:sld xmlns:a="http://schemas.openxmlformats.org/drawingml/2006/main" xmlns:r="http://schemas.openxmlformats.org/officeDocument/2006/relationships" xmlns:p="http://schemas.openxmlformats.org/presentationml/2006/main">
+  <p:cSld>
+    <p:spTree>
+      <p:nvGrpSpPr>
+        <p:cNvPr id="1" name=""/>
+        <p:cNvGrpSpPr/>
+        <p:nvPr/>
+      </p:nvGrpSpPr>
+      <p:grpSpPr>
+        <a:xfrm>
+          <a:off x="0" y="0"/>
+          <a:ext cx="0" cy="0"/>
+          <a:chOff x="0" y="0"/>
+          <a:chExt cx="0" cy="0"/>
+        </a:xfrm>
+      </p:grpSpPr>
+      <p:sp>
+        <p:nvSpPr>
+          <p:cNvPr id="2" name="Título 1"/>
+          <p:cNvSpPr>
+            <a:spLocks noGrp="1"/>
+          </p:cNvSpPr>
+          <p:nvPr>
+            <p:ph type="title"/>
+          </p:nvPr>
+        </p:nvSpPr>
+        <p:spPr/>
+        <p:txBody>
+          <a:bodyPr/>
+          <a:lstStyle/>
+          <a:p>
+            <a:r>
+              <a:rPr lang="pt-BR" dirty="0" smtClean="0"/>
+              <a:t>Telas do APP</a:t>
+            </a:r>
+            <a:endParaRPr lang="pt-BR" dirty="0"/>
+          </a:p>
+        </p:txBody>
+      </p:sp>
+      <p:sp>
+        <p:nvSpPr>
+          <p:cNvPr id="3" name="Espaço Reservado para Conteúdo 2"/>
+          <p:cNvSpPr>
+            <a:spLocks noGrp="1"/>
+          </p:cNvSpPr>
+          <p:nvPr>
+            <p:ph idx="1"/>
+          </p:nvPr>
+        </p:nvSpPr>
+        <p:spPr/>
+        <p:txBody>
+          <a:bodyPr/>
+          <a:lstStyle/>
+          <a:p>
+            <a:endParaRPr lang="pt-BR" dirty="0"/>
+          </a:p>
+        </p:txBody>
+      </p:sp>
+    </p:spTree>
+    <p:extLst>
+      <p:ext uri="{BB962C8B-B14F-4D97-AF65-F5344CB8AC3E}">
+        <p14:creationId xmlns:p14="http://schemas.microsoft.com/office/powerpoint/2010/main" val="3372242676"/>
+      </p:ext>
+    </p:extLst>
+  </p:cSld>
+  <p:clrMapOvr>
+    <a:masterClrMapping/>
+  </p:clrMapOvr>
+  <p:timing>
+    <p:tnLst>
+      <p:par>
+        <p:cTn id="1" dur="indefinite" restart="never" nodeType="tmRoot"/>
+      </p:par>
+    </p:tnLst>
+  </p:timing>
+</p:sld>
+</file>
+
+<file path=ppt/slides/slide21.xml><?xml version="1.0" encoding="utf-8"?>
+<p:sld xmlns:a="http://schemas.openxmlformats.org/drawingml/2006/main" xmlns:r="http://schemas.openxmlformats.org/officeDocument/2006/relationships" xmlns:p="http://schemas.openxmlformats.org/presentationml/2006/main">
+  <p:cSld>
+    <p:spTree>
+      <p:nvGrpSpPr>
+        <p:cNvPr id="1" name=""/>
+        <p:cNvGrpSpPr/>
+        <p:nvPr/>
+      </p:nvGrpSpPr>
+      <p:grpSpPr>
+        <a:xfrm>
+          <a:off x="0" y="0"/>
+          <a:ext cx="0" cy="0"/>
+          <a:chOff x="0" y="0"/>
+          <a:chExt cx="0" cy="0"/>
+        </a:xfrm>
+      </p:grpSpPr>
+      <p:sp>
+        <p:nvSpPr>
+          <p:cNvPr id="2" name="Título 1"/>
+          <p:cNvSpPr>
+            <a:spLocks noGrp="1"/>
+          </p:cNvSpPr>
+          <p:nvPr>
+            <p:ph type="title"/>
+          </p:nvPr>
+        </p:nvSpPr>
+        <p:spPr/>
+        <p:txBody>
+          <a:bodyPr/>
+          <a:lstStyle/>
+          <a:p>
+            <a:r>
+              <a:rPr lang="pt-BR" dirty="0" smtClean="0"/>
+              <a:t>Primeiro Acesso</a:t>
+            </a:r>
+            <a:endParaRPr lang="pt-BR" dirty="0"/>
+          </a:p>
+        </p:txBody>
+      </p:sp>
+      <p:pic>
+        <p:nvPicPr>
+          <p:cNvPr id="4" name="Espaço Reservado para Conteúdo 3"/>
+          <p:cNvPicPr>
+            <a:picLocks noGrp="1" noChangeAspect="1"/>
+          </p:cNvPicPr>
+          <p:nvPr>
+            <p:ph idx="1"/>
+          </p:nvPr>
+        </p:nvPicPr>
+        <p:blipFill>
+          <a:blip r:embed="rId2"/>
+          <a:stretch>
+            <a:fillRect/>
+          </a:stretch>
+        </p:blipFill>
+        <p:spPr>
+          <a:xfrm>
+            <a:off x="4752975" y="2086769"/>
+            <a:ext cx="2686050" cy="3829050"/>
+          </a:xfrm>
+          <a:prstGeom prst="rect">
+            <a:avLst/>
+          </a:prstGeom>
+        </p:spPr>
+      </p:pic>
+    </p:spTree>
+    <p:extLst>
+      <p:ext uri="{BB962C8B-B14F-4D97-AF65-F5344CB8AC3E}">
+        <p14:creationId xmlns:p14="http://schemas.microsoft.com/office/powerpoint/2010/main" val="3941652278"/>
+      </p:ext>
+    </p:extLst>
+  </p:cSld>
+  <p:clrMapOvr>
+    <a:masterClrMapping/>
+  </p:clrMapOvr>
+  <p:timing>
+    <p:tnLst>
+      <p:par>
+        <p:cTn id="1" dur="indefinite" restart="never" nodeType="tmRoot"/>
+      </p:par>
+    </p:tnLst>
+  </p:timing>
+</p:sld>
+</file>
+
+<file path=ppt/slides/slide22.xml><?xml version="1.0" encoding="utf-8"?>
+<p:sld xmlns:a="http://schemas.openxmlformats.org/drawingml/2006/main" xmlns:r="http://schemas.openxmlformats.org/officeDocument/2006/relationships" xmlns:p="http://schemas.openxmlformats.org/presentationml/2006/main">
+  <p:cSld>
+    <p:spTree>
+      <p:nvGrpSpPr>
+        <p:cNvPr id="1" name=""/>
+        <p:cNvGrpSpPr/>
+        <p:nvPr/>
+      </p:nvGrpSpPr>
+      <p:grpSpPr>
+        <a:xfrm>
+          <a:off x="0" y="0"/>
+          <a:ext cx="0" cy="0"/>
+          <a:chOff x="0" y="0"/>
+          <a:chExt cx="0" cy="0"/>
+        </a:xfrm>
+      </p:grpSpPr>
+      <p:sp>
+        <p:nvSpPr>
+          <p:cNvPr id="2" name="Título 1"/>
+          <p:cNvSpPr>
+            <a:spLocks noGrp="1"/>
+          </p:cNvSpPr>
+          <p:nvPr>
+            <p:ph type="title"/>
+          </p:nvPr>
+        </p:nvSpPr>
+        <p:spPr/>
+        <p:txBody>
+          <a:bodyPr/>
+          <a:lstStyle/>
+          <a:p>
+            <a:r>
+              <a:rPr lang="pt-BR" dirty="0" smtClean="0"/>
+              <a:t>Acesso</a:t>
+            </a:r>
+            <a:endParaRPr lang="pt-BR" dirty="0"/>
+          </a:p>
+        </p:txBody>
+      </p:sp>
+      <p:pic>
+        <p:nvPicPr>
+          <p:cNvPr id="4" name="Espaço Reservado para Conteúdo 3"/>
+          <p:cNvPicPr>
+            <a:picLocks noGrp="1" noChangeAspect="1"/>
+          </p:cNvPicPr>
+          <p:nvPr>
+            <p:ph idx="1"/>
+          </p:nvPr>
+        </p:nvPicPr>
+        <p:blipFill>
+          <a:blip r:embed="rId2"/>
+          <a:stretch>
+            <a:fillRect/>
+          </a:stretch>
+        </p:blipFill>
+        <p:spPr>
+          <a:xfrm>
+            <a:off x="4319418" y="1825625"/>
+            <a:ext cx="3553163" cy="4351338"/>
+          </a:xfrm>
+          <a:prstGeom prst="rect">
+            <a:avLst/>
+          </a:prstGeom>
+        </p:spPr>
+      </p:pic>
+      <p:pic>
+        <p:nvPicPr>
+          <p:cNvPr id="5" name="Imagem 4"/>
+          <p:cNvPicPr>
+            <a:picLocks noChangeAspect="1"/>
+          </p:cNvPicPr>
+          <p:nvPr/>
+        </p:nvPicPr>
+        <p:blipFill>
+          <a:blip r:embed="rId3"/>
+          <a:stretch>
+            <a:fillRect/>
+          </a:stretch>
+        </p:blipFill>
+        <p:spPr>
+          <a:xfrm>
+            <a:off x="8867645" y="2249444"/>
+            <a:ext cx="981075" cy="266700"/>
+          </a:xfrm>
+          <a:prstGeom prst="rect">
+            <a:avLst/>
+          </a:prstGeom>
+        </p:spPr>
+      </p:pic>
+    </p:spTree>
+    <p:extLst>
+      <p:ext uri="{BB962C8B-B14F-4D97-AF65-F5344CB8AC3E}">
+        <p14:creationId xmlns:p14="http://schemas.microsoft.com/office/powerpoint/2010/main" val="350563509"/>
+      </p:ext>
+    </p:extLst>
+  </p:cSld>
+  <p:clrMapOvr>
+    <a:masterClrMapping/>
+  </p:clrMapOvr>
+  <p:timing>
+    <p:tnLst>
+      <p:par>
+        <p:cTn id="1" dur="indefinite" restart="never" nodeType="tmRoot"/>
+      </p:par>
+    </p:tnLst>
+  </p:timing>
+</p:sld>
+</file>
+
+<file path=ppt/slides/slide23.xml><?xml version="1.0" encoding="utf-8"?>
+<p:sld xmlns:a="http://schemas.openxmlformats.org/drawingml/2006/main" xmlns:r="http://schemas.openxmlformats.org/officeDocument/2006/relationships" xmlns:p="http://schemas.openxmlformats.org/presentationml/2006/main">
+  <p:cSld>
+    <p:spTree>
+      <p:nvGrpSpPr>
+        <p:cNvPr id="1" name=""/>
+        <p:cNvGrpSpPr/>
+        <p:nvPr/>
+      </p:nvGrpSpPr>
+      <p:grpSpPr>
+        <a:xfrm>
+          <a:off x="0" y="0"/>
+          <a:ext cx="0" cy="0"/>
+          <a:chOff x="0" y="0"/>
+          <a:chExt cx="0" cy="0"/>
+        </a:xfrm>
+      </p:grpSpPr>
+      <p:sp>
+        <p:nvSpPr>
+          <p:cNvPr id="2" name="Título 1"/>
+          <p:cNvSpPr>
+            <a:spLocks noGrp="1"/>
+          </p:cNvSpPr>
+          <p:nvPr>
+            <p:ph type="title"/>
+          </p:nvPr>
+        </p:nvSpPr>
+        <p:spPr/>
+        <p:txBody>
+          <a:bodyPr/>
+          <a:lstStyle/>
+          <a:p>
+            <a:r>
+              <a:rPr lang="pt-BR" dirty="0" smtClean="0"/>
+              <a:t>Cadastro de Usuário</a:t>
+            </a:r>
+            <a:endParaRPr lang="pt-BR" dirty="0"/>
+          </a:p>
+        </p:txBody>
+      </p:sp>
+      <p:pic>
+        <p:nvPicPr>
+          <p:cNvPr id="4" name="Espaço Reservado para Conteúdo 3"/>
+          <p:cNvPicPr>
+            <a:picLocks noGrp="1" noChangeAspect="1"/>
+          </p:cNvPicPr>
+          <p:nvPr>
+            <p:ph idx="1"/>
+          </p:nvPr>
+        </p:nvPicPr>
+        <p:blipFill>
+          <a:blip r:embed="rId2"/>
+          <a:stretch>
+            <a:fillRect/>
+          </a:stretch>
+        </p:blipFill>
+        <p:spPr>
+          <a:xfrm>
+            <a:off x="838200" y="1899766"/>
+            <a:ext cx="3417806" cy="4351338"/>
+          </a:xfrm>
+          <a:prstGeom prst="rect">
+            <a:avLst/>
+          </a:prstGeom>
+        </p:spPr>
+      </p:pic>
+      <p:pic>
+        <p:nvPicPr>
+          <p:cNvPr id="6" name="Imagem 5"/>
+          <p:cNvPicPr>
+            <a:picLocks noChangeAspect="1"/>
+          </p:cNvPicPr>
+          <p:nvPr/>
+        </p:nvPicPr>
+        <p:blipFill>
+          <a:blip r:embed="rId3"/>
+          <a:stretch>
+            <a:fillRect/>
+          </a:stretch>
+        </p:blipFill>
+        <p:spPr>
+          <a:xfrm>
+            <a:off x="5450360" y="3901559"/>
+            <a:ext cx="3452195" cy="1378894"/>
+          </a:xfrm>
+          <a:prstGeom prst="rect">
+            <a:avLst/>
+          </a:prstGeom>
+        </p:spPr>
+      </p:pic>
+      <p:cxnSp>
+        <p:nvCxnSpPr>
+          <p:cNvPr id="8" name="Conector de seta reta 7"/>
+          <p:cNvCxnSpPr/>
+          <p:nvPr/>
+        </p:nvCxnSpPr>
+        <p:spPr>
+          <a:xfrm flipV="1">
+            <a:off x="3270423" y="4744995"/>
+            <a:ext cx="2718485" cy="32950"/>
+          </a:xfrm>
+          <a:prstGeom prst="straightConnector1">
+            <a:avLst/>
+          </a:prstGeom>
+          <a:ln>
+            <a:tailEnd type="triangle"/>
+          </a:ln>
+        </p:spPr>
+        <p:style>
+          <a:lnRef idx="1">
+            <a:schemeClr val="accent1"/>
+          </a:lnRef>
+          <a:fillRef idx="0">
+            <a:schemeClr val="accent1"/>
+          </a:fillRef>
+          <a:effectRef idx="0">
+            <a:schemeClr val="accent1"/>
+          </a:effectRef>
+          <a:fontRef idx="minor">
+            <a:schemeClr val="tx1"/>
+          </a:fontRef>
+        </p:style>
+      </p:cxnSp>
+    </p:spTree>
+    <p:extLst>
+      <p:ext uri="{BB962C8B-B14F-4D97-AF65-F5344CB8AC3E}">
+        <p14:creationId xmlns:p14="http://schemas.microsoft.com/office/powerpoint/2010/main" val="1889345386"/>
+      </p:ext>
+    </p:extLst>
+  </p:cSld>
+  <p:clrMapOvr>
+    <a:masterClrMapping/>
+  </p:clrMapOvr>
+  <p:timing>
+    <p:tnLst>
+      <p:par>
+        <p:cTn id="1" dur="indefinite" restart="never" nodeType="tmRoot"/>
+      </p:par>
+    </p:tnLst>
+  </p:timing>
+</p:sld>
+</file>
+
+<file path=ppt/slides/slide24.xml><?xml version="1.0" encoding="utf-8"?>
+<p:sld xmlns:a="http://schemas.openxmlformats.org/drawingml/2006/main" xmlns:r="http://schemas.openxmlformats.org/officeDocument/2006/relationships" xmlns:p="http://schemas.openxmlformats.org/presentationml/2006/main">
+  <p:cSld>
+    <p:spTree>
+      <p:nvGrpSpPr>
+        <p:cNvPr id="1" name=""/>
+        <p:cNvGrpSpPr/>
+        <p:nvPr/>
+      </p:nvGrpSpPr>
+      <p:grpSpPr>
+        <a:xfrm>
+          <a:off x="0" y="0"/>
+          <a:ext cx="0" cy="0"/>
+          <a:chOff x="0" y="0"/>
+          <a:chExt cx="0" cy="0"/>
+        </a:xfrm>
+      </p:grpSpPr>
+      <p:sp>
+        <p:nvSpPr>
+          <p:cNvPr id="2" name="Título 1"/>
+          <p:cNvSpPr>
+            <a:spLocks noGrp="1"/>
+          </p:cNvSpPr>
+          <p:nvPr>
+            <p:ph type="title"/>
+          </p:nvPr>
+        </p:nvSpPr>
+        <p:spPr/>
+        <p:txBody>
+          <a:bodyPr/>
+          <a:lstStyle/>
+          <a:p>
+            <a:r>
+              <a:rPr lang="pt-BR" dirty="0" smtClean="0"/>
+              <a:t>Principal inicialmente</a:t>
+            </a:r>
+            <a:endParaRPr lang="pt-BR" dirty="0"/>
+          </a:p>
+        </p:txBody>
+      </p:sp>
+      <p:pic>
+        <p:nvPicPr>
+          <p:cNvPr id="4" name="Espaço Reservado para Conteúdo 3"/>
+          <p:cNvPicPr>
+            <a:picLocks noGrp="1" noChangeAspect="1"/>
+          </p:cNvPicPr>
+          <p:nvPr>
+            <p:ph idx="1"/>
+          </p:nvPr>
+        </p:nvPicPr>
+        <p:blipFill>
+          <a:blip r:embed="rId2"/>
+          <a:stretch>
+            <a:fillRect/>
+          </a:stretch>
+        </p:blipFill>
+        <p:spPr>
+          <a:xfrm>
+            <a:off x="4376737" y="1886744"/>
+            <a:ext cx="3438525" cy="4229100"/>
+          </a:xfrm>
+          <a:prstGeom prst="rect">
+            <a:avLst/>
+          </a:prstGeom>
+        </p:spPr>
+      </p:pic>
+    </p:spTree>
+    <p:extLst>
+      <p:ext uri="{BB962C8B-B14F-4D97-AF65-F5344CB8AC3E}">
+        <p14:creationId xmlns:p14="http://schemas.microsoft.com/office/powerpoint/2010/main" val="3056619583"/>
+      </p:ext>
+    </p:extLst>
+  </p:cSld>
+  <p:clrMapOvr>
+    <a:masterClrMapping/>
+  </p:clrMapOvr>
+  <p:timing>
+    <p:tnLst>
+      <p:par>
+        <p:cTn id="1" dur="indefinite" restart="never" nodeType="tmRoot"/>
+      </p:par>
+    </p:tnLst>
+  </p:timing>
+</p:sld>
+</file>
+
+<file path=ppt/slides/slide25.xml><?xml version="1.0" encoding="utf-8"?>
+<p:sld xmlns:a="http://schemas.openxmlformats.org/drawingml/2006/main" xmlns:r="http://schemas.openxmlformats.org/officeDocument/2006/relationships" xmlns:p="http://schemas.openxmlformats.org/presentationml/2006/main">
+  <p:cSld>
+    <p:spTree>
+      <p:nvGrpSpPr>
+        <p:cNvPr id="1" name=""/>
+        <p:cNvGrpSpPr/>
+        <p:nvPr/>
+      </p:nvGrpSpPr>
+      <p:grpSpPr>
+        <a:xfrm>
+          <a:off x="0" y="0"/>
+          <a:ext cx="0" cy="0"/>
+          <a:chOff x="0" y="0"/>
+          <a:chExt cx="0" cy="0"/>
+        </a:xfrm>
+      </p:grpSpPr>
+      <p:sp>
+        <p:nvSpPr>
+          <p:cNvPr id="2" name="Título 1"/>
+          <p:cNvSpPr>
+            <a:spLocks noGrp="1"/>
+          </p:cNvSpPr>
+          <p:nvPr>
+            <p:ph type="title"/>
+          </p:nvPr>
+        </p:nvSpPr>
+        <p:spPr/>
+        <p:txBody>
+          <a:bodyPr/>
+          <a:lstStyle/>
+          <a:p>
+            <a:r>
+              <a:rPr lang="pt-BR" dirty="0" smtClean="0"/>
+              <a:t>Principal Preenchida</a:t>
+            </a:r>
+            <a:endParaRPr lang="pt-BR" dirty="0"/>
+          </a:p>
+        </p:txBody>
+      </p:sp>
+      <p:pic>
+        <p:nvPicPr>
+          <p:cNvPr id="4" name="Espaço Reservado para Conteúdo 3"/>
+          <p:cNvPicPr>
+            <a:picLocks noGrp="1" noChangeAspect="1"/>
+          </p:cNvPicPr>
+          <p:nvPr>
+            <p:ph idx="1"/>
+          </p:nvPr>
+        </p:nvPicPr>
+        <p:blipFill>
+          <a:blip r:embed="rId2"/>
+          <a:stretch>
+            <a:fillRect/>
+          </a:stretch>
+        </p:blipFill>
+        <p:spPr>
+          <a:xfrm>
+            <a:off x="4446981" y="1825625"/>
+            <a:ext cx="3298037" cy="4351338"/>
+          </a:xfrm>
+          <a:prstGeom prst="rect">
+            <a:avLst/>
+          </a:prstGeom>
+        </p:spPr>
+      </p:pic>
+    </p:spTree>
+    <p:extLst>
+      <p:ext uri="{BB962C8B-B14F-4D97-AF65-F5344CB8AC3E}">
+        <p14:creationId xmlns:p14="http://schemas.microsoft.com/office/powerpoint/2010/main" val="690395462"/>
+      </p:ext>
+    </p:extLst>
+  </p:cSld>
+  <p:clrMapOvr>
+    <a:masterClrMapping/>
+  </p:clrMapOvr>
+  <p:timing>
+    <p:tnLst>
+      <p:par>
+        <p:cTn id="1" dur="indefinite" restart="never" nodeType="tmRoot"/>
+      </p:par>
+    </p:tnLst>
+  </p:timing>
+</p:sld>
+</file>
+
+<file path=ppt/slides/slide26.xml><?xml version="1.0" encoding="utf-8"?>
+<p:sld xmlns:a="http://schemas.openxmlformats.org/drawingml/2006/main" xmlns:r="http://schemas.openxmlformats.org/officeDocument/2006/relationships" xmlns:p="http://schemas.openxmlformats.org/presentationml/2006/main">
+  <p:cSld>
+    <p:spTree>
+      <p:nvGrpSpPr>
+        <p:cNvPr id="1" name=""/>
+        <p:cNvGrpSpPr/>
+        <p:nvPr/>
+      </p:nvGrpSpPr>
+      <p:grpSpPr>
+        <a:xfrm>
+          <a:off x="0" y="0"/>
+          <a:ext cx="0" cy="0"/>
+          <a:chOff x="0" y="0"/>
+          <a:chExt cx="0" cy="0"/>
+        </a:xfrm>
+      </p:grpSpPr>
+      <p:sp>
+        <p:nvSpPr>
+          <p:cNvPr id="2" name="Título 1"/>
+          <p:cNvSpPr>
+            <a:spLocks noGrp="1"/>
+          </p:cNvSpPr>
+          <p:nvPr>
+            <p:ph type="title"/>
+          </p:nvPr>
+        </p:nvSpPr>
+        <p:spPr/>
+        <p:txBody>
+          <a:bodyPr/>
+          <a:lstStyle/>
+          <a:p>
+            <a:r>
+              <a:rPr lang="pt-BR" dirty="0" smtClean="0"/>
+              <a:t>Pesquisa ANVISA	</a:t>
+            </a:r>
+            <a:endParaRPr lang="pt-BR" dirty="0"/>
+          </a:p>
+        </p:txBody>
+      </p:sp>
+      <p:pic>
+        <p:nvPicPr>
+          <p:cNvPr id="4" name="Espaço Reservado para Conteúdo 3"/>
+          <p:cNvPicPr>
+            <a:picLocks noGrp="1" noChangeAspect="1"/>
+          </p:cNvPicPr>
+          <p:nvPr>
+            <p:ph idx="1"/>
+          </p:nvPr>
+        </p:nvPicPr>
+        <p:blipFill>
+          <a:blip r:embed="rId2"/>
+          <a:stretch>
+            <a:fillRect/>
+          </a:stretch>
+        </p:blipFill>
+        <p:spPr>
+          <a:xfrm>
+            <a:off x="5833804" y="2227969"/>
+            <a:ext cx="4429125" cy="2409825"/>
+          </a:xfrm>
+          <a:prstGeom prst="rect">
+            <a:avLst/>
+          </a:prstGeom>
+        </p:spPr>
+      </p:pic>
+      <p:pic>
+        <p:nvPicPr>
+          <p:cNvPr id="5" name="Imagem 4"/>
+          <p:cNvPicPr>
+            <a:picLocks noChangeAspect="1"/>
+          </p:cNvPicPr>
+          <p:nvPr/>
+        </p:nvPicPr>
+        <p:blipFill>
+          <a:blip r:embed="rId3"/>
+          <a:stretch>
+            <a:fillRect/>
+          </a:stretch>
+        </p:blipFill>
+        <p:spPr>
+          <a:xfrm>
+            <a:off x="1429008" y="1653252"/>
+            <a:ext cx="2990850" cy="4591050"/>
+          </a:xfrm>
+          <a:prstGeom prst="rect">
+            <a:avLst/>
+          </a:prstGeom>
+        </p:spPr>
+      </p:pic>
+      <p:cxnSp>
+        <p:nvCxnSpPr>
+          <p:cNvPr id="7" name="Conector de seta reta 6"/>
+          <p:cNvCxnSpPr/>
+          <p:nvPr/>
+        </p:nvCxnSpPr>
+        <p:spPr>
+          <a:xfrm>
+            <a:off x="4419858" y="3023286"/>
+            <a:ext cx="1413946" cy="123568"/>
+          </a:xfrm>
+          <a:prstGeom prst="straightConnector1">
+            <a:avLst/>
+          </a:prstGeom>
+          <a:ln>
+            <a:tailEnd type="triangle"/>
+          </a:ln>
+        </p:spPr>
+        <p:style>
+          <a:lnRef idx="1">
+            <a:schemeClr val="accent1"/>
+          </a:lnRef>
+          <a:fillRef idx="0">
+            <a:schemeClr val="accent1"/>
+          </a:fillRef>
+          <a:effectRef idx="0">
+            <a:schemeClr val="accent1"/>
+          </a:effectRef>
+          <a:fontRef idx="minor">
+            <a:schemeClr val="tx1"/>
+          </a:fontRef>
+        </p:style>
+      </p:cxnSp>
+    </p:spTree>
+    <p:extLst>
+      <p:ext uri="{BB962C8B-B14F-4D97-AF65-F5344CB8AC3E}">
+        <p14:creationId xmlns:p14="http://schemas.microsoft.com/office/powerpoint/2010/main" val="1618389082"/>
+      </p:ext>
+    </p:extLst>
+  </p:cSld>
+  <p:clrMapOvr>
+    <a:masterClrMapping/>
+  </p:clrMapOvr>
+  <p:timing>
+    <p:tnLst>
+      <p:par>
+        <p:cTn id="1" dur="indefinite" restart="never" nodeType="tmRoot"/>
+      </p:par>
+    </p:tnLst>
+  </p:timing>
+</p:sld>
+</file>
+
+<file path=ppt/slides/slide27.xml><?xml version="1.0" encoding="utf-8"?>
+<p:sld xmlns:a="http://schemas.openxmlformats.org/drawingml/2006/main" xmlns:r="http://schemas.openxmlformats.org/officeDocument/2006/relationships" xmlns:p="http://schemas.openxmlformats.org/presentationml/2006/main">
+  <p:cSld>
+    <p:spTree>
+      <p:nvGrpSpPr>
+        <p:cNvPr id="1" name=""/>
+        <p:cNvGrpSpPr/>
+        <p:nvPr/>
+      </p:nvGrpSpPr>
+      <p:grpSpPr>
+        <a:xfrm>
+          <a:off x="0" y="0"/>
+          <a:ext cx="0" cy="0"/>
+          <a:chOff x="0" y="0"/>
+          <a:chExt cx="0" cy="0"/>
+        </a:xfrm>
+      </p:grpSpPr>
+      <p:sp>
+        <p:nvSpPr>
+          <p:cNvPr id="2" name="Título 1"/>
+          <p:cNvSpPr>
+            <a:spLocks noGrp="1"/>
+          </p:cNvSpPr>
+          <p:nvPr>
+            <p:ph type="title"/>
+          </p:nvPr>
+        </p:nvSpPr>
+        <p:spPr/>
+        <p:txBody>
+          <a:bodyPr/>
+          <a:lstStyle/>
+          <a:p>
+            <a:r>
+              <a:rPr lang="pt-BR" dirty="0" smtClean="0"/>
+              <a:t>Detalhe da Bula</a:t>
+            </a:r>
+            <a:endParaRPr lang="pt-BR" dirty="0"/>
+          </a:p>
+        </p:txBody>
+      </p:sp>
+      <p:pic>
+        <p:nvPicPr>
+          <p:cNvPr id="5" name="Imagem 4"/>
+          <p:cNvPicPr>
+            <a:picLocks noChangeAspect="1"/>
+          </p:cNvPicPr>
+          <p:nvPr/>
+        </p:nvPicPr>
+        <p:blipFill>
+          <a:blip r:embed="rId2"/>
+          <a:stretch>
+            <a:fillRect/>
+          </a:stretch>
+        </p:blipFill>
+        <p:spPr>
+          <a:xfrm>
+            <a:off x="4222145" y="2254593"/>
+            <a:ext cx="3158439" cy="3791980"/>
+          </a:xfrm>
+          <a:prstGeom prst="rect">
+            <a:avLst/>
+          </a:prstGeom>
+        </p:spPr>
+      </p:pic>
+      <p:pic>
+        <p:nvPicPr>
+          <p:cNvPr id="6" name="Imagem 5"/>
+          <p:cNvPicPr>
+            <a:picLocks noChangeAspect="1"/>
+          </p:cNvPicPr>
+          <p:nvPr/>
+        </p:nvPicPr>
+        <p:blipFill>
+          <a:blip r:embed="rId3"/>
+          <a:stretch>
+            <a:fillRect/>
+          </a:stretch>
+        </p:blipFill>
+        <p:spPr>
+          <a:xfrm>
+            <a:off x="7545860" y="2254593"/>
+            <a:ext cx="3212756" cy="3853889"/>
+          </a:xfrm>
+          <a:prstGeom prst="rect">
+            <a:avLst/>
+          </a:prstGeom>
+        </p:spPr>
+      </p:pic>
+      <p:pic>
+        <p:nvPicPr>
+          <p:cNvPr id="8" name="Imagem 7"/>
+          <p:cNvPicPr>
+            <a:picLocks noChangeAspect="1"/>
+          </p:cNvPicPr>
+          <p:nvPr/>
+        </p:nvPicPr>
+        <p:blipFill>
+          <a:blip r:embed="rId4"/>
+          <a:stretch>
+            <a:fillRect/>
+          </a:stretch>
+        </p:blipFill>
+        <p:spPr>
+          <a:xfrm>
+            <a:off x="921479" y="2254593"/>
+            <a:ext cx="3135390" cy="3853889"/>
+          </a:xfrm>
+          <a:prstGeom prst="rect">
+            <a:avLst/>
+          </a:prstGeom>
+        </p:spPr>
+      </p:pic>
+    </p:spTree>
+    <p:extLst>
+      <p:ext uri="{BB962C8B-B14F-4D97-AF65-F5344CB8AC3E}">
+        <p14:creationId xmlns:p14="http://schemas.microsoft.com/office/powerpoint/2010/main" val="3989679965"/>
+      </p:ext>
+    </p:extLst>
+  </p:cSld>
+  <p:clrMapOvr>
+    <a:masterClrMapping/>
+  </p:clrMapOvr>
+  <p:timing>
+    <p:tnLst>
+      <p:par>
+        <p:cTn id="1" dur="indefinite" restart="never" nodeType="tmRoot"/>
+      </p:par>
+    </p:tnLst>
+  </p:timing>
+</p:sld>
+</file>
+
+<file path=ppt/slides/slide28.xml><?xml version="1.0" encoding="utf-8"?>
+<p:sld xmlns:a="http://schemas.openxmlformats.org/drawingml/2006/main" xmlns:r="http://schemas.openxmlformats.org/officeDocument/2006/relationships" xmlns:p="http://schemas.openxmlformats.org/presentationml/2006/main">
+  <p:cSld>
+    <p:spTree>
+      <p:nvGrpSpPr>
+        <p:cNvPr id="1" name=""/>
+        <p:cNvGrpSpPr/>
+        <p:nvPr/>
+      </p:nvGrpSpPr>
+      <p:grpSpPr>
+        <a:xfrm>
+          <a:off x="0" y="0"/>
+          <a:ext cx="0" cy="0"/>
+          <a:chOff x="0" y="0"/>
+          <a:chExt cx="0" cy="0"/>
+        </a:xfrm>
+      </p:grpSpPr>
+      <p:sp>
+        <p:nvSpPr>
+          <p:cNvPr id="2" name="Título 1"/>
+          <p:cNvSpPr>
+            <a:spLocks noGrp="1"/>
+          </p:cNvSpPr>
+          <p:nvPr>
+            <p:ph type="title"/>
+          </p:nvPr>
+        </p:nvSpPr>
+        <p:spPr/>
+        <p:txBody>
+          <a:bodyPr/>
+          <a:lstStyle/>
+          <a:p>
+            <a:r>
+              <a:rPr lang="pt-BR" dirty="0" smtClean="0"/>
+              <a:t>Cadastro do Medicamento</a:t>
+            </a:r>
+            <a:endParaRPr lang="pt-BR" dirty="0"/>
+          </a:p>
+        </p:txBody>
+      </p:sp>
+      <p:pic>
+        <p:nvPicPr>
+          <p:cNvPr id="4" name="Espaço Reservado para Conteúdo 3"/>
+          <p:cNvPicPr>
+            <a:picLocks noGrp="1" noChangeAspect="1"/>
+          </p:cNvPicPr>
+          <p:nvPr>
+            <p:ph idx="1"/>
+          </p:nvPr>
+        </p:nvPicPr>
+        <p:blipFill>
+          <a:blip r:embed="rId2"/>
+          <a:stretch>
+            <a:fillRect/>
+          </a:stretch>
+        </p:blipFill>
+        <p:spPr>
+          <a:xfrm>
+            <a:off x="4338637" y="1901031"/>
+            <a:ext cx="3514725" cy="4200525"/>
+          </a:xfrm>
+          <a:prstGeom prst="rect">
+            <a:avLst/>
+          </a:prstGeom>
+        </p:spPr>
+      </p:pic>
+    </p:spTree>
+    <p:extLst>
+      <p:ext uri="{BB962C8B-B14F-4D97-AF65-F5344CB8AC3E}">
+        <p14:creationId xmlns:p14="http://schemas.microsoft.com/office/powerpoint/2010/main" val="4234868115"/>
+      </p:ext>
+    </p:extLst>
+  </p:cSld>
+  <p:clrMapOvr>
+    <a:masterClrMapping/>
+  </p:clrMapOvr>
+  <p:timing>
+    <p:tnLst>
+      <p:par>
+        <p:cTn id="1" dur="indefinite" restart="never" nodeType="tmRoot"/>
+      </p:par>
+    </p:tnLst>
+  </p:timing>
+</p:sld>
+</file>
+
+<file path=ppt/slides/slide29.xml><?xml version="1.0" encoding="utf-8"?>
+<p:sld xmlns:a="http://schemas.openxmlformats.org/drawingml/2006/main" xmlns:r="http://schemas.openxmlformats.org/officeDocument/2006/relationships" xmlns:p="http://schemas.openxmlformats.org/presentationml/2006/main">
+  <p:cSld>
+    <p:spTree>
+      <p:nvGrpSpPr>
+        <p:cNvPr id="1" name=""/>
+        <p:cNvGrpSpPr/>
+        <p:nvPr/>
+      </p:nvGrpSpPr>
+      <p:grpSpPr>
+        <a:xfrm>
+          <a:off x="0" y="0"/>
+          <a:ext cx="0" cy="0"/>
+          <a:chOff x="0" y="0"/>
+          <a:chExt cx="0" cy="0"/>
+        </a:xfrm>
+      </p:grpSpPr>
+      <p:sp>
+        <p:nvSpPr>
+          <p:cNvPr id="2" name="Título 1"/>
+          <p:cNvSpPr>
+            <a:spLocks noGrp="1"/>
+          </p:cNvSpPr>
+          <p:nvPr>
+            <p:ph type="title"/>
+          </p:nvPr>
+        </p:nvSpPr>
+        <p:spPr/>
+        <p:txBody>
+          <a:bodyPr/>
+          <a:lstStyle/>
+          <a:p>
+            <a:r>
+              <a:rPr lang="pt-BR" dirty="0" smtClean="0"/>
+              <a:t>Paleta de Cores</a:t>
+            </a:r>
+            <a:endParaRPr lang="pt-BR" dirty="0"/>
+          </a:p>
+        </p:txBody>
+      </p:sp>
+      <p:pic>
+        <p:nvPicPr>
+          <p:cNvPr id="4" name="Espaço Reservado para Conteúdo 3"/>
+          <p:cNvPicPr>
+            <a:picLocks noGrp="1" noChangeAspect="1"/>
+          </p:cNvPicPr>
+          <p:nvPr>
+            <p:ph idx="1"/>
+          </p:nvPr>
+        </p:nvPicPr>
+        <p:blipFill>
+          <a:blip r:embed="rId2"/>
+          <a:stretch>
+            <a:fillRect/>
+          </a:stretch>
+        </p:blipFill>
+        <p:spPr>
+          <a:xfrm>
+            <a:off x="5367337" y="3120231"/>
+            <a:ext cx="1457325" cy="1762125"/>
+          </a:xfrm>
+          <a:prstGeom prst="rect">
+            <a:avLst/>
+          </a:prstGeom>
+        </p:spPr>
+      </p:pic>
+    </p:spTree>
+    <p:extLst>
+      <p:ext uri="{BB962C8B-B14F-4D97-AF65-F5344CB8AC3E}">
+        <p14:creationId xmlns:p14="http://schemas.microsoft.com/office/powerpoint/2010/main" val="2633218889"/>
+      </p:ext>
+    </p:extLst>
+  </p:cSld>
+  <p:clrMapOvr>
+    <a:masterClrMapping/>
+  </p:clrMapOvr>
+  <p:timing>
+    <p:tnLst>
+      <p:par>
+        <p:cTn id="1" dur="indefinite" restart="never" nodeType="tmRoot"/>
+      </p:par>
+    </p:tnLst>
+  </p:timing>
+</p:sld>
+</file>
+
+<file path=ppt/slides/slide3.xml><?xml version="1.0" encoding="utf-8"?>
+<p:sld xmlns:a="http://schemas.openxmlformats.org/drawingml/2006/main" xmlns:r="http://schemas.openxmlformats.org/officeDocument/2006/relationships" xmlns:p="http://schemas.openxmlformats.org/presentationml/2006/main">
+  <p:cSld>
+    <p:bg>
+      <p:bgPr>
+        <a:gradFill>
+          <a:gsLst>
+            <a:gs pos="0">
+              <a:schemeClr val="accent1">
+                <a:lumMod val="5000"/>
+                <a:lumOff val="95000"/>
+              </a:schemeClr>
+            </a:gs>
+            <a:gs pos="74000">
+              <a:schemeClr val="accent1">
+                <a:lumMod val="45000"/>
+                <a:lumOff val="55000"/>
+              </a:schemeClr>
+            </a:gs>
+            <a:gs pos="83000">
+              <a:schemeClr val="accent1">
+                <a:lumMod val="45000"/>
+                <a:lumOff val="55000"/>
+              </a:schemeClr>
+            </a:gs>
+            <a:gs pos="100000">
+              <a:schemeClr val="accent1">
+                <a:lumMod val="30000"/>
+                <a:lumOff val="70000"/>
+              </a:schemeClr>
+            </a:gs>
+          </a:gsLst>
+          <a:lin ang="5400000" scaled="1"/>
+        </a:gradFill>
+        <a:effectLst/>
+      </p:bgPr>
+    </p:bg>
+    <p:spTree>
+      <p:nvGrpSpPr>
+        <p:cNvPr id="1" name=""/>
+        <p:cNvGrpSpPr/>
+        <p:nvPr/>
+      </p:nvGrpSpPr>
+      <p:grpSpPr>
+        <a:xfrm>
+          <a:off x="0" y="0"/>
+          <a:ext cx="0" cy="0"/>
+          <a:chOff x="0" y="0"/>
+          <a:chExt cx="0" cy="0"/>
+        </a:xfrm>
+      </p:grpSpPr>
+      <p:sp>
+        <p:nvSpPr>
+          <p:cNvPr id="2" name="Título 1"/>
+          <p:cNvSpPr>
+            <a:spLocks noGrp="1"/>
+          </p:cNvSpPr>
+          <p:nvPr>
+            <p:ph type="title"/>
+          </p:nvPr>
+        </p:nvSpPr>
+        <p:spPr/>
+        <p:txBody>
+          <a:bodyPr/>
+          <a:lstStyle/>
+          <a:p>
+            <a:r>
+              <a:rPr lang="pt-BR" dirty="0" smtClean="0"/>
+              <a:t>Nuvem de Palavras</a:t>
+            </a:r>
+            <a:endParaRPr lang="pt-BR" dirty="0"/>
+          </a:p>
+        </p:txBody>
+      </p:sp>
+      <p:pic>
+        <p:nvPicPr>
+          <p:cNvPr id="4" name="Espaço Reservado para Conteúdo 3"/>
+          <p:cNvPicPr>
+            <a:picLocks noGrp="1" noChangeAspect="1"/>
+          </p:cNvPicPr>
+          <p:nvPr>
+            <p:ph idx="1"/>
+          </p:nvPr>
+        </p:nvPicPr>
+        <p:blipFill>
+          <a:blip r:embed="rId2">
+            <a:extLst>
+              <a:ext uri="{28A0092B-C50C-407E-A947-70E740481C1C}">
+                <a14:useLocalDpi xmlns:a14="http://schemas.microsoft.com/office/drawing/2010/main" val="0"/>
+              </a:ext>
+            </a:extLst>
+          </a:blip>
+          <a:stretch>
+            <a:fillRect/>
+          </a:stretch>
+        </p:blipFill>
+        <p:spPr>
+          <a:xfrm>
+            <a:off x="3838341" y="1825625"/>
+            <a:ext cx="4515318" cy="4351338"/>
+          </a:xfrm>
+        </p:spPr>
+      </p:pic>
+    </p:spTree>
+    <p:extLst>
+      <p:ext uri="{BB962C8B-B14F-4D97-AF65-F5344CB8AC3E}">
+        <p14:creationId xmlns:p14="http://schemas.microsoft.com/office/powerpoint/2010/main" val="995594649"/>
+      </p:ext>
+    </p:extLst>
+  </p:cSld>
+  <p:clrMapOvr>
+    <a:masterClrMapping/>
+  </p:clrMapOvr>
+  <p:timing>
+    <p:tnLst>
+      <p:par>
+        <p:cTn id="1" dur="indefinite" restart="never" nodeType="tmRoot"/>
+      </p:par>
+    </p:tnLst>
+  </p:timing>
+</p:sld>
+</file>
+
+<file path=ppt/slides/slide30.xml><?xml version="1.0" encoding="utf-8"?>
+<p:sld xmlns:a="http://schemas.openxmlformats.org/drawingml/2006/main" xmlns:r="http://schemas.openxmlformats.org/officeDocument/2006/relationships" xmlns:p="http://schemas.openxmlformats.org/presentationml/2006/main">
+  <p:cSld>
+    <p:spTree>
+      <p:nvGrpSpPr>
+        <p:cNvPr id="1" name=""/>
+        <p:cNvGrpSpPr/>
+        <p:nvPr/>
+      </p:nvGrpSpPr>
+      <p:grpSpPr>
+        <a:xfrm>
+          <a:off x="0" y="0"/>
+          <a:ext cx="0" cy="0"/>
+          <a:chOff x="0" y="0"/>
+          <a:chExt cx="0" cy="0"/>
+        </a:xfrm>
+      </p:grpSpPr>
+      <p:sp>
+        <p:nvSpPr>
+          <p:cNvPr id="2" name="Título 1"/>
+          <p:cNvSpPr>
+            <a:spLocks noGrp="1"/>
+          </p:cNvSpPr>
+          <p:nvPr>
+            <p:ph type="title"/>
+          </p:nvPr>
+        </p:nvSpPr>
+        <p:spPr/>
+        <p:txBody>
+          <a:bodyPr/>
+          <a:lstStyle/>
+          <a:p>
+            <a:r>
+              <a:rPr lang="pt-BR" dirty="0" smtClean="0"/>
+              <a:t>Cadastro de Horários</a:t>
+            </a:r>
+            <a:endParaRPr lang="pt-BR" dirty="0"/>
+          </a:p>
+        </p:txBody>
+      </p:sp>
+      <p:pic>
+        <p:nvPicPr>
+          <p:cNvPr id="4" name="Espaço Reservado para Conteúdo 3"/>
+          <p:cNvPicPr>
+            <a:picLocks noGrp="1" noChangeAspect="1"/>
+          </p:cNvPicPr>
+          <p:nvPr>
+            <p:ph idx="1"/>
+          </p:nvPr>
+        </p:nvPicPr>
+        <p:blipFill>
+          <a:blip r:embed="rId2"/>
+          <a:stretch>
+            <a:fillRect/>
+          </a:stretch>
+        </p:blipFill>
+        <p:spPr>
+          <a:xfrm>
+            <a:off x="4548187" y="2829719"/>
+            <a:ext cx="3095625" cy="2343150"/>
+          </a:xfrm>
+          <a:prstGeom prst="rect">
+            <a:avLst/>
+          </a:prstGeom>
+        </p:spPr>
+      </p:pic>
+    </p:spTree>
+    <p:extLst>
+      <p:ext uri="{BB962C8B-B14F-4D97-AF65-F5344CB8AC3E}">
+        <p14:creationId xmlns:p14="http://schemas.microsoft.com/office/powerpoint/2010/main" val="3438804639"/>
+      </p:ext>
+    </p:extLst>
+  </p:cSld>
+  <p:clrMapOvr>
+    <a:masterClrMapping/>
+  </p:clrMapOvr>
+  <p:timing>
+    <p:tnLst>
+      <p:par>
+        <p:cTn id="1" dur="indefinite" restart="never" nodeType="tmRoot"/>
+      </p:par>
+    </p:tnLst>
+  </p:timing>
+</p:sld>
+</file>
+
+<file path=ppt/slides/slide31.xml><?xml version="1.0" encoding="utf-8"?>
+<p:sld xmlns:a="http://schemas.openxmlformats.org/drawingml/2006/main" xmlns:r="http://schemas.openxmlformats.org/officeDocument/2006/relationships" xmlns:p="http://schemas.openxmlformats.org/presentationml/2006/main">
+  <p:cSld>
+    <p:spTree>
+      <p:nvGrpSpPr>
+        <p:cNvPr id="1" name=""/>
+        <p:cNvGrpSpPr/>
+        <p:nvPr/>
+      </p:nvGrpSpPr>
+      <p:grpSpPr>
+        <a:xfrm>
+          <a:off x="0" y="0"/>
+          <a:ext cx="0" cy="0"/>
+          <a:chOff x="0" y="0"/>
+          <a:chExt cx="0" cy="0"/>
+        </a:xfrm>
+      </p:grpSpPr>
+      <p:sp>
+        <p:nvSpPr>
+          <p:cNvPr id="2" name="Título 1"/>
+          <p:cNvSpPr>
+            <a:spLocks noGrp="1"/>
+          </p:cNvSpPr>
+          <p:nvPr>
+            <p:ph type="title"/>
+          </p:nvPr>
+        </p:nvSpPr>
+        <p:spPr/>
+        <p:txBody>
+          <a:bodyPr/>
+          <a:lstStyle/>
+          <a:p>
+            <a:r>
+              <a:rPr lang="pt-BR" dirty="0" smtClean="0"/>
+              <a:t>Cadastro de Estoque</a:t>
+            </a:r>
+            <a:endParaRPr lang="pt-BR" dirty="0"/>
+          </a:p>
+        </p:txBody>
+      </p:sp>
+      <p:pic>
+        <p:nvPicPr>
+          <p:cNvPr id="5" name="Espaço Reservado para Conteúdo 4"/>
+          <p:cNvPicPr>
+            <a:picLocks noGrp="1" noChangeAspect="1"/>
+          </p:cNvPicPr>
+          <p:nvPr>
+            <p:ph idx="1"/>
+          </p:nvPr>
+        </p:nvPicPr>
+        <p:blipFill>
+          <a:blip r:embed="rId2"/>
+          <a:stretch>
+            <a:fillRect/>
+          </a:stretch>
+        </p:blipFill>
+        <p:spPr>
+          <a:xfrm>
+            <a:off x="927658" y="2162197"/>
+            <a:ext cx="2181225" cy="3200400"/>
+          </a:xfrm>
+          <a:prstGeom prst="rect">
+            <a:avLst/>
+          </a:prstGeom>
+        </p:spPr>
+      </p:pic>
+      <p:pic>
+        <p:nvPicPr>
+          <p:cNvPr id="6" name="Imagem 5"/>
+          <p:cNvPicPr>
+            <a:picLocks noChangeAspect="1"/>
+          </p:cNvPicPr>
+          <p:nvPr/>
+        </p:nvPicPr>
+        <p:blipFill>
+          <a:blip r:embed="rId3"/>
+          <a:stretch>
+            <a:fillRect/>
+          </a:stretch>
+        </p:blipFill>
+        <p:spPr>
+          <a:xfrm>
+            <a:off x="3316503" y="2162197"/>
+            <a:ext cx="4438650" cy="1514475"/>
+          </a:xfrm>
+          <a:prstGeom prst="rect">
+            <a:avLst/>
+          </a:prstGeom>
+        </p:spPr>
+      </p:pic>
+    </p:spTree>
+    <p:extLst>
+      <p:ext uri="{BB962C8B-B14F-4D97-AF65-F5344CB8AC3E}">
+        <p14:creationId xmlns:p14="http://schemas.microsoft.com/office/powerpoint/2010/main" val="589542939"/>
+      </p:ext>
+    </p:extLst>
+  </p:cSld>
+  <p:clrMapOvr>
+    <a:masterClrMapping/>
+  </p:clrMapOvr>
+  <p:timing>
+    <p:tnLst>
+      <p:par>
+        <p:cTn id="1" dur="indefinite" restart="never" nodeType="tmRoot"/>
+      </p:par>
+    </p:tnLst>
+  </p:timing>
+</p:sld>
+</file>
+
+<file path=ppt/slides/slide32.xml><?xml version="1.0" encoding="utf-8"?>
+<p:sld xmlns:a="http://schemas.openxmlformats.org/drawingml/2006/main" xmlns:r="http://schemas.openxmlformats.org/officeDocument/2006/relationships" xmlns:p="http://schemas.openxmlformats.org/presentationml/2006/main">
+  <p:cSld>
+    <p:spTree>
+      <p:nvGrpSpPr>
+        <p:cNvPr id="1" name=""/>
+        <p:cNvGrpSpPr/>
+        <p:nvPr/>
+      </p:nvGrpSpPr>
+      <p:grpSpPr>
+        <a:xfrm>
+          <a:off x="0" y="0"/>
+          <a:ext cx="0" cy="0"/>
+          <a:chOff x="0" y="0"/>
+          <a:chExt cx="0" cy="0"/>
+        </a:xfrm>
+      </p:grpSpPr>
+      <p:sp>
+        <p:nvSpPr>
+          <p:cNvPr id="2" name="Título 1"/>
+          <p:cNvSpPr>
+            <a:spLocks noGrp="1"/>
+          </p:cNvSpPr>
+          <p:nvPr>
+            <p:ph type="title"/>
+          </p:nvPr>
+        </p:nvSpPr>
+        <p:spPr/>
+        <p:txBody>
+          <a:bodyPr/>
+          <a:lstStyle/>
+          <a:p>
+            <a:r>
+              <a:rPr lang="pt-BR" dirty="0" smtClean="0"/>
+              <a:t>Cadastro de Utilizações</a:t>
+            </a:r>
+            <a:endParaRPr lang="pt-BR" dirty="0"/>
+          </a:p>
+        </p:txBody>
+      </p:sp>
+      <p:pic>
+        <p:nvPicPr>
+          <p:cNvPr id="4" name="Espaço Reservado para Conteúdo 3"/>
+          <p:cNvPicPr>
+            <a:picLocks noGrp="1" noChangeAspect="1"/>
+          </p:cNvPicPr>
+          <p:nvPr>
+            <p:ph idx="1"/>
+          </p:nvPr>
+        </p:nvPicPr>
+        <p:blipFill>
+          <a:blip r:embed="rId2"/>
+          <a:stretch>
+            <a:fillRect/>
+          </a:stretch>
+        </p:blipFill>
+        <p:spPr>
+          <a:xfrm>
+            <a:off x="4452937" y="3053556"/>
+            <a:ext cx="3286125" cy="1895475"/>
+          </a:xfrm>
+          <a:prstGeom prst="rect">
+            <a:avLst/>
+          </a:prstGeom>
+        </p:spPr>
+      </p:pic>
+    </p:spTree>
+    <p:extLst>
+      <p:ext uri="{BB962C8B-B14F-4D97-AF65-F5344CB8AC3E}">
+        <p14:creationId xmlns:p14="http://schemas.microsoft.com/office/powerpoint/2010/main" val="2817500946"/>
+      </p:ext>
+    </p:extLst>
+  </p:cSld>
+  <p:clrMapOvr>
+    <a:masterClrMapping/>
+  </p:clrMapOvr>
+  <p:timing>
+    <p:tnLst>
+      <p:par>
+        <p:cTn id="1" dur="indefinite" restart="never" nodeType="tmRoot"/>
+      </p:par>
+    </p:tnLst>
+  </p:timing>
+</p:sld>
+</file>
+
+<file path=ppt/slides/slide33.xml><?xml version="1.0" encoding="utf-8"?>
+<p:sld xmlns:a="http://schemas.openxmlformats.org/drawingml/2006/main" xmlns:r="http://schemas.openxmlformats.org/officeDocument/2006/relationships" xmlns:p="http://schemas.openxmlformats.org/presentationml/2006/main">
+  <p:cSld>
+    <p:spTree>
+      <p:nvGrpSpPr>
+        <p:cNvPr id="1" name=""/>
+        <p:cNvGrpSpPr/>
+        <p:nvPr/>
+      </p:nvGrpSpPr>
+      <p:grpSpPr>
+        <a:xfrm>
+          <a:off x="0" y="0"/>
+          <a:ext cx="0" cy="0"/>
+          <a:chOff x="0" y="0"/>
+          <a:chExt cx="0" cy="0"/>
+        </a:xfrm>
+      </p:grpSpPr>
+      <p:sp>
+        <p:nvSpPr>
+          <p:cNvPr id="2" name="Título 1"/>
+          <p:cNvSpPr>
+            <a:spLocks noGrp="1"/>
+          </p:cNvSpPr>
+          <p:nvPr>
+            <p:ph type="title"/>
+          </p:nvPr>
+        </p:nvSpPr>
+        <p:spPr/>
+        <p:txBody>
+          <a:bodyPr/>
+          <a:lstStyle/>
+          <a:p>
+            <a:r>
+              <a:rPr lang="pt-BR" dirty="0" smtClean="0"/>
+              <a:t>Conceitos</a:t>
+            </a:r>
+            <a:endParaRPr lang="pt-BR" dirty="0"/>
+          </a:p>
+        </p:txBody>
+      </p:sp>
+      <p:sp>
+        <p:nvSpPr>
+          <p:cNvPr id="3" name="Espaço Reservado para Conteúdo 2"/>
+          <p:cNvSpPr>
+            <a:spLocks noGrp="1"/>
+          </p:cNvSpPr>
+          <p:nvPr>
+            <p:ph idx="1"/>
+          </p:nvPr>
+        </p:nvSpPr>
+        <p:spPr/>
+        <p:txBody>
+          <a:bodyPr/>
+          <a:lstStyle/>
+          <a:p>
+            <a:r>
+              <a:rPr lang="pt-BR" dirty="0" err="1" smtClean="0"/>
+              <a:t>Theads</a:t>
+            </a:r>
+            <a:endParaRPr lang="pt-BR" dirty="0" smtClean="0"/>
+          </a:p>
+          <a:p>
+            <a:r>
+              <a:rPr lang="pt-BR" dirty="0" err="1" smtClean="0"/>
+              <a:t>Callable</a:t>
+            </a:r>
+            <a:endParaRPr lang="pt-BR" dirty="0" smtClean="0"/>
+          </a:p>
+          <a:p>
+            <a:endParaRPr lang="pt-BR" dirty="0"/>
+          </a:p>
+        </p:txBody>
+      </p:sp>
+    </p:spTree>
+    <p:extLst>
+      <p:ext uri="{BB962C8B-B14F-4D97-AF65-F5344CB8AC3E}">
+        <p14:creationId xmlns:p14="http://schemas.microsoft.com/office/powerpoint/2010/main" val="2190444498"/>
+      </p:ext>
+    </p:extLst>
+  </p:cSld>
+  <p:clrMapOvr>
+    <a:masterClrMapping/>
+  </p:clrMapOvr>
+  <p:timing>
+    <p:tnLst>
+      <p:par>
+        <p:cTn id="1" dur="indefinite" restart="never" nodeType="tmRoot"/>
+      </p:par>
+    </p:tnLst>
+  </p:timing>
+</p:sld>
+</file>
+
+<file path=ppt/slides/slide34.xml><?xml version="1.0" encoding="utf-8"?>
+<p:sld xmlns:a="http://schemas.openxmlformats.org/drawingml/2006/main" xmlns:r="http://schemas.openxmlformats.org/officeDocument/2006/relationships" xmlns:p="http://schemas.openxmlformats.org/presentationml/2006/main">
+  <p:cSld>
+    <p:spTree>
+      <p:nvGrpSpPr>
+        <p:cNvPr id="1" name=""/>
+        <p:cNvGrpSpPr/>
+        <p:nvPr/>
+      </p:nvGrpSpPr>
+      <p:grpSpPr>
+        <a:xfrm>
+          <a:off x="0" y="0"/>
+          <a:ext cx="0" cy="0"/>
+          <a:chOff x="0" y="0"/>
+          <a:chExt cx="0" cy="0"/>
+        </a:xfrm>
+      </p:grpSpPr>
+      <p:sp>
+        <p:nvSpPr>
+          <p:cNvPr id="2" name="Título 1"/>
+          <p:cNvSpPr>
+            <a:spLocks noGrp="1"/>
+          </p:cNvSpPr>
+          <p:nvPr>
+            <p:ph type="title"/>
+          </p:nvPr>
+        </p:nvSpPr>
+        <p:spPr/>
+        <p:txBody>
+          <a:bodyPr/>
+          <a:lstStyle/>
+          <a:p>
+            <a:r>
+              <a:rPr lang="pt-BR" dirty="0" err="1" smtClean="0"/>
+              <a:t>Thead</a:t>
+            </a:r>
+            <a:endParaRPr lang="pt-BR" dirty="0"/>
+          </a:p>
+        </p:txBody>
+      </p:sp>
+      <p:sp>
+        <p:nvSpPr>
+          <p:cNvPr id="3" name="Espaço Reservado para Conteúdo 2"/>
+          <p:cNvSpPr>
+            <a:spLocks noGrp="1"/>
+          </p:cNvSpPr>
+          <p:nvPr>
+            <p:ph idx="1"/>
+          </p:nvPr>
+        </p:nvSpPr>
+        <p:spPr/>
+        <p:txBody>
+          <a:bodyPr/>
+          <a:lstStyle/>
+          <a:p>
+            <a:r>
+              <a:rPr lang="pt-BR" b="1" dirty="0"/>
+              <a:t>Threads</a:t>
+            </a:r>
+            <a:r>
+              <a:rPr lang="pt-BR" dirty="0"/>
+              <a:t> são, portanto, entidades escalonadas para executarem na CPU, por isso a noção de paralelismo, pois as </a:t>
+            </a:r>
+            <a:r>
+              <a:rPr lang="pt-BR" b="1" dirty="0"/>
+              <a:t>threads</a:t>
+            </a:r>
+            <a:r>
+              <a:rPr lang="pt-BR" dirty="0"/>
+              <a:t> concorrerão pelo processador juntamente com mais </a:t>
+            </a:r>
+            <a:r>
+              <a:rPr lang="pt-BR" b="1" dirty="0"/>
+              <a:t>threads</a:t>
+            </a:r>
+            <a:r>
+              <a:rPr lang="pt-BR" dirty="0"/>
+              <a:t> que tiverem no programa, ou concorrerá apenas com o fluxo do programa.</a:t>
+            </a:r>
+            <a:endParaRPr lang="pt-BR" dirty="0"/>
+          </a:p>
+        </p:txBody>
+      </p:sp>
+      <p:pic>
+        <p:nvPicPr>
+          <p:cNvPr id="4" name="Imagem 3"/>
+          <p:cNvPicPr>
+            <a:picLocks noChangeAspect="1"/>
+          </p:cNvPicPr>
+          <p:nvPr/>
+        </p:nvPicPr>
+        <p:blipFill>
+          <a:blip r:embed="rId2"/>
+          <a:stretch>
+            <a:fillRect/>
+          </a:stretch>
+        </p:blipFill>
+        <p:spPr>
+          <a:xfrm>
+            <a:off x="996778" y="3764691"/>
+            <a:ext cx="2021874" cy="1800225"/>
+          </a:xfrm>
+          <a:prstGeom prst="rect">
+            <a:avLst/>
+          </a:prstGeom>
+        </p:spPr>
+      </p:pic>
+    </p:spTree>
+    <p:extLst>
+      <p:ext uri="{BB962C8B-B14F-4D97-AF65-F5344CB8AC3E}">
+        <p14:creationId xmlns:p14="http://schemas.microsoft.com/office/powerpoint/2010/main" val="3135198520"/>
+      </p:ext>
+    </p:extLst>
+  </p:cSld>
+  <p:clrMapOvr>
+    <a:masterClrMapping/>
+  </p:clrMapOvr>
+  <p:timing>
+    <p:tnLst>
+      <p:par>
+        <p:cTn id="1" dur="indefinite" restart="never" nodeType="tmRoot"/>
+      </p:par>
+    </p:tnLst>
+  </p:timing>
+</p:sld>
+</file>
+
+<file path=ppt/slides/slide35.xml><?xml version="1.0" encoding="utf-8"?>
+<p:sld xmlns:a="http://schemas.openxmlformats.org/drawingml/2006/main" xmlns:r="http://schemas.openxmlformats.org/officeDocument/2006/relationships" xmlns:p="http://schemas.openxmlformats.org/presentationml/2006/main">
+  <p:cSld>
+    <p:spTree>
+      <p:nvGrpSpPr>
+        <p:cNvPr id="1" name=""/>
+        <p:cNvGrpSpPr/>
+        <p:nvPr/>
+      </p:nvGrpSpPr>
+      <p:grpSpPr>
+        <a:xfrm>
+          <a:off x="0" y="0"/>
+          <a:ext cx="0" cy="0"/>
+          <a:chOff x="0" y="0"/>
+          <a:chExt cx="0" cy="0"/>
+        </a:xfrm>
+      </p:grpSpPr>
+      <p:sp>
+        <p:nvSpPr>
+          <p:cNvPr id="2" name="Título 1"/>
+          <p:cNvSpPr>
+            <a:spLocks noGrp="1"/>
+          </p:cNvSpPr>
+          <p:nvPr>
+            <p:ph type="title"/>
+          </p:nvPr>
+        </p:nvSpPr>
+        <p:spPr/>
+        <p:txBody>
+          <a:bodyPr/>
+          <a:lstStyle/>
+          <a:p>
+            <a:r>
+              <a:rPr lang="pt-BR" dirty="0" err="1" smtClean="0"/>
+              <a:t>Callable</a:t>
+            </a:r>
+            <a:endParaRPr lang="pt-BR" dirty="0"/>
+          </a:p>
+        </p:txBody>
+      </p:sp>
+      <p:sp>
+        <p:nvSpPr>
+          <p:cNvPr id="3" name="Espaço Reservado para Conteúdo 2"/>
+          <p:cNvSpPr>
+            <a:spLocks noGrp="1"/>
+          </p:cNvSpPr>
+          <p:nvPr>
+            <p:ph idx="1"/>
+          </p:nvPr>
+        </p:nvSpPr>
+        <p:spPr/>
+        <p:txBody>
+          <a:bodyPr/>
+          <a:lstStyle/>
+          <a:p>
+            <a:r>
+              <a:rPr lang="pt-BR" dirty="0" err="1" smtClean="0"/>
+              <a:t>Callable</a:t>
+            </a:r>
+            <a:r>
+              <a:rPr lang="pt-BR" dirty="0" smtClean="0"/>
+              <a:t> </a:t>
+            </a:r>
+            <a:r>
+              <a:rPr lang="pt-BR" dirty="0"/>
+              <a:t>, </a:t>
+            </a:r>
+            <a:r>
+              <a:rPr lang="pt-BR" b="1" dirty="0"/>
+              <a:t>representa uma tarefa assíncrona</a:t>
+            </a:r>
+            <a:r>
+              <a:rPr lang="pt-BR" dirty="0"/>
+              <a:t> que pode ser executada por um thread separado. Por exemplo, é possível enviar um objeto </a:t>
+            </a:r>
+            <a:r>
+              <a:rPr lang="pt-BR" dirty="0" err="1"/>
+              <a:t>Callable</a:t>
+            </a:r>
+            <a:r>
+              <a:rPr lang="pt-BR" dirty="0"/>
+              <a:t> para um Java </a:t>
+            </a:r>
+            <a:r>
+              <a:rPr lang="pt-BR" dirty="0" err="1"/>
+              <a:t>ExecutorService</a:t>
+            </a:r>
+            <a:r>
+              <a:rPr lang="pt-BR" dirty="0"/>
+              <a:t> que o executará de forma assíncrona.</a:t>
+            </a:r>
+            <a:endParaRPr lang="pt-BR" dirty="0"/>
+          </a:p>
+        </p:txBody>
+      </p:sp>
+      <p:pic>
+        <p:nvPicPr>
+          <p:cNvPr id="2050" name="Picture 2" descr="Callable and Future in java and callable interface - JavaGoal"/>
+          <p:cNvPicPr>
+            <a:picLocks noChangeAspect="1" noChangeArrowheads="1"/>
+          </p:cNvPicPr>
+          <p:nvPr/>
+        </p:nvPicPr>
+        <p:blipFill>
+          <a:blip r:embed="rId2">
+            <a:extLst>
+              <a:ext uri="{28A0092B-C50C-407E-A947-70E740481C1C}">
+                <a14:useLocalDpi xmlns:a14="http://schemas.microsoft.com/office/drawing/2010/main" val="0"/>
+              </a:ext>
+            </a:extLst>
+          </a:blip>
+          <a:srcRect/>
+          <a:stretch>
+            <a:fillRect/>
+          </a:stretch>
+        </p:blipFill>
+        <p:spPr bwMode="auto">
+          <a:xfrm>
+            <a:off x="3303715" y="2954939"/>
+            <a:ext cx="4637559" cy="3222024"/>
+          </a:xfrm>
+          <a:prstGeom prst="rect">
+            <a:avLst/>
+          </a:prstGeom>
+          <a:noFill/>
+          <a:extLst>
+            <a:ext uri="{909E8E84-426E-40DD-AFC4-6F175D3DCCD1}">
+              <a14:hiddenFill xmlns:a14="http://schemas.microsoft.com/office/drawing/2010/main">
+                <a:solidFill>
+                  <a:srgbClr val="FFFFFF"/>
+                </a:solidFill>
+              </a14:hiddenFill>
+            </a:ext>
+          </a:extLst>
+        </p:spPr>
+      </p:pic>
+    </p:spTree>
+    <p:extLst>
+      <p:ext uri="{BB962C8B-B14F-4D97-AF65-F5344CB8AC3E}">
+        <p14:creationId xmlns:p14="http://schemas.microsoft.com/office/powerpoint/2010/main" val="3033078776"/>
+      </p:ext>
+    </p:extLst>
+  </p:cSld>
+  <p:clrMapOvr>
+    <a:masterClrMapping/>
+  </p:clrMapOvr>
+  <p:timing>
+    <p:tnLst>
+      <p:par>
+        <p:cTn id="1" dur="indefinite" restart="never" nodeType="tmRoot"/>
+      </p:par>
+    </p:tnLst>
+  </p:timing>
+</p:sld>
+</file>
+
+<file path=ppt/slides/slide4.xml><?xml version="1.0" encoding="utf-8"?>
+<p:sld xmlns:a="http://schemas.openxmlformats.org/drawingml/2006/main" xmlns:r="http://schemas.openxmlformats.org/officeDocument/2006/relationships" xmlns:p="http://schemas.openxmlformats.org/presentationml/2006/main">
+  <p:cSld>
+    <p:bg>
+      <p:bgPr>
+        <a:gradFill>
+          <a:gsLst>
+            <a:gs pos="0">
+              <a:schemeClr val="accent1">
+                <a:lumMod val="5000"/>
+                <a:lumOff val="95000"/>
+              </a:schemeClr>
+            </a:gs>
+            <a:gs pos="74000">
+              <a:schemeClr val="accent1">
+                <a:lumMod val="45000"/>
+                <a:lumOff val="55000"/>
+              </a:schemeClr>
+            </a:gs>
+            <a:gs pos="83000">
+              <a:schemeClr val="accent1">
+                <a:lumMod val="45000"/>
+                <a:lumOff val="55000"/>
+              </a:schemeClr>
+            </a:gs>
+            <a:gs pos="100000">
+              <a:schemeClr val="accent1">
+                <a:lumMod val="30000"/>
+                <a:lumOff val="70000"/>
+              </a:schemeClr>
+            </a:gs>
+          </a:gsLst>
+          <a:lin ang="5400000" scaled="1"/>
+        </a:gradFill>
+        <a:effectLst/>
+      </p:bgPr>
+    </p:bg>
+    <p:spTree>
+      <p:nvGrpSpPr>
+        <p:cNvPr id="1" name=""/>
+        <p:cNvGrpSpPr/>
+        <p:nvPr/>
+      </p:nvGrpSpPr>
+      <p:grpSpPr>
+        <a:xfrm>
+          <a:off x="0" y="0"/>
+          <a:ext cx="0" cy="0"/>
+          <a:chOff x="0" y="0"/>
+          <a:chExt cx="0" cy="0"/>
+        </a:xfrm>
+      </p:grpSpPr>
+      <p:sp>
+        <p:nvSpPr>
+          <p:cNvPr id="2" name="Título 1"/>
+          <p:cNvSpPr>
+            <a:spLocks noGrp="1"/>
+          </p:cNvSpPr>
+          <p:nvPr>
+            <p:ph type="title"/>
+          </p:nvPr>
+        </p:nvSpPr>
+        <p:spPr/>
+        <p:txBody>
+          <a:bodyPr/>
+          <a:lstStyle/>
+          <a:p>
+            <a:r>
+              <a:rPr lang="pt-BR" dirty="0" smtClean="0"/>
+              <a:t>Introdução</a:t>
+            </a:r>
+            <a:endParaRPr lang="pt-BR" dirty="0"/>
+          </a:p>
+        </p:txBody>
+      </p:sp>
+      <p:sp>
+        <p:nvSpPr>
+          <p:cNvPr id="3" name="Espaço Reservado para Conteúdo 2"/>
+          <p:cNvSpPr>
+            <a:spLocks noGrp="1"/>
+          </p:cNvSpPr>
+          <p:nvPr>
+            <p:ph idx="1"/>
+          </p:nvPr>
+        </p:nvSpPr>
+        <p:spPr/>
+        <p:txBody>
+          <a:bodyPr/>
+          <a:lstStyle/>
+          <a:p>
+            <a:r>
+              <a:rPr lang="pt-BR" dirty="0" smtClean="0"/>
+              <a:t>Motivação</a:t>
+            </a:r>
+          </a:p>
+          <a:p>
+            <a:endParaRPr lang="pt-BR" dirty="0"/>
+          </a:p>
+        </p:txBody>
+      </p:sp>
+      <p:pic>
+        <p:nvPicPr>
+          <p:cNvPr id="4" name="Imagem 3"/>
+          <p:cNvPicPr>
+            <a:picLocks noChangeAspect="1"/>
+          </p:cNvPicPr>
+          <p:nvPr/>
+        </p:nvPicPr>
+        <p:blipFill>
+          <a:blip r:embed="rId2"/>
+          <a:stretch>
+            <a:fillRect/>
+          </a:stretch>
+        </p:blipFill>
+        <p:spPr>
+          <a:xfrm>
+            <a:off x="3250857" y="2467769"/>
+            <a:ext cx="4800600" cy="3067050"/>
+          </a:xfrm>
+          <a:prstGeom prst="rect">
+            <a:avLst/>
+          </a:prstGeom>
+        </p:spPr>
+      </p:pic>
+    </p:spTree>
+    <p:extLst>
+      <p:ext uri="{BB962C8B-B14F-4D97-AF65-F5344CB8AC3E}">
+        <p14:creationId xmlns:p14="http://schemas.microsoft.com/office/powerpoint/2010/main" val="2581717893"/>
+      </p:ext>
+    </p:extLst>
+  </p:cSld>
+  <p:clrMapOvr>
+    <a:masterClrMapping/>
+  </p:clrMapOvr>
+  <p:timing>
+    <p:tnLst>
+      <p:par>
+        <p:cTn id="1" dur="indefinite" restart="never" nodeType="tmRoot"/>
+      </p:par>
+    </p:tnLst>
+  </p:timing>
+</p:sld>
+</file>
+
+<file path=ppt/slides/slide5.xml><?xml version="1.0" encoding="utf-8"?>
+<p:sld xmlns:a="http://schemas.openxmlformats.org/drawingml/2006/main" xmlns:r="http://schemas.openxmlformats.org/officeDocument/2006/relationships" xmlns:p="http://schemas.openxmlformats.org/presentationml/2006/main">
+  <p:cSld>
+    <p:bg>
+      <p:bgPr>
+        <a:gradFill>
+          <a:gsLst>
+            <a:gs pos="0">
+              <a:schemeClr val="accent1">
+                <a:lumMod val="5000"/>
+                <a:lumOff val="95000"/>
+              </a:schemeClr>
+            </a:gs>
+            <a:gs pos="74000">
+              <a:schemeClr val="accent1">
+                <a:lumMod val="45000"/>
+                <a:lumOff val="55000"/>
+              </a:schemeClr>
+            </a:gs>
+            <a:gs pos="83000">
+              <a:schemeClr val="accent1">
+                <a:lumMod val="45000"/>
+                <a:lumOff val="55000"/>
+              </a:schemeClr>
+            </a:gs>
+            <a:gs pos="100000">
+              <a:schemeClr val="accent1">
+                <a:lumMod val="30000"/>
+                <a:lumOff val="70000"/>
+              </a:schemeClr>
+            </a:gs>
+          </a:gsLst>
+          <a:lin ang="5400000" scaled="1"/>
+        </a:gradFill>
+        <a:effectLst/>
+      </p:bgPr>
+    </p:bg>
+    <p:spTree>
+      <p:nvGrpSpPr>
+        <p:cNvPr id="1" name=""/>
+        <p:cNvGrpSpPr/>
+        <p:nvPr/>
+      </p:nvGrpSpPr>
+      <p:grpSpPr>
+        <a:xfrm>
+          <a:off x="0" y="0"/>
+          <a:ext cx="0" cy="0"/>
+          <a:chOff x="0" y="0"/>
+          <a:chExt cx="0" cy="0"/>
+        </a:xfrm>
+      </p:grpSpPr>
+      <p:sp>
+        <p:nvSpPr>
+          <p:cNvPr id="2" name="Título 1"/>
+          <p:cNvSpPr>
+            <a:spLocks noGrp="1"/>
+          </p:cNvSpPr>
+          <p:nvPr>
+            <p:ph type="title"/>
+          </p:nvPr>
+        </p:nvSpPr>
+        <p:spPr/>
+        <p:txBody>
+          <a:bodyPr/>
+          <a:lstStyle/>
+          <a:p>
+            <a:r>
+              <a:rPr lang="pt-BR" dirty="0" smtClean="0"/>
+              <a:t>Introdução</a:t>
+            </a:r>
+            <a:endParaRPr lang="pt-BR" dirty="0"/>
+          </a:p>
+        </p:txBody>
+      </p:sp>
+      <p:sp>
+        <p:nvSpPr>
+          <p:cNvPr id="3" name="Espaço Reservado para Conteúdo 2"/>
+          <p:cNvSpPr>
+            <a:spLocks noGrp="1"/>
+          </p:cNvSpPr>
+          <p:nvPr>
+            <p:ph idx="1"/>
+          </p:nvPr>
+        </p:nvSpPr>
+        <p:spPr/>
+        <p:txBody>
+          <a:bodyPr>
+            <a:normAutofit lnSpcReduction="10000"/>
+          </a:bodyPr>
+          <a:lstStyle/>
+          <a:p>
+            <a:r>
+              <a:rPr lang="pt-BR" dirty="0" smtClean="0"/>
+              <a:t>Comorbidades</a:t>
+            </a:r>
+          </a:p>
+          <a:p>
+            <a:r>
+              <a:rPr lang="pt-BR" dirty="0" smtClean="0"/>
+              <a:t>Doenças Crônicas</a:t>
+            </a:r>
+          </a:p>
+          <a:p>
+            <a:r>
+              <a:rPr lang="pt-BR" dirty="0" smtClean="0"/>
+              <a:t>Medicamento tem papel importante</a:t>
+            </a:r>
+          </a:p>
+          <a:p>
+            <a:r>
+              <a:rPr lang="pt-BR" dirty="0" smtClean="0"/>
+              <a:t>Tecnologias facilitadoras</a:t>
+            </a:r>
+          </a:p>
+          <a:p>
+            <a:r>
+              <a:rPr lang="pt-BR" dirty="0" smtClean="0"/>
+              <a:t>Estudos apontam problemas</a:t>
+            </a:r>
+          </a:p>
+          <a:p>
+            <a:r>
+              <a:rPr lang="pt-BR" dirty="0"/>
+              <a:t>Baixa Adesão a Rotina </a:t>
+            </a:r>
+            <a:r>
+              <a:rPr lang="pt-BR" dirty="0" smtClean="0"/>
+              <a:t>Medicamento</a:t>
+            </a:r>
+          </a:p>
+          <a:p>
+            <a:r>
+              <a:rPr lang="pt-BR" dirty="0"/>
+              <a:t>Importância do tratamento para </a:t>
+            </a:r>
+            <a:r>
+              <a:rPr lang="pt-BR" dirty="0" err="1"/>
+              <a:t>PCDs</a:t>
+            </a:r>
+            <a:r>
+              <a:rPr lang="pt-BR" dirty="0"/>
+              <a:t> e </a:t>
+            </a:r>
+            <a:r>
+              <a:rPr lang="pt-BR" dirty="0" smtClean="0"/>
+              <a:t>idosos</a:t>
+            </a:r>
+          </a:p>
+          <a:p>
+            <a:r>
+              <a:rPr lang="pt-BR" dirty="0"/>
+              <a:t>Barreiras no uso da </a:t>
+            </a:r>
+            <a:r>
+              <a:rPr lang="pt-BR" dirty="0" smtClean="0"/>
+              <a:t>Tecnologia</a:t>
+            </a:r>
+          </a:p>
+          <a:p>
+            <a:r>
+              <a:rPr lang="pt-BR" dirty="0"/>
+              <a:t>Alternativas tecnológicas voltadas para inclusão</a:t>
+            </a:r>
+          </a:p>
+          <a:p>
+            <a:endParaRPr lang="pt-BR" dirty="0"/>
+          </a:p>
+          <a:p>
+            <a:endParaRPr lang="pt-BR" dirty="0"/>
+          </a:p>
+          <a:p>
+            <a:endParaRPr lang="pt-BR" dirty="0"/>
+          </a:p>
+          <a:p>
+            <a:endParaRPr lang="pt-BR" dirty="0" smtClean="0"/>
+          </a:p>
+          <a:p>
+            <a:endParaRPr lang="pt-BR" dirty="0" smtClean="0"/>
+          </a:p>
+          <a:p>
+            <a:endParaRPr lang="pt-BR" dirty="0" smtClean="0"/>
+          </a:p>
+          <a:p>
+            <a:endParaRPr lang="pt-BR" dirty="0"/>
+          </a:p>
+        </p:txBody>
+      </p:sp>
+    </p:spTree>
+    <p:extLst>
+      <p:ext uri="{BB962C8B-B14F-4D97-AF65-F5344CB8AC3E}">
+        <p14:creationId xmlns:p14="http://schemas.microsoft.com/office/powerpoint/2010/main" val="575832953"/>
+      </p:ext>
+    </p:extLst>
+  </p:cSld>
+  <p:clrMapOvr>
+    <a:masterClrMapping/>
+  </p:clrMapOvr>
+  <p:timing>
+    <p:tnLst>
+      <p:par>
+        <p:cTn id="1" dur="indefinite" restart="never" nodeType="tmRoot"/>
+      </p:par>
+    </p:tnLst>
+  </p:timing>
+</p:sld>
+</file>
+
+<file path=ppt/slides/slide6.xml><?xml version="1.0" encoding="utf-8"?>
+<p:sld xmlns:a="http://schemas.openxmlformats.org/drawingml/2006/main" xmlns:r="http://schemas.openxmlformats.org/officeDocument/2006/relationships" xmlns:p="http://schemas.openxmlformats.org/presentationml/2006/main">
+  <p:cSld>
+    <p:bg>
+      <p:bgPr>
+        <a:gradFill>
+          <a:gsLst>
+            <a:gs pos="0">
+              <a:schemeClr val="accent1">
+                <a:lumMod val="5000"/>
+                <a:lumOff val="95000"/>
+              </a:schemeClr>
+            </a:gs>
+            <a:gs pos="74000">
+              <a:schemeClr val="accent1">
+                <a:lumMod val="45000"/>
+                <a:lumOff val="55000"/>
+              </a:schemeClr>
+            </a:gs>
+            <a:gs pos="83000">
+              <a:schemeClr val="accent1">
+                <a:lumMod val="45000"/>
+                <a:lumOff val="55000"/>
+              </a:schemeClr>
+            </a:gs>
+            <a:gs pos="100000">
+              <a:schemeClr val="accent1">
+                <a:lumMod val="30000"/>
+                <a:lumOff val="70000"/>
+              </a:schemeClr>
+            </a:gs>
+          </a:gsLst>
+          <a:lin ang="5400000" scaled="1"/>
+        </a:gradFill>
+        <a:effectLst/>
+      </p:bgPr>
+    </p:bg>
+    <p:spTree>
+      <p:nvGrpSpPr>
+        <p:cNvPr id="1" name=""/>
+        <p:cNvGrpSpPr/>
+        <p:nvPr/>
+      </p:nvGrpSpPr>
+      <p:grpSpPr>
+        <a:xfrm>
+          <a:off x="0" y="0"/>
+          <a:ext cx="0" cy="0"/>
+          <a:chOff x="0" y="0"/>
+          <a:chExt cx="0" cy="0"/>
+        </a:xfrm>
+      </p:grpSpPr>
+      <p:sp>
+        <p:nvSpPr>
+          <p:cNvPr id="2" name="Título 1"/>
+          <p:cNvSpPr>
+            <a:spLocks noGrp="1"/>
+          </p:cNvSpPr>
+          <p:nvPr>
+            <p:ph type="title"/>
+          </p:nvPr>
+        </p:nvSpPr>
+        <p:spPr/>
+        <p:txBody>
+          <a:bodyPr/>
+          <a:lstStyle/>
+          <a:p>
+            <a:r>
+              <a:rPr lang="pt-BR" dirty="0" smtClean="0"/>
+              <a:t>Objetivos</a:t>
+            </a:r>
+            <a:endParaRPr lang="pt-BR" dirty="0"/>
+          </a:p>
+        </p:txBody>
+      </p:sp>
+      <p:sp>
+        <p:nvSpPr>
+          <p:cNvPr id="3" name="Espaço Reservado para Conteúdo 2"/>
+          <p:cNvSpPr>
+            <a:spLocks noGrp="1"/>
+          </p:cNvSpPr>
+          <p:nvPr>
+            <p:ph idx="1"/>
+          </p:nvPr>
+        </p:nvSpPr>
+        <p:spPr/>
+        <p:txBody>
+          <a:bodyPr/>
+          <a:lstStyle/>
+          <a:p>
+            <a:r>
+              <a:rPr lang="pt-BR" dirty="0" smtClean="0"/>
+              <a:t>Desenvolvimento de Aplicativo Mobile</a:t>
+            </a:r>
+          </a:p>
+          <a:p>
+            <a:r>
+              <a:rPr lang="pt-BR" dirty="0" smtClean="0"/>
+              <a:t>Auxiliar Adesão Medicamentos</a:t>
+            </a:r>
+          </a:p>
+          <a:p>
+            <a:r>
+              <a:rPr lang="pt-BR" dirty="0" smtClean="0"/>
+              <a:t>Auxiliar Cuidadores de </a:t>
+            </a:r>
+            <a:r>
+              <a:rPr lang="pt-BR" dirty="0" err="1" smtClean="0"/>
+              <a:t>PCDs</a:t>
+            </a:r>
+            <a:r>
+              <a:rPr lang="pt-BR" dirty="0" smtClean="0"/>
+              <a:t> e Idosos</a:t>
+            </a:r>
+          </a:p>
+          <a:p>
+            <a:r>
+              <a:rPr lang="pt-BR" dirty="0" smtClean="0"/>
+              <a:t>Promover Autonomia de </a:t>
+            </a:r>
+            <a:r>
+              <a:rPr lang="pt-BR" dirty="0" err="1" smtClean="0"/>
+              <a:t>PCDs</a:t>
+            </a:r>
+            <a:r>
+              <a:rPr lang="pt-BR" dirty="0" smtClean="0"/>
+              <a:t> e Idosos</a:t>
+            </a:r>
+          </a:p>
+          <a:p>
+            <a:endParaRPr lang="pt-BR" dirty="0"/>
+          </a:p>
+        </p:txBody>
+      </p:sp>
+    </p:spTree>
+    <p:extLst>
+      <p:ext uri="{BB962C8B-B14F-4D97-AF65-F5344CB8AC3E}">
+        <p14:creationId xmlns:p14="http://schemas.microsoft.com/office/powerpoint/2010/main" val="3366930557"/>
+      </p:ext>
+    </p:extLst>
+  </p:cSld>
+  <p:clrMapOvr>
+    <a:masterClrMapping/>
+  </p:clrMapOvr>
+  <p:timing>
+    <p:tnLst>
+      <p:par>
+        <p:cTn id="1" dur="indefinite" restart="never" nodeType="tmRoot"/>
+      </p:par>
+    </p:tnLst>
+  </p:timing>
+</p:sld>
+</file>
+
+<file path=ppt/slides/slide7.xml><?xml version="1.0" encoding="utf-8"?>
+<p:sld xmlns:a="http://schemas.openxmlformats.org/drawingml/2006/main" xmlns:r="http://schemas.openxmlformats.org/officeDocument/2006/relationships" xmlns:p="http://schemas.openxmlformats.org/presentationml/2006/main">
+  <p:cSld>
+    <p:bg>
+      <p:bgPr>
+        <a:gradFill>
+          <a:gsLst>
+            <a:gs pos="0">
+              <a:schemeClr val="accent1">
+                <a:lumMod val="5000"/>
+                <a:lumOff val="95000"/>
+              </a:schemeClr>
+            </a:gs>
+            <a:gs pos="74000">
+              <a:schemeClr val="accent1">
+                <a:lumMod val="45000"/>
+                <a:lumOff val="55000"/>
+              </a:schemeClr>
+            </a:gs>
+            <a:gs pos="83000">
+              <a:schemeClr val="accent1">
+                <a:lumMod val="45000"/>
+                <a:lumOff val="55000"/>
+              </a:schemeClr>
+            </a:gs>
+            <a:gs pos="100000">
+              <a:schemeClr val="accent1">
+                <a:lumMod val="30000"/>
+                <a:lumOff val="70000"/>
+              </a:schemeClr>
+            </a:gs>
+          </a:gsLst>
+          <a:lin ang="5400000" scaled="1"/>
+        </a:gradFill>
+        <a:effectLst/>
+      </p:bgPr>
+    </p:bg>
+    <p:spTree>
+      <p:nvGrpSpPr>
+        <p:cNvPr id="1" name=""/>
+        <p:cNvGrpSpPr/>
+        <p:nvPr/>
+      </p:nvGrpSpPr>
+      <p:grpSpPr>
+        <a:xfrm>
+          <a:off x="0" y="0"/>
+          <a:ext cx="0" cy="0"/>
+          <a:chOff x="0" y="0"/>
+          <a:chExt cx="0" cy="0"/>
+        </a:xfrm>
+      </p:grpSpPr>
+      <p:sp>
+        <p:nvSpPr>
+          <p:cNvPr id="2" name="Título 1"/>
+          <p:cNvSpPr>
+            <a:spLocks noGrp="1"/>
+          </p:cNvSpPr>
+          <p:nvPr>
+            <p:ph type="title"/>
+          </p:nvPr>
+        </p:nvSpPr>
+        <p:spPr/>
+        <p:txBody>
+          <a:bodyPr/>
+          <a:lstStyle/>
+          <a:p>
+            <a:r>
+              <a:rPr lang="pt-BR" dirty="0" smtClean="0"/>
+              <a:t>Arquitetura Utilizada</a:t>
+            </a:r>
+            <a:endParaRPr lang="pt-BR" dirty="0"/>
+          </a:p>
+        </p:txBody>
+      </p:sp>
+      <p:sp>
+        <p:nvSpPr>
+          <p:cNvPr id="3" name="Espaço Reservado para Conteúdo 2"/>
+          <p:cNvSpPr>
+            <a:spLocks noGrp="1"/>
+          </p:cNvSpPr>
+          <p:nvPr>
+            <p:ph idx="1"/>
+          </p:nvPr>
+        </p:nvSpPr>
+        <p:spPr/>
+        <p:txBody>
+          <a:bodyPr/>
+          <a:lstStyle/>
+          <a:p>
+            <a:r>
+              <a:rPr lang="pt-BR" dirty="0" smtClean="0"/>
+              <a:t>Interface</a:t>
+            </a:r>
+            <a:endParaRPr lang="pt-BR" dirty="0" smtClean="0"/>
+          </a:p>
+          <a:p>
+            <a:pPr lvl="1"/>
+            <a:r>
+              <a:rPr lang="pt-BR" dirty="0" smtClean="0"/>
+              <a:t>Cliente</a:t>
+            </a:r>
+          </a:p>
+          <a:p>
+            <a:r>
+              <a:rPr lang="pt-BR" dirty="0" smtClean="0"/>
+              <a:t>Processos Autônomos</a:t>
+            </a:r>
+            <a:endParaRPr lang="pt-BR" dirty="0" smtClean="0"/>
+          </a:p>
+          <a:p>
+            <a:r>
+              <a:rPr lang="pt-BR" dirty="0" smtClean="0"/>
+              <a:t>Camadas (Integração)</a:t>
+            </a:r>
+            <a:endParaRPr lang="pt-BR" dirty="0" smtClean="0"/>
+          </a:p>
+          <a:p>
+            <a:pPr lvl="1"/>
+            <a:r>
+              <a:rPr lang="pt-BR" dirty="0" smtClean="0"/>
+              <a:t>Barramento</a:t>
+            </a:r>
+          </a:p>
+          <a:p>
+            <a:pPr lvl="1"/>
+            <a:r>
+              <a:rPr lang="pt-BR" dirty="0" smtClean="0"/>
+              <a:t>Integração Bulário</a:t>
+            </a:r>
+          </a:p>
+          <a:p>
+            <a:pPr lvl="1"/>
+            <a:r>
+              <a:rPr lang="pt-BR" dirty="0" smtClean="0"/>
+              <a:t>Integração Usuário</a:t>
+            </a:r>
+          </a:p>
+          <a:p>
+            <a:pPr lvl="1"/>
+            <a:r>
+              <a:rPr lang="pt-BR" dirty="0" smtClean="0"/>
+              <a:t>Data </a:t>
+            </a:r>
+            <a:r>
+              <a:rPr lang="pt-BR" dirty="0" err="1" smtClean="0"/>
+              <a:t>Acess</a:t>
+            </a:r>
+            <a:r>
+              <a:rPr lang="pt-BR" dirty="0" smtClean="0"/>
+              <a:t> </a:t>
+            </a:r>
+            <a:r>
+              <a:rPr lang="pt-BR" dirty="0" err="1" smtClean="0"/>
+              <a:t>Object</a:t>
+            </a:r>
+            <a:endParaRPr lang="pt-BR" dirty="0" smtClean="0"/>
+          </a:p>
+          <a:p>
+            <a:endParaRPr lang="pt-BR" dirty="0" smtClean="0"/>
+          </a:p>
+          <a:p>
+            <a:endParaRPr lang="pt-BR" dirty="0"/>
+          </a:p>
+        </p:txBody>
+      </p:sp>
+      <p:pic>
+        <p:nvPicPr>
+          <p:cNvPr id="4" name="Imagem 3"/>
+          <p:cNvPicPr>
+            <a:picLocks noChangeAspect="1"/>
+          </p:cNvPicPr>
+          <p:nvPr/>
+        </p:nvPicPr>
+        <p:blipFill>
+          <a:blip r:embed="rId2">
+            <a:duotone>
+              <a:prstClr val="black"/>
+              <a:srgbClr val="D9C3A5">
+                <a:tint val="50000"/>
+                <a:satMod val="180000"/>
+              </a:srgbClr>
+            </a:duotone>
+          </a:blip>
+          <a:stretch>
+            <a:fillRect/>
+          </a:stretch>
+        </p:blipFill>
+        <p:spPr>
+          <a:xfrm>
+            <a:off x="4357199" y="2213814"/>
+            <a:ext cx="4171950" cy="3343275"/>
+          </a:xfrm>
+          <a:prstGeom prst="rect">
+            <a:avLst/>
+          </a:prstGeom>
+        </p:spPr>
+      </p:pic>
+      <p:sp>
+        <p:nvSpPr>
+          <p:cNvPr id="5" name="CaixaDeTexto 4"/>
+          <p:cNvSpPr txBox="1"/>
+          <p:nvPr/>
+        </p:nvSpPr>
+        <p:spPr>
+          <a:xfrm>
+            <a:off x="8822724" y="2471351"/>
+            <a:ext cx="1959383" cy="369332"/>
+          </a:xfrm>
+          <a:prstGeom prst="rect">
+            <a:avLst/>
+          </a:prstGeom>
+          <a:noFill/>
+        </p:spPr>
+        <p:txBody>
+          <a:bodyPr wrap="none" rtlCol="0">
+            <a:spAutoFit/>
+          </a:bodyPr>
+          <a:lstStyle/>
+          <a:p>
+            <a:r>
+              <a:rPr lang="pt-BR" dirty="0" smtClean="0"/>
+              <a:t>Padrões de Projeto</a:t>
+            </a:r>
+            <a:endParaRPr lang="pt-BR" dirty="0"/>
+          </a:p>
+        </p:txBody>
+      </p:sp>
+      <p:pic>
+        <p:nvPicPr>
+          <p:cNvPr id="6" name="Imagem 5"/>
+          <p:cNvPicPr>
+            <a:picLocks noChangeAspect="1"/>
+          </p:cNvPicPr>
+          <p:nvPr/>
+        </p:nvPicPr>
+        <p:blipFill>
+          <a:blip r:embed="rId3"/>
+          <a:stretch>
+            <a:fillRect/>
+          </a:stretch>
+        </p:blipFill>
+        <p:spPr>
+          <a:xfrm>
+            <a:off x="9320598" y="2915915"/>
+            <a:ext cx="800100" cy="295275"/>
+          </a:xfrm>
+          <a:prstGeom prst="rect">
+            <a:avLst/>
+          </a:prstGeom>
+        </p:spPr>
+      </p:pic>
+      <p:pic>
+        <p:nvPicPr>
+          <p:cNvPr id="7" name="Imagem 6"/>
+          <p:cNvPicPr>
+            <a:picLocks noChangeAspect="1"/>
+          </p:cNvPicPr>
+          <p:nvPr/>
+        </p:nvPicPr>
+        <p:blipFill>
+          <a:blip r:embed="rId4"/>
+          <a:stretch>
+            <a:fillRect/>
+          </a:stretch>
+        </p:blipFill>
+        <p:spPr>
+          <a:xfrm>
+            <a:off x="8907065" y="3305433"/>
+            <a:ext cx="1790700" cy="238125"/>
+          </a:xfrm>
+          <a:prstGeom prst="rect">
+            <a:avLst/>
+          </a:prstGeom>
+        </p:spPr>
+      </p:pic>
+      <p:pic>
+        <p:nvPicPr>
+          <p:cNvPr id="8" name="Imagem 7"/>
+          <p:cNvPicPr>
+            <a:picLocks noChangeAspect="1"/>
+          </p:cNvPicPr>
+          <p:nvPr/>
+        </p:nvPicPr>
+        <p:blipFill>
+          <a:blip r:embed="rId5"/>
+          <a:stretch>
+            <a:fillRect/>
+          </a:stretch>
+        </p:blipFill>
+        <p:spPr>
+          <a:xfrm>
+            <a:off x="9439660" y="3637802"/>
+            <a:ext cx="561975" cy="247650"/>
+          </a:xfrm>
+          <a:prstGeom prst="rect">
+            <a:avLst/>
+          </a:prstGeom>
+        </p:spPr>
+      </p:pic>
+      <p:cxnSp>
+        <p:nvCxnSpPr>
+          <p:cNvPr id="10" name="Conector de seta reta 9"/>
+          <p:cNvCxnSpPr>
+            <a:endCxn id="11" idx="1"/>
+          </p:cNvCxnSpPr>
+          <p:nvPr/>
+        </p:nvCxnSpPr>
+        <p:spPr>
+          <a:xfrm>
+            <a:off x="6489324" y="3543558"/>
+            <a:ext cx="2333400" cy="851930"/>
+          </a:xfrm>
+          <a:prstGeom prst="straightConnector1">
+            <a:avLst/>
+          </a:prstGeom>
+          <a:ln>
+            <a:tailEnd type="triangle"/>
+          </a:ln>
+        </p:spPr>
+        <p:style>
+          <a:lnRef idx="1">
+            <a:schemeClr val="accent1"/>
+          </a:lnRef>
+          <a:fillRef idx="0">
+            <a:schemeClr val="accent1"/>
+          </a:fillRef>
+          <a:effectRef idx="0">
+            <a:schemeClr val="accent1"/>
+          </a:effectRef>
+          <a:fontRef idx="minor">
+            <a:schemeClr val="tx1"/>
+          </a:fontRef>
+        </p:style>
+      </p:cxnSp>
+      <p:sp>
+        <p:nvSpPr>
+          <p:cNvPr id="11" name="CaixaDeTexto 10"/>
+          <p:cNvSpPr txBox="1"/>
+          <p:nvPr/>
+        </p:nvSpPr>
+        <p:spPr>
+          <a:xfrm>
+            <a:off x="8822724" y="4210822"/>
+            <a:ext cx="2197486" cy="369332"/>
+          </a:xfrm>
+          <a:prstGeom prst="rect">
+            <a:avLst/>
+          </a:prstGeom>
+          <a:noFill/>
+        </p:spPr>
+        <p:txBody>
+          <a:bodyPr wrap="square" rtlCol="0">
+            <a:spAutoFit/>
+          </a:bodyPr>
+          <a:lstStyle/>
+          <a:p>
+            <a:r>
+              <a:rPr lang="pt-BR" dirty="0" smtClean="0"/>
+              <a:t>Gerente de Serviços</a:t>
+            </a:r>
+            <a:endParaRPr lang="pt-BR" dirty="0"/>
+          </a:p>
+        </p:txBody>
+      </p:sp>
+      <p:cxnSp>
+        <p:nvCxnSpPr>
+          <p:cNvPr id="13" name="Conector reto 12"/>
+          <p:cNvCxnSpPr>
+            <a:endCxn id="14" idx="1"/>
+          </p:cNvCxnSpPr>
+          <p:nvPr/>
+        </p:nvCxnSpPr>
+        <p:spPr>
+          <a:xfrm>
+            <a:off x="5646239" y="4221803"/>
+            <a:ext cx="2160438" cy="1657847"/>
+          </a:xfrm>
+          <a:prstGeom prst="line">
+            <a:avLst/>
+          </a:prstGeom>
+        </p:spPr>
+        <p:style>
+          <a:lnRef idx="1">
+            <a:schemeClr val="accent1"/>
+          </a:lnRef>
+          <a:fillRef idx="0">
+            <a:schemeClr val="accent1"/>
+          </a:fillRef>
+          <a:effectRef idx="0">
+            <a:schemeClr val="accent1"/>
+          </a:effectRef>
+          <a:fontRef idx="minor">
+            <a:schemeClr val="tx1"/>
+          </a:fontRef>
+        </p:style>
+      </p:cxnSp>
+      <p:sp>
+        <p:nvSpPr>
+          <p:cNvPr id="14" name="CaixaDeTexto 13"/>
+          <p:cNvSpPr txBox="1"/>
+          <p:nvPr/>
+        </p:nvSpPr>
+        <p:spPr>
+          <a:xfrm>
+            <a:off x="7806677" y="5556484"/>
+            <a:ext cx="2975430" cy="646331"/>
+          </a:xfrm>
+          <a:prstGeom prst="rect">
+            <a:avLst/>
+          </a:prstGeom>
+          <a:noFill/>
+        </p:spPr>
+        <p:txBody>
+          <a:bodyPr wrap="none" rtlCol="0">
+            <a:spAutoFit/>
+          </a:bodyPr>
+          <a:lstStyle/>
+          <a:p>
+            <a:r>
+              <a:rPr lang="pt-BR" dirty="0" smtClean="0"/>
+              <a:t>Aplicativo efetua o download </a:t>
+            </a:r>
+          </a:p>
+          <a:p>
+            <a:r>
+              <a:rPr lang="pt-BR" dirty="0" smtClean="0"/>
+              <a:t>e conversão para texto</a:t>
+            </a:r>
+            <a:endParaRPr lang="pt-BR" dirty="0"/>
+          </a:p>
+        </p:txBody>
+      </p:sp>
+    </p:spTree>
+    <p:extLst>
+      <p:ext uri="{BB962C8B-B14F-4D97-AF65-F5344CB8AC3E}">
+        <p14:creationId xmlns:p14="http://schemas.microsoft.com/office/powerpoint/2010/main" val="1734729313"/>
+      </p:ext>
+    </p:extLst>
+  </p:cSld>
+  <p:clrMapOvr>
+    <a:masterClrMapping/>
+  </p:clrMapOvr>
+  <p:timing>
+    <p:tnLst>
+      <p:par>
+        <p:cTn id="1" dur="indefinite" restart="never" nodeType="tmRoot"/>
+      </p:par>
+    </p:tnLst>
+  </p:timing>
+</p:sld>
+</file>
+
+<file path=ppt/slides/slide8.xml><?xml version="1.0" encoding="utf-8"?>
+<p:sld xmlns:a="http://schemas.openxmlformats.org/drawingml/2006/main" xmlns:r="http://schemas.openxmlformats.org/officeDocument/2006/relationships" xmlns:p="http://schemas.openxmlformats.org/presentationml/2006/main">
+  <p:cSld>
+    <p:bg>
+      <p:bgPr>
+        <a:gradFill>
+          <a:gsLst>
+            <a:gs pos="0">
+              <a:schemeClr val="accent1">
+                <a:lumMod val="5000"/>
+                <a:lumOff val="95000"/>
+              </a:schemeClr>
+            </a:gs>
+            <a:gs pos="74000">
+              <a:schemeClr val="accent1">
+                <a:lumMod val="45000"/>
+                <a:lumOff val="55000"/>
+              </a:schemeClr>
+            </a:gs>
+            <a:gs pos="83000">
+              <a:schemeClr val="accent1">
+                <a:lumMod val="45000"/>
+                <a:lumOff val="55000"/>
+              </a:schemeClr>
+            </a:gs>
+            <a:gs pos="100000">
+              <a:schemeClr val="accent1">
+                <a:lumMod val="30000"/>
+                <a:lumOff val="70000"/>
+              </a:schemeClr>
+            </a:gs>
+          </a:gsLst>
+          <a:lin ang="5400000" scaled="1"/>
+        </a:gradFill>
+        <a:effectLst/>
+      </p:bgPr>
+    </p:bg>
+    <p:spTree>
+      <p:nvGrpSpPr>
+        <p:cNvPr id="1" name=""/>
+        <p:cNvGrpSpPr/>
+        <p:nvPr/>
+      </p:nvGrpSpPr>
+      <p:grpSpPr>
+        <a:xfrm>
+          <a:off x="0" y="0"/>
+          <a:ext cx="0" cy="0"/>
+          <a:chOff x="0" y="0"/>
+          <a:chExt cx="0" cy="0"/>
+        </a:xfrm>
+      </p:grpSpPr>
+      <p:sp>
+        <p:nvSpPr>
+          <p:cNvPr id="2" name="Título 1"/>
+          <p:cNvSpPr>
+            <a:spLocks noGrp="1"/>
+          </p:cNvSpPr>
+          <p:nvPr>
+            <p:ph type="title"/>
+          </p:nvPr>
+        </p:nvSpPr>
+        <p:spPr/>
+        <p:txBody>
+          <a:bodyPr/>
+          <a:lstStyle/>
+          <a:p>
+            <a:r>
+              <a:rPr lang="pt-BR" dirty="0" smtClean="0"/>
+              <a:t>Strategy</a:t>
+            </a:r>
+            <a:endParaRPr lang="pt-BR" dirty="0"/>
+          </a:p>
+        </p:txBody>
+      </p:sp>
+      <p:pic>
+        <p:nvPicPr>
+          <p:cNvPr id="4" name="Espaço Reservado para Conteúdo 3"/>
+          <p:cNvPicPr>
+            <a:picLocks noGrp="1" noChangeAspect="1"/>
+          </p:cNvPicPr>
+          <p:nvPr>
+            <p:ph idx="1"/>
+          </p:nvPr>
+        </p:nvPicPr>
+        <p:blipFill>
+          <a:blip r:embed="rId2">
+            <a:duotone>
+              <a:prstClr val="black"/>
+              <a:schemeClr val="accent1">
+                <a:tint val="45000"/>
+                <a:satMod val="400000"/>
+              </a:schemeClr>
+            </a:duotone>
+          </a:blip>
+          <a:stretch>
+            <a:fillRect/>
+          </a:stretch>
+        </p:blipFill>
+        <p:spPr>
+          <a:xfrm>
+            <a:off x="4024312" y="2539206"/>
+            <a:ext cx="4143375" cy="2924175"/>
+          </a:xfrm>
+          <a:prstGeom prst="rect">
+            <a:avLst/>
+          </a:prstGeom>
+        </p:spPr>
+      </p:pic>
+      <p:sp>
+        <p:nvSpPr>
+          <p:cNvPr id="5" name="CaixaDeTexto 4"/>
+          <p:cNvSpPr txBox="1"/>
+          <p:nvPr/>
+        </p:nvSpPr>
+        <p:spPr>
+          <a:xfrm>
+            <a:off x="8402595" y="2907957"/>
+            <a:ext cx="3427477" cy="1754326"/>
+          </a:xfrm>
+          <a:prstGeom prst="rect">
+            <a:avLst/>
+          </a:prstGeom>
+          <a:noFill/>
+        </p:spPr>
+        <p:txBody>
+          <a:bodyPr wrap="none" rtlCol="0">
+            <a:spAutoFit/>
+          </a:bodyPr>
+          <a:lstStyle/>
+          <a:p>
+            <a:r>
+              <a:rPr lang="pt-BR" dirty="0" smtClean="0"/>
+              <a:t>Perfil </a:t>
+            </a:r>
+          </a:p>
+          <a:p>
+            <a:r>
+              <a:rPr lang="pt-BR" dirty="0" smtClean="0"/>
+              <a:t>Integração Usuário Não PCD/Idoso</a:t>
+            </a:r>
+          </a:p>
+          <a:p>
+            <a:r>
+              <a:rPr lang="pt-BR" dirty="0" smtClean="0"/>
+              <a:t>Integração Usuário Perda/Visão</a:t>
+            </a:r>
+          </a:p>
+          <a:p>
+            <a:endParaRPr lang="pt-BR" dirty="0"/>
+          </a:p>
+          <a:p>
+            <a:r>
+              <a:rPr lang="pt-BR" dirty="0" smtClean="0"/>
+              <a:t>Bulário</a:t>
+            </a:r>
+          </a:p>
+          <a:p>
+            <a:r>
+              <a:rPr lang="pt-BR" dirty="0" smtClean="0"/>
+              <a:t>Integração Bulário ANVISA</a:t>
+            </a:r>
+            <a:endParaRPr lang="pt-BR" dirty="0"/>
+          </a:p>
+        </p:txBody>
+      </p:sp>
+      <p:sp>
+        <p:nvSpPr>
+          <p:cNvPr id="6" name="CaixaDeTexto 5"/>
+          <p:cNvSpPr txBox="1"/>
+          <p:nvPr/>
+        </p:nvSpPr>
+        <p:spPr>
+          <a:xfrm>
+            <a:off x="372763" y="3070371"/>
+            <a:ext cx="3563861" cy="1477328"/>
+          </a:xfrm>
+          <a:prstGeom prst="rect">
+            <a:avLst/>
+          </a:prstGeom>
+          <a:noFill/>
+        </p:spPr>
+        <p:txBody>
+          <a:bodyPr wrap="none" rtlCol="0">
+            <a:spAutoFit/>
+          </a:bodyPr>
+          <a:lstStyle/>
+          <a:p>
+            <a:r>
+              <a:rPr lang="pt-BR" dirty="0" smtClean="0"/>
+              <a:t>Encapsula as particularidades</a:t>
+            </a:r>
+          </a:p>
+          <a:p>
+            <a:r>
+              <a:rPr lang="pt-BR" dirty="0" smtClean="0"/>
+              <a:t>E facilita a troca de características</a:t>
+            </a:r>
+          </a:p>
+          <a:p>
+            <a:r>
+              <a:rPr lang="pt-BR" dirty="0"/>
+              <a:t>d</a:t>
+            </a:r>
+            <a:r>
+              <a:rPr lang="pt-BR" dirty="0" smtClean="0"/>
+              <a:t>os agentes que executam papeis </a:t>
+            </a:r>
+          </a:p>
+          <a:p>
+            <a:r>
+              <a:rPr lang="pt-BR" dirty="0"/>
+              <a:t>d</a:t>
+            </a:r>
+            <a:r>
+              <a:rPr lang="pt-BR" dirty="0" smtClean="0"/>
+              <a:t>entro de um sistema. Propicia um </a:t>
+            </a:r>
+          </a:p>
+          <a:p>
+            <a:r>
+              <a:rPr lang="pt-BR" dirty="0" smtClean="0"/>
+              <a:t>anonimato para o agente das ações.</a:t>
+            </a:r>
+          </a:p>
+        </p:txBody>
+      </p:sp>
+    </p:spTree>
+    <p:extLst>
+      <p:ext uri="{BB962C8B-B14F-4D97-AF65-F5344CB8AC3E}">
+        <p14:creationId xmlns:p14="http://schemas.microsoft.com/office/powerpoint/2010/main" val="54208696"/>
+      </p:ext>
+    </p:extLst>
+  </p:cSld>
+  <p:clrMapOvr>
+    <a:masterClrMapping/>
+  </p:clrMapOvr>
+  <p:timing>
+    <p:tnLst>
+      <p:par>
+        <p:cTn id="1" dur="indefinite" restart="never" nodeType="tmRoot"/>
+      </p:par>
+    </p:tnLst>
+  </p:timing>
+</p:sld>
+</file>
+
+<file path=ppt/slides/slide9.xml><?xml version="1.0" encoding="utf-8"?>
+<p:sld xmlns:a="http://schemas.openxmlformats.org/drawingml/2006/main" xmlns:r="http://schemas.openxmlformats.org/officeDocument/2006/relationships" xmlns:p="http://schemas.openxmlformats.org/presentationml/2006/main">
+  <p:cSld>
+    <p:bg>
+      <p:bgPr>
+        <a:gradFill>
+          <a:gsLst>
+            <a:gs pos="0">
+              <a:schemeClr val="accent1">
+                <a:lumMod val="5000"/>
+                <a:lumOff val="95000"/>
+              </a:schemeClr>
+            </a:gs>
+            <a:gs pos="74000">
+              <a:schemeClr val="accent1">
+                <a:lumMod val="45000"/>
+                <a:lumOff val="55000"/>
+              </a:schemeClr>
+            </a:gs>
+            <a:gs pos="83000">
+              <a:schemeClr val="accent1">
+                <a:lumMod val="45000"/>
+                <a:lumOff val="55000"/>
+              </a:schemeClr>
+            </a:gs>
+            <a:gs pos="100000">
+              <a:schemeClr val="accent1">
+                <a:lumMod val="30000"/>
+                <a:lumOff val="70000"/>
+              </a:schemeClr>
+            </a:gs>
+          </a:gsLst>
+          <a:lin ang="5400000" scaled="1"/>
+        </a:gradFill>
+        <a:effectLst/>
+      </p:bgPr>
+    </p:bg>
+    <p:spTree>
+      <p:nvGrpSpPr>
+        <p:cNvPr id="1" name=""/>
+        <p:cNvGrpSpPr/>
+        <p:nvPr/>
+      </p:nvGrpSpPr>
+      <p:grpSpPr>
+        <a:xfrm>
+          <a:off x="0" y="0"/>
+          <a:ext cx="0" cy="0"/>
+          <a:chOff x="0" y="0"/>
+          <a:chExt cx="0" cy="0"/>
+        </a:xfrm>
+      </p:grpSpPr>
+      <p:sp>
+        <p:nvSpPr>
+          <p:cNvPr id="2" name="Título 1"/>
+          <p:cNvSpPr>
+            <a:spLocks noGrp="1"/>
+          </p:cNvSpPr>
+          <p:nvPr>
+            <p:ph type="title"/>
+          </p:nvPr>
+        </p:nvSpPr>
+        <p:spPr/>
+        <p:txBody>
+          <a:bodyPr/>
+          <a:lstStyle/>
+          <a:p>
+            <a:r>
+              <a:rPr lang="pt-BR" dirty="0" smtClean="0"/>
+              <a:t>Chain </a:t>
+            </a:r>
+            <a:r>
+              <a:rPr lang="pt-BR" dirty="0" err="1" smtClean="0"/>
+              <a:t>of</a:t>
+            </a:r>
+            <a:r>
+              <a:rPr lang="pt-BR" dirty="0" smtClean="0"/>
+              <a:t> </a:t>
+            </a:r>
+            <a:r>
+              <a:rPr lang="pt-BR" dirty="0" err="1" smtClean="0"/>
+              <a:t>Responsability</a:t>
+            </a:r>
+            <a:endParaRPr lang="pt-BR" dirty="0"/>
+          </a:p>
+        </p:txBody>
+      </p:sp>
+      <p:pic>
+        <p:nvPicPr>
+          <p:cNvPr id="4" name="Espaço Reservado para Conteúdo 3"/>
+          <p:cNvPicPr>
+            <a:picLocks noGrp="1" noChangeAspect="1"/>
+          </p:cNvPicPr>
+          <p:nvPr>
+            <p:ph idx="1"/>
+          </p:nvPr>
+        </p:nvPicPr>
+        <p:blipFill>
+          <a:blip r:embed="rId2">
+            <a:duotone>
+              <a:prstClr val="black"/>
+              <a:schemeClr val="accent4">
+                <a:tint val="45000"/>
+                <a:satMod val="400000"/>
+              </a:schemeClr>
+            </a:duotone>
+          </a:blip>
+          <a:stretch>
+            <a:fillRect/>
+          </a:stretch>
+        </p:blipFill>
+        <p:spPr>
+          <a:xfrm>
+            <a:off x="3981450" y="2729706"/>
+            <a:ext cx="4229100" cy="2543175"/>
+          </a:xfrm>
+          <a:prstGeom prst="rect">
+            <a:avLst/>
+          </a:prstGeom>
+        </p:spPr>
+      </p:pic>
+      <p:sp>
+        <p:nvSpPr>
+          <p:cNvPr id="5" name="CaixaDeTexto 4"/>
+          <p:cNvSpPr txBox="1"/>
+          <p:nvPr/>
+        </p:nvSpPr>
+        <p:spPr>
+          <a:xfrm>
+            <a:off x="1098958" y="3590488"/>
+            <a:ext cx="2752420" cy="1200329"/>
+          </a:xfrm>
+          <a:prstGeom prst="rect">
+            <a:avLst/>
+          </a:prstGeom>
+          <a:noFill/>
+        </p:spPr>
+        <p:txBody>
+          <a:bodyPr wrap="none" rtlCol="0">
+            <a:spAutoFit/>
+          </a:bodyPr>
+          <a:lstStyle/>
+          <a:p>
+            <a:r>
+              <a:rPr lang="pt-BR" dirty="0" smtClean="0"/>
+              <a:t>Chamadas assíncronas são </a:t>
+            </a:r>
+          </a:p>
+          <a:p>
+            <a:r>
+              <a:rPr lang="pt-BR" dirty="0" smtClean="0"/>
+              <a:t>beneficiadas pela cadeia</a:t>
+            </a:r>
+          </a:p>
+          <a:p>
+            <a:r>
+              <a:rPr lang="pt-BR" dirty="0" smtClean="0"/>
+              <a:t>de execução de uma série</a:t>
+            </a:r>
+          </a:p>
+          <a:p>
+            <a:r>
+              <a:rPr lang="pt-BR" dirty="0" smtClean="0"/>
+              <a:t>de ações.</a:t>
+            </a:r>
+            <a:endParaRPr lang="pt-BR" dirty="0"/>
+          </a:p>
+        </p:txBody>
+      </p:sp>
+      <p:sp>
+        <p:nvSpPr>
+          <p:cNvPr id="6" name="CaixaDeTexto 5"/>
+          <p:cNvSpPr txBox="1"/>
+          <p:nvPr/>
+        </p:nvSpPr>
+        <p:spPr>
+          <a:xfrm>
+            <a:off x="8462450" y="2485949"/>
+            <a:ext cx="3650999" cy="3139321"/>
+          </a:xfrm>
+          <a:prstGeom prst="rect">
+            <a:avLst/>
+          </a:prstGeom>
+          <a:noFill/>
+        </p:spPr>
+        <p:txBody>
+          <a:bodyPr wrap="none" rtlCol="0">
+            <a:spAutoFit/>
+          </a:bodyPr>
+          <a:lstStyle/>
+          <a:p>
+            <a:r>
+              <a:rPr lang="pt-BR" dirty="0" smtClean="0"/>
+              <a:t>Ação Verificar Alarme</a:t>
+            </a:r>
+          </a:p>
+          <a:p>
+            <a:endParaRPr lang="pt-BR" dirty="0"/>
+          </a:p>
+          <a:p>
+            <a:r>
+              <a:rPr lang="pt-BR" dirty="0" smtClean="0"/>
+              <a:t>1-Coletar Horários (esperar)</a:t>
+            </a:r>
+          </a:p>
+          <a:p>
+            <a:r>
+              <a:rPr lang="pt-BR" dirty="0" smtClean="0"/>
+              <a:t>Executar ação 2</a:t>
+            </a:r>
+          </a:p>
+          <a:p>
+            <a:r>
+              <a:rPr lang="pt-BR" dirty="0" smtClean="0"/>
+              <a:t>2-Coletar Medicamentos (esperar)</a:t>
+            </a:r>
+          </a:p>
+          <a:p>
+            <a:r>
+              <a:rPr lang="pt-BR" dirty="0" smtClean="0"/>
+              <a:t>Executar ação 3</a:t>
+            </a:r>
+          </a:p>
+          <a:p>
+            <a:r>
+              <a:rPr lang="pt-BR" dirty="0" smtClean="0"/>
+              <a:t>3-Verificar se há atrasos (esperar)</a:t>
+            </a:r>
+          </a:p>
+          <a:p>
+            <a:r>
+              <a:rPr lang="pt-BR" dirty="0" smtClean="0"/>
+              <a:t>Executar ação 4</a:t>
+            </a:r>
+          </a:p>
+          <a:p>
+            <a:r>
+              <a:rPr lang="pt-BR" dirty="0" smtClean="0"/>
+              <a:t>4-Devolver dados para ação principal</a:t>
+            </a:r>
+          </a:p>
+          <a:p>
+            <a:r>
+              <a:rPr lang="pt-BR" dirty="0" smtClean="0"/>
+              <a:t>Chamar recurso de voz para ler </a:t>
+            </a:r>
+          </a:p>
+          <a:p>
+            <a:r>
+              <a:rPr lang="pt-BR" dirty="0" smtClean="0"/>
+              <a:t>Resultado/notificar no dispositivo</a:t>
+            </a:r>
+            <a:endParaRPr lang="pt-BR" dirty="0"/>
+          </a:p>
+        </p:txBody>
+      </p:sp>
+      <p:sp>
+        <p:nvSpPr>
+          <p:cNvPr id="7" name="CaixaDeTexto 6"/>
+          <p:cNvSpPr txBox="1"/>
+          <p:nvPr/>
+        </p:nvSpPr>
+        <p:spPr>
+          <a:xfrm>
+            <a:off x="3963559" y="5625270"/>
+            <a:ext cx="4417043" cy="369332"/>
+          </a:xfrm>
+          <a:prstGeom prst="rect">
+            <a:avLst/>
+          </a:prstGeom>
+          <a:noFill/>
+        </p:spPr>
+        <p:txBody>
+          <a:bodyPr wrap="none" rtlCol="0">
+            <a:spAutoFit/>
+          </a:bodyPr>
+          <a:lstStyle/>
+          <a:p>
+            <a:r>
+              <a:rPr lang="pt-BR" dirty="0" smtClean="0"/>
+              <a:t>Firebase é um banco nativamente assíncrono</a:t>
+            </a:r>
+            <a:endParaRPr lang="pt-BR" dirty="0"/>
+          </a:p>
+        </p:txBody>
+      </p:sp>
+    </p:spTree>
+    <p:extLst>
+      <p:ext uri="{BB962C8B-B14F-4D97-AF65-F5344CB8AC3E}">
+        <p14:creationId xmlns:p14="http://schemas.microsoft.com/office/powerpoint/2010/main" val="507642629"/>
       </p:ext>
     </p:extLst>
   </p:cSld>
